--- a/reports/Capstone2_Final_Report_Pres.pptx
+++ b/reports/Capstone2_Final_Report_Pres.pptx
@@ -12,7 +12,16 @@
     <p:sldId id="260" r:id="rId6"/>
     <p:sldId id="261" r:id="rId7"/>
     <p:sldId id="263" r:id="rId8"/>
-    <p:sldId id="284" r:id="rId9"/>
+    <p:sldId id="287" r:id="rId9"/>
+    <p:sldId id="284" r:id="rId10"/>
+    <p:sldId id="288" r:id="rId11"/>
+    <p:sldId id="289" r:id="rId12"/>
+    <p:sldId id="290" r:id="rId13"/>
+    <p:sldId id="293" r:id="rId14"/>
+    <p:sldId id="294" r:id="rId15"/>
+    <p:sldId id="295" r:id="rId16"/>
+    <p:sldId id="291" r:id="rId17"/>
+    <p:sldId id="292" r:id="rId18"/>
   </p:sldIdLst>
   <p:sldSz cx="9144000" cy="5143500" type="screen16x9"/>
   <p:notesSz cx="6858000" cy="9144000"/>
@@ -114,6 +123,3253 @@
 </p:presentation>
 </file>
 
+<file path=ppt/diagrams/colors1.xml><?xml version="1.0" encoding="utf-8"?>
+<dgm:colorsDef xmlns:dgm="http://schemas.openxmlformats.org/drawingml/2006/diagram" xmlns:a="http://schemas.openxmlformats.org/drawingml/2006/main" uniqueId="urn:microsoft.com/office/officeart/2005/8/colors/colorful1">
+  <dgm:title val=""/>
+  <dgm:desc val=""/>
+  <dgm:catLst>
+    <dgm:cat type="colorful" pri="10100"/>
+  </dgm:catLst>
+  <dgm:styleLbl name="node0">
+    <dgm:fillClrLst meth="repeat">
+      <a:schemeClr val="accent1"/>
+    </dgm:fillClrLst>
+    <dgm:linClrLst meth="repeat">
+      <a:schemeClr val="lt1"/>
+    </dgm:linClrLst>
+    <dgm:effectClrLst/>
+    <dgm:txLinClrLst/>
+    <dgm:txFillClrLst/>
+    <dgm:txEffectClrLst/>
+  </dgm:styleLbl>
+  <dgm:styleLbl name="node1">
+    <dgm:fillClrLst meth="repeat">
+      <a:schemeClr val="accent2"/>
+      <a:schemeClr val="accent3"/>
+      <a:schemeClr val="accent4"/>
+      <a:schemeClr val="accent5"/>
+      <a:schemeClr val="accent6"/>
+    </dgm:fillClrLst>
+    <dgm:linClrLst meth="repeat">
+      <a:schemeClr val="lt1"/>
+    </dgm:linClrLst>
+    <dgm:effectClrLst/>
+    <dgm:txLinClrLst/>
+    <dgm:txFillClrLst/>
+    <dgm:txEffectClrLst/>
+  </dgm:styleLbl>
+  <dgm:styleLbl name="alignNode1">
+    <dgm:fillClrLst meth="repeat">
+      <a:schemeClr val="accent2"/>
+      <a:schemeClr val="accent3"/>
+      <a:schemeClr val="accent4"/>
+      <a:schemeClr val="accent5"/>
+      <a:schemeClr val="accent6"/>
+    </dgm:fillClrLst>
+    <dgm:linClrLst meth="repeat">
+      <a:schemeClr val="accent2"/>
+      <a:schemeClr val="accent3"/>
+      <a:schemeClr val="accent4"/>
+      <a:schemeClr val="accent5"/>
+      <a:schemeClr val="accent6"/>
+    </dgm:linClrLst>
+    <dgm:effectClrLst/>
+    <dgm:txLinClrLst/>
+    <dgm:txFillClrLst/>
+    <dgm:txEffectClrLst/>
+  </dgm:styleLbl>
+  <dgm:styleLbl name="lnNode1">
+    <dgm:fillClrLst meth="repeat">
+      <a:schemeClr val="accent2"/>
+      <a:schemeClr val="accent3"/>
+      <a:schemeClr val="accent4"/>
+      <a:schemeClr val="accent5"/>
+      <a:schemeClr val="accent6"/>
+    </dgm:fillClrLst>
+    <dgm:linClrLst meth="repeat">
+      <a:schemeClr val="lt1"/>
+    </dgm:linClrLst>
+    <dgm:effectClrLst/>
+    <dgm:txLinClrLst/>
+    <dgm:txFillClrLst/>
+    <dgm:txEffectClrLst/>
+  </dgm:styleLbl>
+  <dgm:styleLbl name="vennNode1">
+    <dgm:fillClrLst meth="repeat">
+      <a:schemeClr val="accent2">
+        <a:alpha val="50000"/>
+      </a:schemeClr>
+      <a:schemeClr val="accent3">
+        <a:alpha val="50000"/>
+      </a:schemeClr>
+      <a:schemeClr val="accent4">
+        <a:alpha val="50000"/>
+      </a:schemeClr>
+      <a:schemeClr val="accent5">
+        <a:alpha val="50000"/>
+      </a:schemeClr>
+      <a:schemeClr val="accent6">
+        <a:alpha val="50000"/>
+      </a:schemeClr>
+    </dgm:fillClrLst>
+    <dgm:linClrLst meth="repeat">
+      <a:schemeClr val="lt1"/>
+    </dgm:linClrLst>
+    <dgm:effectClrLst/>
+    <dgm:txLinClrLst/>
+    <dgm:txFillClrLst/>
+    <dgm:txEffectClrLst/>
+  </dgm:styleLbl>
+  <dgm:styleLbl name="node2">
+    <dgm:fillClrLst>
+      <a:schemeClr val="accent2"/>
+    </dgm:fillClrLst>
+    <dgm:linClrLst meth="repeat">
+      <a:schemeClr val="lt1"/>
+    </dgm:linClrLst>
+    <dgm:effectClrLst/>
+    <dgm:txLinClrLst/>
+    <dgm:txFillClrLst/>
+    <dgm:txEffectClrLst/>
+  </dgm:styleLbl>
+  <dgm:styleLbl name="node3">
+    <dgm:fillClrLst>
+      <a:schemeClr val="accent3"/>
+    </dgm:fillClrLst>
+    <dgm:linClrLst meth="repeat">
+      <a:schemeClr val="lt1"/>
+    </dgm:linClrLst>
+    <dgm:effectClrLst/>
+    <dgm:txLinClrLst/>
+    <dgm:txFillClrLst/>
+    <dgm:txEffectClrLst/>
+  </dgm:styleLbl>
+  <dgm:styleLbl name="node4">
+    <dgm:fillClrLst>
+      <a:schemeClr val="accent4"/>
+    </dgm:fillClrLst>
+    <dgm:linClrLst meth="repeat">
+      <a:schemeClr val="lt1"/>
+    </dgm:linClrLst>
+    <dgm:effectClrLst/>
+    <dgm:txLinClrLst/>
+    <dgm:txFillClrLst/>
+    <dgm:txEffectClrLst/>
+  </dgm:styleLbl>
+  <dgm:styleLbl name="fgImgPlace1">
+    <dgm:fillClrLst meth="repeat">
+      <a:schemeClr val="accent2">
+        <a:tint val="50000"/>
+      </a:schemeClr>
+      <a:schemeClr val="accent3">
+        <a:tint val="50000"/>
+      </a:schemeClr>
+      <a:schemeClr val="accent4">
+        <a:tint val="50000"/>
+      </a:schemeClr>
+      <a:schemeClr val="accent5">
+        <a:tint val="50000"/>
+      </a:schemeClr>
+      <a:schemeClr val="accent6">
+        <a:tint val="50000"/>
+      </a:schemeClr>
+    </dgm:fillClrLst>
+    <dgm:linClrLst meth="repeat">
+      <a:schemeClr val="lt1"/>
+    </dgm:linClrLst>
+    <dgm:effectClrLst/>
+    <dgm:txLinClrLst/>
+    <dgm:txFillClrLst meth="repeat">
+      <a:schemeClr val="lt1"/>
+    </dgm:txFillClrLst>
+    <dgm:txEffectClrLst/>
+  </dgm:styleLbl>
+  <dgm:styleLbl name="alignImgPlace1">
+    <dgm:fillClrLst>
+      <a:schemeClr val="accent1">
+        <a:tint val="50000"/>
+      </a:schemeClr>
+      <a:schemeClr val="accent2">
+        <a:tint val="20000"/>
+      </a:schemeClr>
+    </dgm:fillClrLst>
+    <dgm:linClrLst meth="repeat">
+      <a:schemeClr val="lt1"/>
+    </dgm:linClrLst>
+    <dgm:effectClrLst/>
+    <dgm:txLinClrLst/>
+    <dgm:txFillClrLst meth="repeat">
+      <a:schemeClr val="lt1"/>
+    </dgm:txFillClrLst>
+    <dgm:txEffectClrLst/>
+  </dgm:styleLbl>
+  <dgm:styleLbl name="bgImgPlace1">
+    <dgm:fillClrLst>
+      <a:schemeClr val="accent1">
+        <a:tint val="50000"/>
+      </a:schemeClr>
+      <a:schemeClr val="accent2">
+        <a:tint val="20000"/>
+      </a:schemeClr>
+    </dgm:fillClrLst>
+    <dgm:linClrLst meth="repeat">
+      <a:schemeClr val="lt1"/>
+    </dgm:linClrLst>
+    <dgm:effectClrLst/>
+    <dgm:txLinClrLst/>
+    <dgm:txFillClrLst meth="repeat">
+      <a:schemeClr val="lt1"/>
+    </dgm:txFillClrLst>
+    <dgm:txEffectClrLst/>
+  </dgm:styleLbl>
+  <dgm:styleLbl name="sibTrans2D1">
+    <dgm:fillClrLst meth="repeat">
+      <a:schemeClr val="accent2"/>
+      <a:schemeClr val="accent3"/>
+      <a:schemeClr val="accent4"/>
+      <a:schemeClr val="accent5"/>
+      <a:schemeClr val="accent6"/>
+    </dgm:fillClrLst>
+    <dgm:linClrLst meth="cycle">
+      <a:schemeClr val="lt1"/>
+    </dgm:linClrLst>
+    <dgm:effectClrLst/>
+    <dgm:txLinClrLst/>
+    <dgm:txFillClrLst/>
+    <dgm:txEffectClrLst/>
+  </dgm:styleLbl>
+  <dgm:styleLbl name="fgSibTrans2D1">
+    <dgm:fillClrLst meth="repeat">
+      <a:schemeClr val="accent2"/>
+      <a:schemeClr val="accent3"/>
+      <a:schemeClr val="accent4"/>
+      <a:schemeClr val="accent5"/>
+      <a:schemeClr val="accent6"/>
+    </dgm:fillClrLst>
+    <dgm:linClrLst meth="cycle">
+      <a:schemeClr val="lt1"/>
+    </dgm:linClrLst>
+    <dgm:effectClrLst/>
+    <dgm:txLinClrLst/>
+    <dgm:txFillClrLst meth="repeat">
+      <a:schemeClr val="lt1"/>
+    </dgm:txFillClrLst>
+    <dgm:txEffectClrLst/>
+  </dgm:styleLbl>
+  <dgm:styleLbl name="bgSibTrans2D1">
+    <dgm:fillClrLst meth="repeat">
+      <a:schemeClr val="accent2"/>
+      <a:schemeClr val="accent3"/>
+      <a:schemeClr val="accent4"/>
+      <a:schemeClr val="accent5"/>
+      <a:schemeClr val="accent6"/>
+    </dgm:fillClrLst>
+    <dgm:linClrLst meth="cycle">
+      <a:schemeClr val="lt1"/>
+    </dgm:linClrLst>
+    <dgm:effectClrLst/>
+    <dgm:txLinClrLst/>
+    <dgm:txFillClrLst meth="repeat">
+      <a:schemeClr val="lt1"/>
+    </dgm:txFillClrLst>
+    <dgm:txEffectClrLst/>
+  </dgm:styleLbl>
+  <dgm:styleLbl name="sibTrans1D1">
+    <dgm:fillClrLst meth="repeat">
+      <a:schemeClr val="accent2"/>
+      <a:schemeClr val="accent3"/>
+      <a:schemeClr val="accent4"/>
+      <a:schemeClr val="accent5"/>
+      <a:schemeClr val="accent6"/>
+    </dgm:fillClrLst>
+    <dgm:linClrLst meth="repeat">
+      <a:schemeClr val="accent2"/>
+      <a:schemeClr val="accent3"/>
+      <a:schemeClr val="accent4"/>
+      <a:schemeClr val="accent5"/>
+      <a:schemeClr val="accent6"/>
+    </dgm:linClrLst>
+    <dgm:effectClrLst/>
+    <dgm:txLinClrLst/>
+    <dgm:txFillClrLst meth="repeat">
+      <a:schemeClr val="tx1"/>
+    </dgm:txFillClrLst>
+    <dgm:txEffectClrLst/>
+  </dgm:styleLbl>
+  <dgm:styleLbl name="callout">
+    <dgm:fillClrLst meth="repeat">
+      <a:schemeClr val="accent2"/>
+    </dgm:fillClrLst>
+    <dgm:linClrLst meth="repeat">
+      <a:schemeClr val="accent2">
+        <a:tint val="50000"/>
+      </a:schemeClr>
+    </dgm:linClrLst>
+    <dgm:effectClrLst/>
+    <dgm:txLinClrLst/>
+    <dgm:txFillClrLst meth="repeat">
+      <a:schemeClr val="tx1"/>
+    </dgm:txFillClrLst>
+    <dgm:txEffectClrLst/>
+  </dgm:styleLbl>
+  <dgm:styleLbl name="asst0">
+    <dgm:fillClrLst meth="repeat">
+      <a:schemeClr val="accent1"/>
+    </dgm:fillClrLst>
+    <dgm:linClrLst meth="repeat">
+      <a:schemeClr val="lt1"/>
+    </dgm:linClrLst>
+    <dgm:effectClrLst/>
+    <dgm:txLinClrLst/>
+    <dgm:txFillClrLst/>
+    <dgm:txEffectClrLst/>
+  </dgm:styleLbl>
+  <dgm:styleLbl name="asst1">
+    <dgm:fillClrLst meth="repeat">
+      <a:schemeClr val="accent2"/>
+    </dgm:fillClrLst>
+    <dgm:linClrLst meth="repeat">
+      <a:schemeClr val="lt1"/>
+    </dgm:linClrLst>
+    <dgm:effectClrLst/>
+    <dgm:txLinClrLst/>
+    <dgm:txFillClrLst/>
+    <dgm:txEffectClrLst/>
+  </dgm:styleLbl>
+  <dgm:styleLbl name="asst2">
+    <dgm:fillClrLst>
+      <a:schemeClr val="accent3"/>
+    </dgm:fillClrLst>
+    <dgm:linClrLst meth="repeat">
+      <a:schemeClr val="lt1"/>
+    </dgm:linClrLst>
+    <dgm:effectClrLst/>
+    <dgm:txLinClrLst/>
+    <dgm:txFillClrLst/>
+    <dgm:txEffectClrLst/>
+  </dgm:styleLbl>
+  <dgm:styleLbl name="asst3">
+    <dgm:fillClrLst>
+      <a:schemeClr val="accent4"/>
+    </dgm:fillClrLst>
+    <dgm:linClrLst meth="repeat">
+      <a:schemeClr val="lt1"/>
+    </dgm:linClrLst>
+    <dgm:effectClrLst/>
+    <dgm:txLinClrLst/>
+    <dgm:txFillClrLst/>
+    <dgm:txEffectClrLst/>
+  </dgm:styleLbl>
+  <dgm:styleLbl name="asst4">
+    <dgm:fillClrLst>
+      <a:schemeClr val="accent5"/>
+    </dgm:fillClrLst>
+    <dgm:linClrLst meth="repeat">
+      <a:schemeClr val="lt1"/>
+    </dgm:linClrLst>
+    <dgm:effectClrLst/>
+    <dgm:txLinClrLst/>
+    <dgm:txFillClrLst/>
+    <dgm:txEffectClrLst/>
+  </dgm:styleLbl>
+  <dgm:styleLbl name="parChTrans2D1">
+    <dgm:fillClrLst meth="repeat">
+      <a:schemeClr val="accent2"/>
+    </dgm:fillClrLst>
+    <dgm:linClrLst meth="repeat">
+      <a:schemeClr val="lt1"/>
+    </dgm:linClrLst>
+    <dgm:effectClrLst/>
+    <dgm:txLinClrLst/>
+    <dgm:txFillClrLst meth="repeat">
+      <a:schemeClr val="lt1"/>
+    </dgm:txFillClrLst>
+    <dgm:txEffectClrLst/>
+  </dgm:styleLbl>
+  <dgm:styleLbl name="parChTrans2D2">
+    <dgm:fillClrLst meth="repeat">
+      <a:schemeClr val="accent3"/>
+    </dgm:fillClrLst>
+    <dgm:linClrLst meth="repeat">
+      <a:schemeClr val="lt1"/>
+    </dgm:linClrLst>
+    <dgm:effectClrLst/>
+    <dgm:txLinClrLst/>
+    <dgm:txFillClrLst/>
+    <dgm:txEffectClrLst/>
+  </dgm:styleLbl>
+  <dgm:styleLbl name="parChTrans2D3">
+    <dgm:fillClrLst meth="repeat">
+      <a:schemeClr val="accent4"/>
+    </dgm:fillClrLst>
+    <dgm:linClrLst meth="repeat">
+      <a:schemeClr val="lt1"/>
+    </dgm:linClrLst>
+    <dgm:effectClrLst/>
+    <dgm:txLinClrLst/>
+    <dgm:txFillClrLst/>
+    <dgm:txEffectClrLst/>
+  </dgm:styleLbl>
+  <dgm:styleLbl name="parChTrans2D4">
+    <dgm:fillClrLst meth="repeat">
+      <a:schemeClr val="accent5"/>
+    </dgm:fillClrLst>
+    <dgm:linClrLst meth="repeat">
+      <a:schemeClr val="lt1"/>
+    </dgm:linClrLst>
+    <dgm:effectClrLst/>
+    <dgm:txLinClrLst/>
+    <dgm:txFillClrLst meth="repeat">
+      <a:schemeClr val="lt1"/>
+    </dgm:txFillClrLst>
+    <dgm:txEffectClrLst/>
+  </dgm:styleLbl>
+  <dgm:styleLbl name="parChTrans1D1">
+    <dgm:fillClrLst meth="repeat">
+      <a:schemeClr val="accent2"/>
+    </dgm:fillClrLst>
+    <dgm:linClrLst meth="repeat">
+      <a:schemeClr val="accent1"/>
+    </dgm:linClrLst>
+    <dgm:effectClrLst/>
+    <dgm:txLinClrLst/>
+    <dgm:txFillClrLst meth="repeat">
+      <a:schemeClr val="tx1"/>
+    </dgm:txFillClrLst>
+    <dgm:txEffectClrLst/>
+  </dgm:styleLbl>
+  <dgm:styleLbl name="parChTrans1D2">
+    <dgm:fillClrLst meth="repeat">
+      <a:schemeClr val="accent3">
+        <a:tint val="90000"/>
+      </a:schemeClr>
+    </dgm:fillClrLst>
+    <dgm:linClrLst meth="repeat">
+      <a:schemeClr val="accent2"/>
+    </dgm:linClrLst>
+    <dgm:effectClrLst/>
+    <dgm:txLinClrLst/>
+    <dgm:txFillClrLst meth="repeat">
+      <a:schemeClr val="tx1"/>
+    </dgm:txFillClrLst>
+    <dgm:txEffectClrLst/>
+  </dgm:styleLbl>
+  <dgm:styleLbl name="parChTrans1D3">
+    <dgm:fillClrLst meth="repeat">
+      <a:schemeClr val="accent4">
+        <a:tint val="70000"/>
+      </a:schemeClr>
+    </dgm:fillClrLst>
+    <dgm:linClrLst meth="repeat">
+      <a:schemeClr val="accent3"/>
+    </dgm:linClrLst>
+    <dgm:effectClrLst/>
+    <dgm:txLinClrLst/>
+    <dgm:txFillClrLst meth="repeat">
+      <a:schemeClr val="tx1"/>
+    </dgm:txFillClrLst>
+    <dgm:txEffectClrLst/>
+  </dgm:styleLbl>
+  <dgm:styleLbl name="parChTrans1D4">
+    <dgm:fillClrLst meth="repeat">
+      <a:schemeClr val="accent5">
+        <a:tint val="50000"/>
+      </a:schemeClr>
+    </dgm:fillClrLst>
+    <dgm:linClrLst meth="repeat">
+      <a:schemeClr val="accent4"/>
+    </dgm:linClrLst>
+    <dgm:effectClrLst/>
+    <dgm:txLinClrLst/>
+    <dgm:txFillClrLst meth="repeat">
+      <a:schemeClr val="tx1"/>
+    </dgm:txFillClrLst>
+    <dgm:txEffectClrLst/>
+  </dgm:styleLbl>
+  <dgm:styleLbl name="fgAcc1">
+    <dgm:fillClrLst meth="repeat">
+      <a:schemeClr val="lt1">
+        <a:alpha val="90000"/>
+      </a:schemeClr>
+    </dgm:fillClrLst>
+    <dgm:linClrLst meth="repeat">
+      <a:schemeClr val="accent2"/>
+      <a:schemeClr val="accent3"/>
+      <a:schemeClr val="accent4"/>
+      <a:schemeClr val="accent5"/>
+      <a:schemeClr val="accent6"/>
+    </dgm:linClrLst>
+    <dgm:effectClrLst/>
+    <dgm:txLinClrLst/>
+    <dgm:txFillClrLst meth="repeat">
+      <a:schemeClr val="dk1"/>
+    </dgm:txFillClrLst>
+    <dgm:txEffectClrLst/>
+  </dgm:styleLbl>
+  <dgm:styleLbl name="conFgAcc1">
+    <dgm:fillClrLst meth="repeat">
+      <a:schemeClr val="lt1">
+        <a:alpha val="90000"/>
+      </a:schemeClr>
+    </dgm:fillClrLst>
+    <dgm:linClrLst meth="repeat">
+      <a:schemeClr val="accent2"/>
+      <a:schemeClr val="accent3"/>
+      <a:schemeClr val="accent4"/>
+      <a:schemeClr val="accent5"/>
+      <a:schemeClr val="accent6"/>
+    </dgm:linClrLst>
+    <dgm:effectClrLst/>
+    <dgm:txLinClrLst/>
+    <dgm:txFillClrLst meth="repeat">
+      <a:schemeClr val="dk1"/>
+    </dgm:txFillClrLst>
+    <dgm:txEffectClrLst/>
+  </dgm:styleLbl>
+  <dgm:styleLbl name="alignAcc1">
+    <dgm:fillClrLst meth="repeat">
+      <a:schemeClr val="lt1">
+        <a:alpha val="90000"/>
+      </a:schemeClr>
+    </dgm:fillClrLst>
+    <dgm:linClrLst meth="repeat">
+      <a:schemeClr val="accent2"/>
+      <a:schemeClr val="accent3"/>
+      <a:schemeClr val="accent4"/>
+      <a:schemeClr val="accent5"/>
+      <a:schemeClr val="accent6"/>
+    </dgm:linClrLst>
+    <dgm:effectClrLst/>
+    <dgm:txLinClrLst/>
+    <dgm:txFillClrLst meth="repeat">
+      <a:schemeClr val="dk1"/>
+    </dgm:txFillClrLst>
+    <dgm:txEffectClrLst/>
+  </dgm:styleLbl>
+  <dgm:styleLbl name="trAlignAcc1">
+    <dgm:fillClrLst meth="repeat">
+      <a:schemeClr val="lt1">
+        <a:alpha val="40000"/>
+      </a:schemeClr>
+    </dgm:fillClrLst>
+    <dgm:linClrLst meth="repeat">
+      <a:schemeClr val="accent1"/>
+    </dgm:linClrLst>
+    <dgm:effectClrLst/>
+    <dgm:txLinClrLst/>
+    <dgm:txFillClrLst meth="repeat">
+      <a:schemeClr val="dk1"/>
+    </dgm:txFillClrLst>
+    <dgm:txEffectClrLst/>
+  </dgm:styleLbl>
+  <dgm:styleLbl name="bgAcc1">
+    <dgm:fillClrLst meth="repeat">
+      <a:schemeClr val="lt1">
+        <a:alpha val="90000"/>
+      </a:schemeClr>
+    </dgm:fillClrLst>
+    <dgm:linClrLst meth="repeat">
+      <a:schemeClr val="accent2"/>
+      <a:schemeClr val="accent3"/>
+      <a:schemeClr val="accent4"/>
+      <a:schemeClr val="accent5"/>
+      <a:schemeClr val="accent6"/>
+    </dgm:linClrLst>
+    <dgm:effectClrLst/>
+    <dgm:txLinClrLst/>
+    <dgm:txFillClrLst meth="repeat">
+      <a:schemeClr val="dk1"/>
+    </dgm:txFillClrLst>
+    <dgm:txEffectClrLst/>
+  </dgm:styleLbl>
+  <dgm:styleLbl name="solidFgAcc1">
+    <dgm:fillClrLst meth="repeat">
+      <a:schemeClr val="lt1"/>
+    </dgm:fillClrLst>
+    <dgm:linClrLst meth="repeat">
+      <a:schemeClr val="accent2"/>
+      <a:schemeClr val="accent3"/>
+      <a:schemeClr val="accent4"/>
+      <a:schemeClr val="accent5"/>
+      <a:schemeClr val="accent6"/>
+    </dgm:linClrLst>
+    <dgm:effectClrLst/>
+    <dgm:txLinClrLst/>
+    <dgm:txFillClrLst meth="repeat">
+      <a:schemeClr val="dk1"/>
+    </dgm:txFillClrLst>
+    <dgm:txEffectClrLst/>
+  </dgm:styleLbl>
+  <dgm:styleLbl name="solidAlignAcc1">
+    <dgm:fillClrLst meth="repeat">
+      <a:schemeClr val="lt1"/>
+    </dgm:fillClrLst>
+    <dgm:linClrLst meth="repeat">
+      <a:schemeClr val="accent2"/>
+      <a:schemeClr val="accent3"/>
+      <a:schemeClr val="accent4"/>
+      <a:schemeClr val="accent5"/>
+      <a:schemeClr val="accent6"/>
+    </dgm:linClrLst>
+    <dgm:effectClrLst/>
+    <dgm:txLinClrLst/>
+    <dgm:txFillClrLst meth="repeat">
+      <a:schemeClr val="dk1"/>
+    </dgm:txFillClrLst>
+    <dgm:txEffectClrLst/>
+  </dgm:styleLbl>
+  <dgm:styleLbl name="solidBgAcc1">
+    <dgm:fillClrLst meth="repeat">
+      <a:schemeClr val="lt1"/>
+    </dgm:fillClrLst>
+    <dgm:linClrLst meth="repeat">
+      <a:schemeClr val="accent2"/>
+      <a:schemeClr val="accent3"/>
+      <a:schemeClr val="accent4"/>
+      <a:schemeClr val="accent5"/>
+      <a:schemeClr val="accent6"/>
+    </dgm:linClrLst>
+    <dgm:effectClrLst/>
+    <dgm:txLinClrLst/>
+    <dgm:txFillClrLst meth="repeat">
+      <a:schemeClr val="dk1"/>
+    </dgm:txFillClrLst>
+    <dgm:txEffectClrLst/>
+  </dgm:styleLbl>
+  <dgm:styleLbl name="fgAccFollowNode1">
+    <dgm:fillClrLst meth="repeat">
+      <a:schemeClr val="accent2">
+        <a:tint val="40000"/>
+        <a:alpha val="90000"/>
+      </a:schemeClr>
+      <a:schemeClr val="accent3">
+        <a:tint val="40000"/>
+        <a:alpha val="90000"/>
+      </a:schemeClr>
+      <a:schemeClr val="accent4">
+        <a:tint val="40000"/>
+        <a:alpha val="90000"/>
+      </a:schemeClr>
+      <a:schemeClr val="accent5">
+        <a:tint val="40000"/>
+        <a:alpha val="90000"/>
+      </a:schemeClr>
+      <a:schemeClr val="accent6">
+        <a:tint val="40000"/>
+        <a:alpha val="90000"/>
+      </a:schemeClr>
+    </dgm:fillClrLst>
+    <dgm:linClrLst meth="repeat">
+      <a:schemeClr val="accent2">
+        <a:tint val="40000"/>
+        <a:alpha val="90000"/>
+      </a:schemeClr>
+      <a:schemeClr val="accent3">
+        <a:tint val="40000"/>
+        <a:alpha val="90000"/>
+      </a:schemeClr>
+      <a:schemeClr val="accent4">
+        <a:tint val="40000"/>
+        <a:alpha val="90000"/>
+      </a:schemeClr>
+      <a:schemeClr val="accent5">
+        <a:tint val="40000"/>
+        <a:alpha val="90000"/>
+      </a:schemeClr>
+      <a:schemeClr val="accent6">
+        <a:tint val="40000"/>
+        <a:alpha val="90000"/>
+      </a:schemeClr>
+    </dgm:linClrLst>
+    <dgm:effectClrLst/>
+    <dgm:txLinClrLst/>
+    <dgm:txFillClrLst meth="repeat">
+      <a:schemeClr val="dk1"/>
+    </dgm:txFillClrLst>
+    <dgm:txEffectClrLst/>
+  </dgm:styleLbl>
+  <dgm:styleLbl name="alignAccFollowNode1">
+    <dgm:fillClrLst meth="repeat">
+      <a:schemeClr val="accent2">
+        <a:tint val="40000"/>
+        <a:alpha val="90000"/>
+      </a:schemeClr>
+      <a:schemeClr val="accent3">
+        <a:tint val="40000"/>
+        <a:alpha val="90000"/>
+      </a:schemeClr>
+      <a:schemeClr val="accent4">
+        <a:tint val="40000"/>
+        <a:alpha val="90000"/>
+      </a:schemeClr>
+      <a:schemeClr val="accent5">
+        <a:tint val="40000"/>
+        <a:alpha val="90000"/>
+      </a:schemeClr>
+      <a:schemeClr val="accent6">
+        <a:tint val="40000"/>
+        <a:alpha val="90000"/>
+      </a:schemeClr>
+    </dgm:fillClrLst>
+    <dgm:linClrLst meth="repeat">
+      <a:schemeClr val="accent2">
+        <a:tint val="40000"/>
+        <a:alpha val="90000"/>
+      </a:schemeClr>
+      <a:schemeClr val="accent3">
+        <a:tint val="40000"/>
+        <a:alpha val="90000"/>
+      </a:schemeClr>
+      <a:schemeClr val="accent4">
+        <a:tint val="40000"/>
+        <a:alpha val="90000"/>
+      </a:schemeClr>
+      <a:schemeClr val="accent5">
+        <a:tint val="40000"/>
+        <a:alpha val="90000"/>
+      </a:schemeClr>
+      <a:schemeClr val="accent6">
+        <a:tint val="40000"/>
+        <a:alpha val="90000"/>
+      </a:schemeClr>
+    </dgm:linClrLst>
+    <dgm:effectClrLst/>
+    <dgm:txLinClrLst/>
+    <dgm:txFillClrLst meth="repeat">
+      <a:schemeClr val="dk1"/>
+    </dgm:txFillClrLst>
+    <dgm:txEffectClrLst/>
+  </dgm:styleLbl>
+  <dgm:styleLbl name="bgAccFollowNode1">
+    <dgm:fillClrLst meth="repeat">
+      <a:schemeClr val="accent2">
+        <a:tint val="40000"/>
+        <a:alpha val="90000"/>
+      </a:schemeClr>
+      <a:schemeClr val="accent3">
+        <a:tint val="40000"/>
+        <a:alpha val="90000"/>
+      </a:schemeClr>
+      <a:schemeClr val="accent4">
+        <a:tint val="40000"/>
+        <a:alpha val="90000"/>
+      </a:schemeClr>
+      <a:schemeClr val="accent5">
+        <a:tint val="40000"/>
+        <a:alpha val="90000"/>
+      </a:schemeClr>
+      <a:schemeClr val="accent6">
+        <a:tint val="40000"/>
+        <a:alpha val="90000"/>
+      </a:schemeClr>
+    </dgm:fillClrLst>
+    <dgm:linClrLst meth="repeat">
+      <a:schemeClr val="accent2">
+        <a:tint val="40000"/>
+        <a:alpha val="90000"/>
+      </a:schemeClr>
+      <a:schemeClr val="accent3">
+        <a:tint val="40000"/>
+        <a:alpha val="90000"/>
+      </a:schemeClr>
+      <a:schemeClr val="accent4">
+        <a:tint val="40000"/>
+        <a:alpha val="90000"/>
+      </a:schemeClr>
+      <a:schemeClr val="accent5">
+        <a:tint val="40000"/>
+        <a:alpha val="90000"/>
+      </a:schemeClr>
+      <a:schemeClr val="accent6">
+        <a:tint val="40000"/>
+        <a:alpha val="90000"/>
+      </a:schemeClr>
+    </dgm:linClrLst>
+    <dgm:effectClrLst/>
+    <dgm:txLinClrLst/>
+    <dgm:txFillClrLst meth="repeat">
+      <a:schemeClr val="dk1"/>
+    </dgm:txFillClrLst>
+    <dgm:txEffectClrLst/>
+  </dgm:styleLbl>
+  <dgm:styleLbl name="fgAcc0">
+    <dgm:fillClrLst meth="repeat">
+      <a:schemeClr val="lt1">
+        <a:alpha val="90000"/>
+      </a:schemeClr>
+    </dgm:fillClrLst>
+    <dgm:linClrLst>
+      <a:schemeClr val="accent1"/>
+    </dgm:linClrLst>
+    <dgm:effectClrLst/>
+    <dgm:txLinClrLst/>
+    <dgm:txFillClrLst meth="repeat">
+      <a:schemeClr val="dk1"/>
+    </dgm:txFillClrLst>
+    <dgm:txEffectClrLst/>
+  </dgm:styleLbl>
+  <dgm:styleLbl name="fgAcc2">
+    <dgm:fillClrLst meth="repeat">
+      <a:schemeClr val="lt1">
+        <a:alpha val="90000"/>
+      </a:schemeClr>
+    </dgm:fillClrLst>
+    <dgm:linClrLst>
+      <a:schemeClr val="accent2"/>
+    </dgm:linClrLst>
+    <dgm:effectClrLst/>
+    <dgm:txLinClrLst/>
+    <dgm:txFillClrLst meth="repeat">
+      <a:schemeClr val="dk1"/>
+    </dgm:txFillClrLst>
+    <dgm:txEffectClrLst/>
+  </dgm:styleLbl>
+  <dgm:styleLbl name="fgAcc3">
+    <dgm:fillClrLst meth="repeat">
+      <a:schemeClr val="lt1">
+        <a:alpha val="90000"/>
+      </a:schemeClr>
+    </dgm:fillClrLst>
+    <dgm:linClrLst>
+      <a:schemeClr val="accent3"/>
+    </dgm:linClrLst>
+    <dgm:effectClrLst/>
+    <dgm:txLinClrLst/>
+    <dgm:txFillClrLst meth="repeat">
+      <a:schemeClr val="dk1"/>
+    </dgm:txFillClrLst>
+    <dgm:txEffectClrLst/>
+  </dgm:styleLbl>
+  <dgm:styleLbl name="fgAcc4">
+    <dgm:fillClrLst meth="repeat">
+      <a:schemeClr val="lt1">
+        <a:alpha val="90000"/>
+      </a:schemeClr>
+    </dgm:fillClrLst>
+    <dgm:linClrLst>
+      <a:schemeClr val="accent4"/>
+    </dgm:linClrLst>
+    <dgm:effectClrLst/>
+    <dgm:txLinClrLst/>
+    <dgm:txFillClrLst meth="repeat">
+      <a:schemeClr val="dk1"/>
+    </dgm:txFillClrLst>
+    <dgm:txEffectClrLst/>
+  </dgm:styleLbl>
+  <dgm:styleLbl name="bgShp">
+    <dgm:fillClrLst meth="repeat">
+      <a:schemeClr val="accent2">
+        <a:tint val="40000"/>
+      </a:schemeClr>
+    </dgm:fillClrLst>
+    <dgm:linClrLst meth="repeat">
+      <a:schemeClr val="dk1"/>
+    </dgm:linClrLst>
+    <dgm:effectClrLst/>
+    <dgm:txLinClrLst/>
+    <dgm:txFillClrLst meth="repeat">
+      <a:schemeClr val="dk1"/>
+    </dgm:txFillClrLst>
+    <dgm:txEffectClrLst/>
+  </dgm:styleLbl>
+  <dgm:styleLbl name="dkBgShp">
+    <dgm:fillClrLst meth="repeat">
+      <a:schemeClr val="accent2">
+        <a:shade val="90000"/>
+      </a:schemeClr>
+    </dgm:fillClrLst>
+    <dgm:linClrLst meth="repeat">
+      <a:schemeClr val="dk1"/>
+    </dgm:linClrLst>
+    <dgm:effectClrLst/>
+    <dgm:txLinClrLst/>
+    <dgm:txFillClrLst meth="repeat">
+      <a:schemeClr val="lt1"/>
+    </dgm:txFillClrLst>
+    <dgm:txEffectClrLst/>
+  </dgm:styleLbl>
+  <dgm:styleLbl name="trBgShp">
+    <dgm:fillClrLst meth="repeat">
+      <a:schemeClr val="accent1">
+        <a:tint val="50000"/>
+        <a:alpha val="40000"/>
+      </a:schemeClr>
+    </dgm:fillClrLst>
+    <dgm:linClrLst meth="repeat">
+      <a:schemeClr val="accent2"/>
+    </dgm:linClrLst>
+    <dgm:effectClrLst/>
+    <dgm:txLinClrLst/>
+    <dgm:txFillClrLst meth="repeat">
+      <a:schemeClr val="lt1"/>
+    </dgm:txFillClrLst>
+    <dgm:txEffectClrLst/>
+  </dgm:styleLbl>
+  <dgm:styleLbl name="fgShp">
+    <dgm:fillClrLst meth="repeat">
+      <a:schemeClr val="accent2">
+        <a:tint val="40000"/>
+      </a:schemeClr>
+    </dgm:fillClrLst>
+    <dgm:linClrLst meth="repeat">
+      <a:schemeClr val="lt1"/>
+    </dgm:linClrLst>
+    <dgm:effectClrLst/>
+    <dgm:txLinClrLst/>
+    <dgm:txFillClrLst meth="repeat">
+      <a:schemeClr val="dk1"/>
+    </dgm:txFillClrLst>
+    <dgm:txEffectClrLst/>
+  </dgm:styleLbl>
+  <dgm:styleLbl name="revTx">
+    <dgm:fillClrLst meth="repeat">
+      <a:schemeClr val="lt1">
+        <a:alpha val="0"/>
+      </a:schemeClr>
+    </dgm:fillClrLst>
+    <dgm:linClrLst meth="repeat">
+      <a:schemeClr val="dk1">
+        <a:alpha val="0"/>
+      </a:schemeClr>
+    </dgm:linClrLst>
+    <dgm:effectClrLst/>
+    <dgm:txLinClrLst/>
+    <dgm:txFillClrLst meth="repeat">
+      <a:schemeClr val="tx1"/>
+    </dgm:txFillClrLst>
+    <dgm:txEffectClrLst/>
+  </dgm:styleLbl>
+</dgm:colorsDef>
+</file>
+
+<file path=ppt/diagrams/data1.xml><?xml version="1.0" encoding="utf-8"?>
+<dgm:dataModel xmlns:dgm="http://schemas.openxmlformats.org/drawingml/2006/diagram" xmlns:a="http://schemas.openxmlformats.org/drawingml/2006/main">
+  <dgm:ptLst>
+    <dgm:pt modelId="{607BE0E6-97B6-784E-AC26-4B779B7986E4}" type="doc">
+      <dgm:prSet loTypeId="urn:microsoft.com/office/officeart/2005/8/layout/process2" loCatId="" qsTypeId="urn:microsoft.com/office/officeart/2005/8/quickstyle/simple2" qsCatId="simple" csTypeId="urn:microsoft.com/office/officeart/2005/8/colors/colorful1" csCatId="colorful" phldr="1"/>
+      <dgm:spPr/>
+      <dgm:t>
+        <a:bodyPr/>
+        <a:lstStyle/>
+        <a:p>
+          <a:endParaRPr lang="en-US"/>
+        </a:p>
+      </dgm:t>
+    </dgm:pt>
+    <dgm:pt modelId="{84C3514E-A385-F04C-87BE-06F7CF54B305}">
+      <dgm:prSet phldrT="[Text]"/>
+      <dgm:spPr/>
+      <dgm:t>
+        <a:bodyPr/>
+        <a:lstStyle/>
+        <a:p>
+          <a:r>
+            <a:rPr lang="en-US"/>
+            <a:t>Data Wrangling</a:t>
+          </a:r>
+        </a:p>
+      </dgm:t>
+    </dgm:pt>
+    <dgm:pt modelId="{ADFCA697-BB97-5A46-B914-AE92AC0705F5}" type="parTrans" cxnId="{51E28983-0B37-7A48-95D4-EFBCB8734B1E}">
+      <dgm:prSet/>
+      <dgm:spPr/>
+      <dgm:t>
+        <a:bodyPr/>
+        <a:lstStyle/>
+        <a:p>
+          <a:endParaRPr lang="en-US"/>
+        </a:p>
+      </dgm:t>
+    </dgm:pt>
+    <dgm:pt modelId="{9D6B2477-D8FF-0642-BFE9-6F93788AAE18}" type="sibTrans" cxnId="{51E28983-0B37-7A48-95D4-EFBCB8734B1E}">
+      <dgm:prSet/>
+      <dgm:spPr/>
+      <dgm:t>
+        <a:bodyPr/>
+        <a:lstStyle/>
+        <a:p>
+          <a:endParaRPr lang="en-US"/>
+        </a:p>
+      </dgm:t>
+    </dgm:pt>
+    <dgm:pt modelId="{C9CE9F48-3DEA-E846-AC75-B7DDE7DA7C59}">
+      <dgm:prSet phldrT="[Text]"/>
+      <dgm:spPr/>
+      <dgm:t>
+        <a:bodyPr/>
+        <a:lstStyle/>
+        <a:p>
+          <a:r>
+            <a:rPr lang="en-US"/>
+            <a:t>EDA</a:t>
+          </a:r>
+        </a:p>
+      </dgm:t>
+    </dgm:pt>
+    <dgm:pt modelId="{1E8BD903-E69E-0640-8018-36F5600BBA78}" type="parTrans" cxnId="{EC1DC603-256E-CC49-A725-1DDE36FAE30A}">
+      <dgm:prSet/>
+      <dgm:spPr/>
+      <dgm:t>
+        <a:bodyPr/>
+        <a:lstStyle/>
+        <a:p>
+          <a:endParaRPr lang="en-US"/>
+        </a:p>
+      </dgm:t>
+    </dgm:pt>
+    <dgm:pt modelId="{1B1FB94F-F272-CE45-805C-86E50A585DB0}" type="sibTrans" cxnId="{EC1DC603-256E-CC49-A725-1DDE36FAE30A}">
+      <dgm:prSet/>
+      <dgm:spPr/>
+      <dgm:t>
+        <a:bodyPr/>
+        <a:lstStyle/>
+        <a:p>
+          <a:endParaRPr lang="en-US"/>
+        </a:p>
+      </dgm:t>
+    </dgm:pt>
+    <dgm:pt modelId="{2EA4113A-7A0E-7649-995A-FD1A714BB5A8}">
+      <dgm:prSet phldrT="[Text]"/>
+      <dgm:spPr/>
+      <dgm:t>
+        <a:bodyPr/>
+        <a:lstStyle/>
+        <a:p>
+          <a:r>
+            <a:rPr lang="en-US" dirty="0"/>
+            <a:t>Text Pre-processing</a:t>
+          </a:r>
+        </a:p>
+      </dgm:t>
+    </dgm:pt>
+    <dgm:pt modelId="{761C71F1-015C-2E4C-89E8-5A2EEC6F0C0B}" type="parTrans" cxnId="{8306D091-B8CF-9B4E-B4EF-96325CF3DAC5}">
+      <dgm:prSet/>
+      <dgm:spPr/>
+      <dgm:t>
+        <a:bodyPr/>
+        <a:lstStyle/>
+        <a:p>
+          <a:endParaRPr lang="en-US"/>
+        </a:p>
+      </dgm:t>
+    </dgm:pt>
+    <dgm:pt modelId="{EBC72C3E-C3A0-DF42-8C1D-F992E4B0D588}" type="sibTrans" cxnId="{8306D091-B8CF-9B4E-B4EF-96325CF3DAC5}">
+      <dgm:prSet/>
+      <dgm:spPr/>
+      <dgm:t>
+        <a:bodyPr/>
+        <a:lstStyle/>
+        <a:p>
+          <a:endParaRPr lang="en-US"/>
+        </a:p>
+      </dgm:t>
+    </dgm:pt>
+    <dgm:pt modelId="{0DEA1896-962F-1A4B-ABFD-51BCA4B5F129}">
+      <dgm:prSet phldrT="[Text]"/>
+      <dgm:spPr/>
+      <dgm:t>
+        <a:bodyPr/>
+        <a:lstStyle/>
+        <a:p>
+          <a:r>
+            <a:rPr lang="en-US"/>
+            <a:t>Analysis</a:t>
+          </a:r>
+        </a:p>
+      </dgm:t>
+    </dgm:pt>
+    <dgm:pt modelId="{D9BEBF9D-D612-1E4F-A299-4DA2ECFF46BB}" type="parTrans" cxnId="{9A59BC69-B546-B646-9297-570203CC220C}">
+      <dgm:prSet/>
+      <dgm:spPr/>
+      <dgm:t>
+        <a:bodyPr/>
+        <a:lstStyle/>
+        <a:p>
+          <a:endParaRPr lang="en-US"/>
+        </a:p>
+      </dgm:t>
+    </dgm:pt>
+    <dgm:pt modelId="{E250F616-9039-C84C-B134-16956DB4CB93}" type="sibTrans" cxnId="{9A59BC69-B546-B646-9297-570203CC220C}">
+      <dgm:prSet/>
+      <dgm:spPr/>
+      <dgm:t>
+        <a:bodyPr/>
+        <a:lstStyle/>
+        <a:p>
+          <a:endParaRPr lang="en-US"/>
+        </a:p>
+      </dgm:t>
+    </dgm:pt>
+    <dgm:pt modelId="{191B1992-CC24-6448-9DFB-2C5126099F3E}">
+      <dgm:prSet phldrT="[Text]"/>
+      <dgm:spPr/>
+      <dgm:t>
+        <a:bodyPr/>
+        <a:lstStyle/>
+        <a:p>
+          <a:r>
+            <a:rPr lang="en-US"/>
+            <a:t>NLP</a:t>
+          </a:r>
+        </a:p>
+      </dgm:t>
+    </dgm:pt>
+    <dgm:pt modelId="{52D79ABD-B276-2C47-A286-88D520371EF2}" type="parTrans" cxnId="{B150255F-D4CB-2A43-BDB6-1E12270F883B}">
+      <dgm:prSet/>
+      <dgm:spPr/>
+      <dgm:t>
+        <a:bodyPr/>
+        <a:lstStyle/>
+        <a:p>
+          <a:endParaRPr lang="en-US"/>
+        </a:p>
+      </dgm:t>
+    </dgm:pt>
+    <dgm:pt modelId="{3C568658-3962-3D47-897E-32E28ABBC186}" type="sibTrans" cxnId="{B150255F-D4CB-2A43-BDB6-1E12270F883B}">
+      <dgm:prSet/>
+      <dgm:spPr/>
+      <dgm:t>
+        <a:bodyPr/>
+        <a:lstStyle/>
+        <a:p>
+          <a:endParaRPr lang="en-US"/>
+        </a:p>
+      </dgm:t>
+    </dgm:pt>
+    <dgm:pt modelId="{8FAAF5B7-3486-B346-8701-FE18447ACB8C}" type="pres">
+      <dgm:prSet presAssocID="{607BE0E6-97B6-784E-AC26-4B779B7986E4}" presName="linearFlow" presStyleCnt="0">
+        <dgm:presLayoutVars>
+          <dgm:resizeHandles val="exact"/>
+        </dgm:presLayoutVars>
+      </dgm:prSet>
+      <dgm:spPr/>
+      <dgm:t>
+        <a:bodyPr/>
+        <a:lstStyle/>
+        <a:p>
+          <a:endParaRPr lang="en-US"/>
+        </a:p>
+      </dgm:t>
+    </dgm:pt>
+    <dgm:pt modelId="{DB2B3912-5539-9B44-BFEA-69FF6AEA4308}" type="pres">
+      <dgm:prSet presAssocID="{84C3514E-A385-F04C-87BE-06F7CF54B305}" presName="node" presStyleLbl="node1" presStyleIdx="0" presStyleCnt="5">
+        <dgm:presLayoutVars>
+          <dgm:bulletEnabled val="1"/>
+        </dgm:presLayoutVars>
+      </dgm:prSet>
+      <dgm:spPr/>
+      <dgm:t>
+        <a:bodyPr/>
+        <a:lstStyle/>
+        <a:p>
+          <a:endParaRPr lang="en-US"/>
+        </a:p>
+      </dgm:t>
+    </dgm:pt>
+    <dgm:pt modelId="{5BCC87DD-99AE-D54E-BE3F-1CE0AB1BAFBB}" type="pres">
+      <dgm:prSet presAssocID="{9D6B2477-D8FF-0642-BFE9-6F93788AAE18}" presName="sibTrans" presStyleLbl="sibTrans2D1" presStyleIdx="0" presStyleCnt="4"/>
+      <dgm:spPr/>
+      <dgm:t>
+        <a:bodyPr/>
+        <a:lstStyle/>
+        <a:p>
+          <a:endParaRPr lang="en-US"/>
+        </a:p>
+      </dgm:t>
+    </dgm:pt>
+    <dgm:pt modelId="{A9111458-25C9-FF43-A359-B2CD9994FC46}" type="pres">
+      <dgm:prSet presAssocID="{9D6B2477-D8FF-0642-BFE9-6F93788AAE18}" presName="connectorText" presStyleLbl="sibTrans2D1" presStyleIdx="0" presStyleCnt="4"/>
+      <dgm:spPr/>
+      <dgm:t>
+        <a:bodyPr/>
+        <a:lstStyle/>
+        <a:p>
+          <a:endParaRPr lang="en-US"/>
+        </a:p>
+      </dgm:t>
+    </dgm:pt>
+    <dgm:pt modelId="{3B4C478E-4064-6347-8A12-7F71D43E2DB1}" type="pres">
+      <dgm:prSet presAssocID="{C9CE9F48-3DEA-E846-AC75-B7DDE7DA7C59}" presName="node" presStyleLbl="node1" presStyleIdx="1" presStyleCnt="5">
+        <dgm:presLayoutVars>
+          <dgm:bulletEnabled val="1"/>
+        </dgm:presLayoutVars>
+      </dgm:prSet>
+      <dgm:spPr/>
+      <dgm:t>
+        <a:bodyPr/>
+        <a:lstStyle/>
+        <a:p>
+          <a:endParaRPr lang="en-US"/>
+        </a:p>
+      </dgm:t>
+    </dgm:pt>
+    <dgm:pt modelId="{AE09F089-925C-0744-8303-2D2C511AE24F}" type="pres">
+      <dgm:prSet presAssocID="{1B1FB94F-F272-CE45-805C-86E50A585DB0}" presName="sibTrans" presStyleLbl="sibTrans2D1" presStyleIdx="1" presStyleCnt="4"/>
+      <dgm:spPr/>
+      <dgm:t>
+        <a:bodyPr/>
+        <a:lstStyle/>
+        <a:p>
+          <a:endParaRPr lang="en-US"/>
+        </a:p>
+      </dgm:t>
+    </dgm:pt>
+    <dgm:pt modelId="{080CAE8E-42E8-154C-8326-AD7C45DC563E}" type="pres">
+      <dgm:prSet presAssocID="{1B1FB94F-F272-CE45-805C-86E50A585DB0}" presName="connectorText" presStyleLbl="sibTrans2D1" presStyleIdx="1" presStyleCnt="4"/>
+      <dgm:spPr/>
+      <dgm:t>
+        <a:bodyPr/>
+        <a:lstStyle/>
+        <a:p>
+          <a:endParaRPr lang="en-US"/>
+        </a:p>
+      </dgm:t>
+    </dgm:pt>
+    <dgm:pt modelId="{2CCDA7F5-561D-3D45-9881-419695009CFA}" type="pres">
+      <dgm:prSet presAssocID="{2EA4113A-7A0E-7649-995A-FD1A714BB5A8}" presName="node" presStyleLbl="node1" presStyleIdx="2" presStyleCnt="5">
+        <dgm:presLayoutVars>
+          <dgm:bulletEnabled val="1"/>
+        </dgm:presLayoutVars>
+      </dgm:prSet>
+      <dgm:spPr/>
+      <dgm:t>
+        <a:bodyPr/>
+        <a:lstStyle/>
+        <a:p>
+          <a:endParaRPr lang="en-US"/>
+        </a:p>
+      </dgm:t>
+    </dgm:pt>
+    <dgm:pt modelId="{C8BF13C8-EE84-1D4F-AFFA-7781B2051337}" type="pres">
+      <dgm:prSet presAssocID="{EBC72C3E-C3A0-DF42-8C1D-F992E4B0D588}" presName="sibTrans" presStyleLbl="sibTrans2D1" presStyleIdx="2" presStyleCnt="4"/>
+      <dgm:spPr/>
+      <dgm:t>
+        <a:bodyPr/>
+        <a:lstStyle/>
+        <a:p>
+          <a:endParaRPr lang="en-US"/>
+        </a:p>
+      </dgm:t>
+    </dgm:pt>
+    <dgm:pt modelId="{16C9E96E-B5F9-D449-8A6D-E49401C508F3}" type="pres">
+      <dgm:prSet presAssocID="{EBC72C3E-C3A0-DF42-8C1D-F992E4B0D588}" presName="connectorText" presStyleLbl="sibTrans2D1" presStyleIdx="2" presStyleCnt="4"/>
+      <dgm:spPr/>
+      <dgm:t>
+        <a:bodyPr/>
+        <a:lstStyle/>
+        <a:p>
+          <a:endParaRPr lang="en-US"/>
+        </a:p>
+      </dgm:t>
+    </dgm:pt>
+    <dgm:pt modelId="{CDE20550-91C1-0247-A840-D4689C39F94C}" type="pres">
+      <dgm:prSet presAssocID="{0DEA1896-962F-1A4B-ABFD-51BCA4B5F129}" presName="node" presStyleLbl="node1" presStyleIdx="3" presStyleCnt="5">
+        <dgm:presLayoutVars>
+          <dgm:bulletEnabled val="1"/>
+        </dgm:presLayoutVars>
+      </dgm:prSet>
+      <dgm:spPr/>
+      <dgm:t>
+        <a:bodyPr/>
+        <a:lstStyle/>
+        <a:p>
+          <a:endParaRPr lang="en-US"/>
+        </a:p>
+      </dgm:t>
+    </dgm:pt>
+    <dgm:pt modelId="{F6EEADC5-62DF-574C-A66A-97DE9E55368E}" type="pres">
+      <dgm:prSet presAssocID="{E250F616-9039-C84C-B134-16956DB4CB93}" presName="sibTrans" presStyleLbl="sibTrans2D1" presStyleIdx="3" presStyleCnt="4"/>
+      <dgm:spPr/>
+      <dgm:t>
+        <a:bodyPr/>
+        <a:lstStyle/>
+        <a:p>
+          <a:endParaRPr lang="en-US"/>
+        </a:p>
+      </dgm:t>
+    </dgm:pt>
+    <dgm:pt modelId="{A61192EB-A1CB-1149-BCDC-75FA21253E75}" type="pres">
+      <dgm:prSet presAssocID="{E250F616-9039-C84C-B134-16956DB4CB93}" presName="connectorText" presStyleLbl="sibTrans2D1" presStyleIdx="3" presStyleCnt="4"/>
+      <dgm:spPr/>
+      <dgm:t>
+        <a:bodyPr/>
+        <a:lstStyle/>
+        <a:p>
+          <a:endParaRPr lang="en-US"/>
+        </a:p>
+      </dgm:t>
+    </dgm:pt>
+    <dgm:pt modelId="{2D7C3198-52ED-DC4A-B814-D42DECD16039}" type="pres">
+      <dgm:prSet presAssocID="{191B1992-CC24-6448-9DFB-2C5126099F3E}" presName="node" presStyleLbl="node1" presStyleIdx="4" presStyleCnt="5">
+        <dgm:presLayoutVars>
+          <dgm:bulletEnabled val="1"/>
+        </dgm:presLayoutVars>
+      </dgm:prSet>
+      <dgm:spPr/>
+      <dgm:t>
+        <a:bodyPr/>
+        <a:lstStyle/>
+        <a:p>
+          <a:endParaRPr lang="en-US"/>
+        </a:p>
+      </dgm:t>
+    </dgm:pt>
+  </dgm:ptLst>
+  <dgm:cxnLst>
+    <dgm:cxn modelId="{B150255F-D4CB-2A43-BDB6-1E12270F883B}" srcId="{607BE0E6-97B6-784E-AC26-4B779B7986E4}" destId="{191B1992-CC24-6448-9DFB-2C5126099F3E}" srcOrd="4" destOrd="0" parTransId="{52D79ABD-B276-2C47-A286-88D520371EF2}" sibTransId="{3C568658-3962-3D47-897E-32E28ABBC186}"/>
+    <dgm:cxn modelId="{DE442D0B-7FEC-F149-BC10-2084A9C9C928}" type="presOf" srcId="{0DEA1896-962F-1A4B-ABFD-51BCA4B5F129}" destId="{CDE20550-91C1-0247-A840-D4689C39F94C}" srcOrd="0" destOrd="0" presId="urn:microsoft.com/office/officeart/2005/8/layout/process2"/>
+    <dgm:cxn modelId="{362E766B-BA50-2A48-9813-C6A2231A8759}" type="presOf" srcId="{1B1FB94F-F272-CE45-805C-86E50A585DB0}" destId="{080CAE8E-42E8-154C-8326-AD7C45DC563E}" srcOrd="1" destOrd="0" presId="urn:microsoft.com/office/officeart/2005/8/layout/process2"/>
+    <dgm:cxn modelId="{22900C4C-3858-1245-8309-DB68E3E726EA}" type="presOf" srcId="{E250F616-9039-C84C-B134-16956DB4CB93}" destId="{F6EEADC5-62DF-574C-A66A-97DE9E55368E}" srcOrd="0" destOrd="0" presId="urn:microsoft.com/office/officeart/2005/8/layout/process2"/>
+    <dgm:cxn modelId="{9A59BC69-B546-B646-9297-570203CC220C}" srcId="{607BE0E6-97B6-784E-AC26-4B779B7986E4}" destId="{0DEA1896-962F-1A4B-ABFD-51BCA4B5F129}" srcOrd="3" destOrd="0" parTransId="{D9BEBF9D-D612-1E4F-A299-4DA2ECFF46BB}" sibTransId="{E250F616-9039-C84C-B134-16956DB4CB93}"/>
+    <dgm:cxn modelId="{17314F79-6304-2849-820B-A0AFF8580231}" type="presOf" srcId="{84C3514E-A385-F04C-87BE-06F7CF54B305}" destId="{DB2B3912-5539-9B44-BFEA-69FF6AEA4308}" srcOrd="0" destOrd="0" presId="urn:microsoft.com/office/officeart/2005/8/layout/process2"/>
+    <dgm:cxn modelId="{9382F07B-306D-3048-BFB6-18815C141A5E}" type="presOf" srcId="{1B1FB94F-F272-CE45-805C-86E50A585DB0}" destId="{AE09F089-925C-0744-8303-2D2C511AE24F}" srcOrd="0" destOrd="0" presId="urn:microsoft.com/office/officeart/2005/8/layout/process2"/>
+    <dgm:cxn modelId="{E8E3A6E2-C5B6-0B46-892C-131EBE185464}" type="presOf" srcId="{607BE0E6-97B6-784E-AC26-4B779B7986E4}" destId="{8FAAF5B7-3486-B346-8701-FE18447ACB8C}" srcOrd="0" destOrd="0" presId="urn:microsoft.com/office/officeart/2005/8/layout/process2"/>
+    <dgm:cxn modelId="{51E28983-0B37-7A48-95D4-EFBCB8734B1E}" srcId="{607BE0E6-97B6-784E-AC26-4B779B7986E4}" destId="{84C3514E-A385-F04C-87BE-06F7CF54B305}" srcOrd="0" destOrd="0" parTransId="{ADFCA697-BB97-5A46-B914-AE92AC0705F5}" sibTransId="{9D6B2477-D8FF-0642-BFE9-6F93788AAE18}"/>
+    <dgm:cxn modelId="{EC1DC603-256E-CC49-A725-1DDE36FAE30A}" srcId="{607BE0E6-97B6-784E-AC26-4B779B7986E4}" destId="{C9CE9F48-3DEA-E846-AC75-B7DDE7DA7C59}" srcOrd="1" destOrd="0" parTransId="{1E8BD903-E69E-0640-8018-36F5600BBA78}" sibTransId="{1B1FB94F-F272-CE45-805C-86E50A585DB0}"/>
+    <dgm:cxn modelId="{E033C7D1-C2E7-C041-941A-91D7AC9FF8EA}" type="presOf" srcId="{EBC72C3E-C3A0-DF42-8C1D-F992E4B0D588}" destId="{C8BF13C8-EE84-1D4F-AFFA-7781B2051337}" srcOrd="0" destOrd="0" presId="urn:microsoft.com/office/officeart/2005/8/layout/process2"/>
+    <dgm:cxn modelId="{1F88B536-E56A-7948-B162-4244656C7866}" type="presOf" srcId="{E250F616-9039-C84C-B134-16956DB4CB93}" destId="{A61192EB-A1CB-1149-BCDC-75FA21253E75}" srcOrd="1" destOrd="0" presId="urn:microsoft.com/office/officeart/2005/8/layout/process2"/>
+    <dgm:cxn modelId="{0F456B59-9A11-3A4C-A214-C9016C945A39}" type="presOf" srcId="{2EA4113A-7A0E-7649-995A-FD1A714BB5A8}" destId="{2CCDA7F5-561D-3D45-9881-419695009CFA}" srcOrd="0" destOrd="0" presId="urn:microsoft.com/office/officeart/2005/8/layout/process2"/>
+    <dgm:cxn modelId="{830AFE2B-90E5-D744-90A1-0C2E7E820DEE}" type="presOf" srcId="{C9CE9F48-3DEA-E846-AC75-B7DDE7DA7C59}" destId="{3B4C478E-4064-6347-8A12-7F71D43E2DB1}" srcOrd="0" destOrd="0" presId="urn:microsoft.com/office/officeart/2005/8/layout/process2"/>
+    <dgm:cxn modelId="{729756AB-1F9C-1846-9BB6-03174790CE6D}" type="presOf" srcId="{9D6B2477-D8FF-0642-BFE9-6F93788AAE18}" destId="{A9111458-25C9-FF43-A359-B2CD9994FC46}" srcOrd="1" destOrd="0" presId="urn:microsoft.com/office/officeart/2005/8/layout/process2"/>
+    <dgm:cxn modelId="{8306D091-B8CF-9B4E-B4EF-96325CF3DAC5}" srcId="{607BE0E6-97B6-784E-AC26-4B779B7986E4}" destId="{2EA4113A-7A0E-7649-995A-FD1A714BB5A8}" srcOrd="2" destOrd="0" parTransId="{761C71F1-015C-2E4C-89E8-5A2EEC6F0C0B}" sibTransId="{EBC72C3E-C3A0-DF42-8C1D-F992E4B0D588}"/>
+    <dgm:cxn modelId="{BA4C7A86-29FE-B24C-AD43-9E11E8C0DD44}" type="presOf" srcId="{EBC72C3E-C3A0-DF42-8C1D-F992E4B0D588}" destId="{16C9E96E-B5F9-D449-8A6D-E49401C508F3}" srcOrd="1" destOrd="0" presId="urn:microsoft.com/office/officeart/2005/8/layout/process2"/>
+    <dgm:cxn modelId="{2AD5DEE1-9145-A14F-8622-2763D670DE42}" type="presOf" srcId="{191B1992-CC24-6448-9DFB-2C5126099F3E}" destId="{2D7C3198-52ED-DC4A-B814-D42DECD16039}" srcOrd="0" destOrd="0" presId="urn:microsoft.com/office/officeart/2005/8/layout/process2"/>
+    <dgm:cxn modelId="{11FC59F9-A283-0547-9539-F01DC0F08300}" type="presOf" srcId="{9D6B2477-D8FF-0642-BFE9-6F93788AAE18}" destId="{5BCC87DD-99AE-D54E-BE3F-1CE0AB1BAFBB}" srcOrd="0" destOrd="0" presId="urn:microsoft.com/office/officeart/2005/8/layout/process2"/>
+    <dgm:cxn modelId="{C3921AA3-48F5-A74D-A45C-E3393139FF55}" type="presParOf" srcId="{8FAAF5B7-3486-B346-8701-FE18447ACB8C}" destId="{DB2B3912-5539-9B44-BFEA-69FF6AEA4308}" srcOrd="0" destOrd="0" presId="urn:microsoft.com/office/officeart/2005/8/layout/process2"/>
+    <dgm:cxn modelId="{FDFFD408-32A6-E143-A055-44511F373004}" type="presParOf" srcId="{8FAAF5B7-3486-B346-8701-FE18447ACB8C}" destId="{5BCC87DD-99AE-D54E-BE3F-1CE0AB1BAFBB}" srcOrd="1" destOrd="0" presId="urn:microsoft.com/office/officeart/2005/8/layout/process2"/>
+    <dgm:cxn modelId="{BD0C401C-59DD-3148-AA92-34E3E891374C}" type="presParOf" srcId="{5BCC87DD-99AE-D54E-BE3F-1CE0AB1BAFBB}" destId="{A9111458-25C9-FF43-A359-B2CD9994FC46}" srcOrd="0" destOrd="0" presId="urn:microsoft.com/office/officeart/2005/8/layout/process2"/>
+    <dgm:cxn modelId="{97653241-2C4B-9247-AE01-12A13DF6A03F}" type="presParOf" srcId="{8FAAF5B7-3486-B346-8701-FE18447ACB8C}" destId="{3B4C478E-4064-6347-8A12-7F71D43E2DB1}" srcOrd="2" destOrd="0" presId="urn:microsoft.com/office/officeart/2005/8/layout/process2"/>
+    <dgm:cxn modelId="{AE22DAAA-5478-2845-BE62-86EF553BD877}" type="presParOf" srcId="{8FAAF5B7-3486-B346-8701-FE18447ACB8C}" destId="{AE09F089-925C-0744-8303-2D2C511AE24F}" srcOrd="3" destOrd="0" presId="urn:microsoft.com/office/officeart/2005/8/layout/process2"/>
+    <dgm:cxn modelId="{40DF24AE-7DBA-B34C-978B-4E2EFF50AFBF}" type="presParOf" srcId="{AE09F089-925C-0744-8303-2D2C511AE24F}" destId="{080CAE8E-42E8-154C-8326-AD7C45DC563E}" srcOrd="0" destOrd="0" presId="urn:microsoft.com/office/officeart/2005/8/layout/process2"/>
+    <dgm:cxn modelId="{E6FD0F82-9C24-5149-88A3-C97F3434163C}" type="presParOf" srcId="{8FAAF5B7-3486-B346-8701-FE18447ACB8C}" destId="{2CCDA7F5-561D-3D45-9881-419695009CFA}" srcOrd="4" destOrd="0" presId="urn:microsoft.com/office/officeart/2005/8/layout/process2"/>
+    <dgm:cxn modelId="{43D55343-5AF0-CC4A-8307-49BA88B284BA}" type="presParOf" srcId="{8FAAF5B7-3486-B346-8701-FE18447ACB8C}" destId="{C8BF13C8-EE84-1D4F-AFFA-7781B2051337}" srcOrd="5" destOrd="0" presId="urn:microsoft.com/office/officeart/2005/8/layout/process2"/>
+    <dgm:cxn modelId="{554C17AC-AB4F-7140-97A3-9EB74BF4206B}" type="presParOf" srcId="{C8BF13C8-EE84-1D4F-AFFA-7781B2051337}" destId="{16C9E96E-B5F9-D449-8A6D-E49401C508F3}" srcOrd="0" destOrd="0" presId="urn:microsoft.com/office/officeart/2005/8/layout/process2"/>
+    <dgm:cxn modelId="{290C2292-4D15-064A-A28C-971A0CA7A3E2}" type="presParOf" srcId="{8FAAF5B7-3486-B346-8701-FE18447ACB8C}" destId="{CDE20550-91C1-0247-A840-D4689C39F94C}" srcOrd="6" destOrd="0" presId="urn:microsoft.com/office/officeart/2005/8/layout/process2"/>
+    <dgm:cxn modelId="{D5EC21E0-D2C0-ED4E-BF7E-5D0B3A7B3767}" type="presParOf" srcId="{8FAAF5B7-3486-B346-8701-FE18447ACB8C}" destId="{F6EEADC5-62DF-574C-A66A-97DE9E55368E}" srcOrd="7" destOrd="0" presId="urn:microsoft.com/office/officeart/2005/8/layout/process2"/>
+    <dgm:cxn modelId="{5350E1D3-D5FB-544E-8AAB-1E6998C18153}" type="presParOf" srcId="{F6EEADC5-62DF-574C-A66A-97DE9E55368E}" destId="{A61192EB-A1CB-1149-BCDC-75FA21253E75}" srcOrd="0" destOrd="0" presId="urn:microsoft.com/office/officeart/2005/8/layout/process2"/>
+    <dgm:cxn modelId="{BAEA66A3-68B4-9047-843B-DF6A0A01F5D7}" type="presParOf" srcId="{8FAAF5B7-3486-B346-8701-FE18447ACB8C}" destId="{2D7C3198-52ED-DC4A-B814-D42DECD16039}" srcOrd="8" destOrd="0" presId="urn:microsoft.com/office/officeart/2005/8/layout/process2"/>
+  </dgm:cxnLst>
+  <dgm:bg/>
+  <dgm:whole/>
+  <dgm:extLst>
+    <a:ext uri="http://schemas.microsoft.com/office/drawing/2008/diagram">
+      <dsp:dataModelExt xmlns:dsp="http://schemas.microsoft.com/office/drawing/2008/diagram" relId="rId6" minVer="http://schemas.openxmlformats.org/drawingml/2006/diagram"/>
+    </a:ext>
+  </dgm:extLst>
+</dgm:dataModel>
+</file>
+
+<file path=ppt/diagrams/drawing1.xml><?xml version="1.0" encoding="utf-8"?>
+<dsp:drawing xmlns:dgm="http://schemas.openxmlformats.org/drawingml/2006/diagram" xmlns:dsp="http://schemas.microsoft.com/office/drawing/2008/diagram" xmlns:a="http://schemas.openxmlformats.org/drawingml/2006/main">
+  <dsp:spTree>
+    <dsp:nvGrpSpPr>
+      <dsp:cNvPr id="0" name=""/>
+      <dsp:cNvGrpSpPr/>
+    </dsp:nvGrpSpPr>
+    <dsp:grpSpPr/>
+    <dsp:sp modelId="{DB2B3912-5539-9B44-BFEA-69FF6AEA4308}">
+      <dsp:nvSpPr>
+        <dsp:cNvPr id="0" name=""/>
+        <dsp:cNvSpPr/>
+      </dsp:nvSpPr>
+      <dsp:spPr>
+        <a:xfrm>
+          <a:off x="908449" y="390"/>
+          <a:ext cx="1828353" cy="457088"/>
+        </a:xfrm>
+        <a:prstGeom prst="roundRect">
+          <a:avLst>
+            <a:gd name="adj" fmla="val 10000"/>
+          </a:avLst>
+        </a:prstGeom>
+        <a:solidFill>
+          <a:schemeClr val="accent2">
+            <a:hueOff val="0"/>
+            <a:satOff val="0"/>
+            <a:lumOff val="0"/>
+            <a:alphaOff val="0"/>
+          </a:schemeClr>
+        </a:solidFill>
+        <a:ln w="28575" cap="flat" cmpd="sng" algn="ctr">
+          <a:solidFill>
+            <a:schemeClr val="lt1">
+              <a:hueOff val="0"/>
+              <a:satOff val="0"/>
+              <a:lumOff val="0"/>
+              <a:alphaOff val="0"/>
+            </a:schemeClr>
+          </a:solidFill>
+          <a:prstDash val="solid"/>
+        </a:ln>
+        <a:effectLst>
+          <a:outerShdw blurRad="50800" dist="38100" dir="5400000" rotWithShape="0">
+            <a:srgbClr val="000000">
+              <a:alpha val="28000"/>
+            </a:srgbClr>
+          </a:outerShdw>
+        </a:effectLst>
+      </dsp:spPr>
+      <dsp:style>
+        <a:lnRef idx="3">
+          <a:scrgbClr r="0" g="0" b="0"/>
+        </a:lnRef>
+        <a:fillRef idx="1">
+          <a:scrgbClr r="0" g="0" b="0"/>
+        </a:fillRef>
+        <a:effectRef idx="1">
+          <a:scrgbClr r="0" g="0" b="0"/>
+        </a:effectRef>
+        <a:fontRef idx="minor">
+          <a:schemeClr val="lt1"/>
+        </a:fontRef>
+      </dsp:style>
+      <dsp:txBody>
+        <a:bodyPr spcFirstLastPara="0" vert="horz" wrap="square" lIns="57150" tIns="57150" rIns="57150" bIns="57150" numCol="1" spcCol="1270" anchor="ctr" anchorCtr="0">
+          <a:noAutofit/>
+        </a:bodyPr>
+        <a:lstStyle/>
+        <a:p>
+          <a:pPr lvl="0" algn="ctr" defTabSz="666750">
+            <a:lnSpc>
+              <a:spcPct val="90000"/>
+            </a:lnSpc>
+            <a:spcBef>
+              <a:spcPct val="0"/>
+            </a:spcBef>
+            <a:spcAft>
+              <a:spcPct val="35000"/>
+            </a:spcAft>
+          </a:pPr>
+          <a:r>
+            <a:rPr lang="en-US" sz="1500" kern="1200"/>
+            <a:t>Data Wrangling</a:t>
+          </a:r>
+        </a:p>
+      </dsp:txBody>
+      <dsp:txXfrm>
+        <a:off x="921837" y="13778"/>
+        <a:ext cx="1801577" cy="430312"/>
+      </dsp:txXfrm>
+    </dsp:sp>
+    <dsp:sp modelId="{5BCC87DD-99AE-D54E-BE3F-1CE0AB1BAFBB}">
+      <dsp:nvSpPr>
+        <dsp:cNvPr id="0" name=""/>
+        <dsp:cNvSpPr/>
+      </dsp:nvSpPr>
+      <dsp:spPr>
+        <a:xfrm rot="5400000">
+          <a:off x="1736922" y="468906"/>
+          <a:ext cx="171408" cy="205689"/>
+        </a:xfrm>
+        <a:prstGeom prst="rightArrow">
+          <a:avLst>
+            <a:gd name="adj1" fmla="val 60000"/>
+            <a:gd name="adj2" fmla="val 50000"/>
+          </a:avLst>
+        </a:prstGeom>
+        <a:solidFill>
+          <a:schemeClr val="accent2">
+            <a:hueOff val="0"/>
+            <a:satOff val="0"/>
+            <a:lumOff val="0"/>
+            <a:alphaOff val="0"/>
+          </a:schemeClr>
+        </a:solidFill>
+        <a:ln>
+          <a:noFill/>
+        </a:ln>
+        <a:effectLst>
+          <a:outerShdw blurRad="50800" dist="38100" dir="5400000" rotWithShape="0">
+            <a:srgbClr val="000000">
+              <a:alpha val="28000"/>
+            </a:srgbClr>
+          </a:outerShdw>
+        </a:effectLst>
+      </dsp:spPr>
+      <dsp:style>
+        <a:lnRef idx="0">
+          <a:scrgbClr r="0" g="0" b="0"/>
+        </a:lnRef>
+        <a:fillRef idx="1">
+          <a:scrgbClr r="0" g="0" b="0"/>
+        </a:fillRef>
+        <a:effectRef idx="1">
+          <a:scrgbClr r="0" g="0" b="0"/>
+        </a:effectRef>
+        <a:fontRef idx="minor">
+          <a:schemeClr val="lt1"/>
+        </a:fontRef>
+      </dsp:style>
+      <dsp:txBody>
+        <a:bodyPr spcFirstLastPara="0" vert="horz" wrap="square" lIns="0" tIns="0" rIns="0" bIns="0" numCol="1" spcCol="1270" anchor="ctr" anchorCtr="0">
+          <a:noAutofit/>
+        </a:bodyPr>
+        <a:lstStyle/>
+        <a:p>
+          <a:pPr lvl="0" algn="ctr" defTabSz="355600">
+            <a:lnSpc>
+              <a:spcPct val="90000"/>
+            </a:lnSpc>
+            <a:spcBef>
+              <a:spcPct val="0"/>
+            </a:spcBef>
+            <a:spcAft>
+              <a:spcPct val="35000"/>
+            </a:spcAft>
+          </a:pPr>
+          <a:endParaRPr lang="en-US" sz="800" kern="1200"/>
+        </a:p>
+      </dsp:txBody>
+      <dsp:txXfrm rot="-5400000">
+        <a:off x="1760920" y="486046"/>
+        <a:ext cx="123413" cy="119986"/>
+      </dsp:txXfrm>
+    </dsp:sp>
+    <dsp:sp modelId="{3B4C478E-4064-6347-8A12-7F71D43E2DB1}">
+      <dsp:nvSpPr>
+        <dsp:cNvPr id="0" name=""/>
+        <dsp:cNvSpPr/>
+      </dsp:nvSpPr>
+      <dsp:spPr>
+        <a:xfrm>
+          <a:off x="908449" y="686023"/>
+          <a:ext cx="1828353" cy="457088"/>
+        </a:xfrm>
+        <a:prstGeom prst="roundRect">
+          <a:avLst>
+            <a:gd name="adj" fmla="val 10000"/>
+          </a:avLst>
+        </a:prstGeom>
+        <a:solidFill>
+          <a:schemeClr val="accent3">
+            <a:hueOff val="0"/>
+            <a:satOff val="0"/>
+            <a:lumOff val="0"/>
+            <a:alphaOff val="0"/>
+          </a:schemeClr>
+        </a:solidFill>
+        <a:ln w="28575" cap="flat" cmpd="sng" algn="ctr">
+          <a:solidFill>
+            <a:schemeClr val="lt1">
+              <a:hueOff val="0"/>
+              <a:satOff val="0"/>
+              <a:lumOff val="0"/>
+              <a:alphaOff val="0"/>
+            </a:schemeClr>
+          </a:solidFill>
+          <a:prstDash val="solid"/>
+        </a:ln>
+        <a:effectLst>
+          <a:outerShdw blurRad="50800" dist="38100" dir="5400000" rotWithShape="0">
+            <a:srgbClr val="000000">
+              <a:alpha val="28000"/>
+            </a:srgbClr>
+          </a:outerShdw>
+        </a:effectLst>
+      </dsp:spPr>
+      <dsp:style>
+        <a:lnRef idx="3">
+          <a:scrgbClr r="0" g="0" b="0"/>
+        </a:lnRef>
+        <a:fillRef idx="1">
+          <a:scrgbClr r="0" g="0" b="0"/>
+        </a:fillRef>
+        <a:effectRef idx="1">
+          <a:scrgbClr r="0" g="0" b="0"/>
+        </a:effectRef>
+        <a:fontRef idx="minor">
+          <a:schemeClr val="lt1"/>
+        </a:fontRef>
+      </dsp:style>
+      <dsp:txBody>
+        <a:bodyPr spcFirstLastPara="0" vert="horz" wrap="square" lIns="57150" tIns="57150" rIns="57150" bIns="57150" numCol="1" spcCol="1270" anchor="ctr" anchorCtr="0">
+          <a:noAutofit/>
+        </a:bodyPr>
+        <a:lstStyle/>
+        <a:p>
+          <a:pPr lvl="0" algn="ctr" defTabSz="666750">
+            <a:lnSpc>
+              <a:spcPct val="90000"/>
+            </a:lnSpc>
+            <a:spcBef>
+              <a:spcPct val="0"/>
+            </a:spcBef>
+            <a:spcAft>
+              <a:spcPct val="35000"/>
+            </a:spcAft>
+          </a:pPr>
+          <a:r>
+            <a:rPr lang="en-US" sz="1500" kern="1200"/>
+            <a:t>EDA</a:t>
+          </a:r>
+        </a:p>
+      </dsp:txBody>
+      <dsp:txXfrm>
+        <a:off x="921837" y="699411"/>
+        <a:ext cx="1801577" cy="430312"/>
+      </dsp:txXfrm>
+    </dsp:sp>
+    <dsp:sp modelId="{AE09F089-925C-0744-8303-2D2C511AE24F}">
+      <dsp:nvSpPr>
+        <dsp:cNvPr id="0" name=""/>
+        <dsp:cNvSpPr/>
+      </dsp:nvSpPr>
+      <dsp:spPr>
+        <a:xfrm rot="5400000">
+          <a:off x="1736922" y="1154538"/>
+          <a:ext cx="171408" cy="205689"/>
+        </a:xfrm>
+        <a:prstGeom prst="rightArrow">
+          <a:avLst>
+            <a:gd name="adj1" fmla="val 60000"/>
+            <a:gd name="adj2" fmla="val 50000"/>
+          </a:avLst>
+        </a:prstGeom>
+        <a:solidFill>
+          <a:schemeClr val="accent3">
+            <a:hueOff val="0"/>
+            <a:satOff val="0"/>
+            <a:lumOff val="0"/>
+            <a:alphaOff val="0"/>
+          </a:schemeClr>
+        </a:solidFill>
+        <a:ln>
+          <a:noFill/>
+        </a:ln>
+        <a:effectLst>
+          <a:outerShdw blurRad="50800" dist="38100" dir="5400000" rotWithShape="0">
+            <a:srgbClr val="000000">
+              <a:alpha val="28000"/>
+            </a:srgbClr>
+          </a:outerShdw>
+        </a:effectLst>
+      </dsp:spPr>
+      <dsp:style>
+        <a:lnRef idx="0">
+          <a:scrgbClr r="0" g="0" b="0"/>
+        </a:lnRef>
+        <a:fillRef idx="1">
+          <a:scrgbClr r="0" g="0" b="0"/>
+        </a:fillRef>
+        <a:effectRef idx="1">
+          <a:scrgbClr r="0" g="0" b="0"/>
+        </a:effectRef>
+        <a:fontRef idx="minor">
+          <a:schemeClr val="lt1"/>
+        </a:fontRef>
+      </dsp:style>
+      <dsp:txBody>
+        <a:bodyPr spcFirstLastPara="0" vert="horz" wrap="square" lIns="0" tIns="0" rIns="0" bIns="0" numCol="1" spcCol="1270" anchor="ctr" anchorCtr="0">
+          <a:noAutofit/>
+        </a:bodyPr>
+        <a:lstStyle/>
+        <a:p>
+          <a:pPr lvl="0" algn="ctr" defTabSz="355600">
+            <a:lnSpc>
+              <a:spcPct val="90000"/>
+            </a:lnSpc>
+            <a:spcBef>
+              <a:spcPct val="0"/>
+            </a:spcBef>
+            <a:spcAft>
+              <a:spcPct val="35000"/>
+            </a:spcAft>
+          </a:pPr>
+          <a:endParaRPr lang="en-US" sz="800" kern="1200"/>
+        </a:p>
+      </dsp:txBody>
+      <dsp:txXfrm rot="-5400000">
+        <a:off x="1760920" y="1171678"/>
+        <a:ext cx="123413" cy="119986"/>
+      </dsp:txXfrm>
+    </dsp:sp>
+    <dsp:sp modelId="{2CCDA7F5-561D-3D45-9881-419695009CFA}">
+      <dsp:nvSpPr>
+        <dsp:cNvPr id="0" name=""/>
+        <dsp:cNvSpPr/>
+      </dsp:nvSpPr>
+      <dsp:spPr>
+        <a:xfrm>
+          <a:off x="908449" y="1371655"/>
+          <a:ext cx="1828353" cy="457088"/>
+        </a:xfrm>
+        <a:prstGeom prst="roundRect">
+          <a:avLst>
+            <a:gd name="adj" fmla="val 10000"/>
+          </a:avLst>
+        </a:prstGeom>
+        <a:solidFill>
+          <a:schemeClr val="accent4">
+            <a:hueOff val="0"/>
+            <a:satOff val="0"/>
+            <a:lumOff val="0"/>
+            <a:alphaOff val="0"/>
+          </a:schemeClr>
+        </a:solidFill>
+        <a:ln w="28575" cap="flat" cmpd="sng" algn="ctr">
+          <a:solidFill>
+            <a:schemeClr val="lt1">
+              <a:hueOff val="0"/>
+              <a:satOff val="0"/>
+              <a:lumOff val="0"/>
+              <a:alphaOff val="0"/>
+            </a:schemeClr>
+          </a:solidFill>
+          <a:prstDash val="solid"/>
+        </a:ln>
+        <a:effectLst>
+          <a:outerShdw blurRad="50800" dist="38100" dir="5400000" rotWithShape="0">
+            <a:srgbClr val="000000">
+              <a:alpha val="28000"/>
+            </a:srgbClr>
+          </a:outerShdw>
+        </a:effectLst>
+      </dsp:spPr>
+      <dsp:style>
+        <a:lnRef idx="3">
+          <a:scrgbClr r="0" g="0" b="0"/>
+        </a:lnRef>
+        <a:fillRef idx="1">
+          <a:scrgbClr r="0" g="0" b="0"/>
+        </a:fillRef>
+        <a:effectRef idx="1">
+          <a:scrgbClr r="0" g="0" b="0"/>
+        </a:effectRef>
+        <a:fontRef idx="minor">
+          <a:schemeClr val="lt1"/>
+        </a:fontRef>
+      </dsp:style>
+      <dsp:txBody>
+        <a:bodyPr spcFirstLastPara="0" vert="horz" wrap="square" lIns="57150" tIns="57150" rIns="57150" bIns="57150" numCol="1" spcCol="1270" anchor="ctr" anchorCtr="0">
+          <a:noAutofit/>
+        </a:bodyPr>
+        <a:lstStyle/>
+        <a:p>
+          <a:pPr lvl="0" algn="ctr" defTabSz="666750">
+            <a:lnSpc>
+              <a:spcPct val="90000"/>
+            </a:lnSpc>
+            <a:spcBef>
+              <a:spcPct val="0"/>
+            </a:spcBef>
+            <a:spcAft>
+              <a:spcPct val="35000"/>
+            </a:spcAft>
+          </a:pPr>
+          <a:r>
+            <a:rPr lang="en-US" sz="1500" kern="1200" dirty="0"/>
+            <a:t>Text Pre-processing</a:t>
+          </a:r>
+        </a:p>
+      </dsp:txBody>
+      <dsp:txXfrm>
+        <a:off x="921837" y="1385043"/>
+        <a:ext cx="1801577" cy="430312"/>
+      </dsp:txXfrm>
+    </dsp:sp>
+    <dsp:sp modelId="{C8BF13C8-EE84-1D4F-AFFA-7781B2051337}">
+      <dsp:nvSpPr>
+        <dsp:cNvPr id="0" name=""/>
+        <dsp:cNvSpPr/>
+      </dsp:nvSpPr>
+      <dsp:spPr>
+        <a:xfrm rot="5400000">
+          <a:off x="1736922" y="1840171"/>
+          <a:ext cx="171408" cy="205689"/>
+        </a:xfrm>
+        <a:prstGeom prst="rightArrow">
+          <a:avLst>
+            <a:gd name="adj1" fmla="val 60000"/>
+            <a:gd name="adj2" fmla="val 50000"/>
+          </a:avLst>
+        </a:prstGeom>
+        <a:solidFill>
+          <a:schemeClr val="accent4">
+            <a:hueOff val="0"/>
+            <a:satOff val="0"/>
+            <a:lumOff val="0"/>
+            <a:alphaOff val="0"/>
+          </a:schemeClr>
+        </a:solidFill>
+        <a:ln>
+          <a:noFill/>
+        </a:ln>
+        <a:effectLst>
+          <a:outerShdw blurRad="50800" dist="38100" dir="5400000" rotWithShape="0">
+            <a:srgbClr val="000000">
+              <a:alpha val="28000"/>
+            </a:srgbClr>
+          </a:outerShdw>
+        </a:effectLst>
+      </dsp:spPr>
+      <dsp:style>
+        <a:lnRef idx="0">
+          <a:scrgbClr r="0" g="0" b="0"/>
+        </a:lnRef>
+        <a:fillRef idx="1">
+          <a:scrgbClr r="0" g="0" b="0"/>
+        </a:fillRef>
+        <a:effectRef idx="1">
+          <a:scrgbClr r="0" g="0" b="0"/>
+        </a:effectRef>
+        <a:fontRef idx="minor">
+          <a:schemeClr val="lt1"/>
+        </a:fontRef>
+      </dsp:style>
+      <dsp:txBody>
+        <a:bodyPr spcFirstLastPara="0" vert="horz" wrap="square" lIns="0" tIns="0" rIns="0" bIns="0" numCol="1" spcCol="1270" anchor="ctr" anchorCtr="0">
+          <a:noAutofit/>
+        </a:bodyPr>
+        <a:lstStyle/>
+        <a:p>
+          <a:pPr lvl="0" algn="ctr" defTabSz="355600">
+            <a:lnSpc>
+              <a:spcPct val="90000"/>
+            </a:lnSpc>
+            <a:spcBef>
+              <a:spcPct val="0"/>
+            </a:spcBef>
+            <a:spcAft>
+              <a:spcPct val="35000"/>
+            </a:spcAft>
+          </a:pPr>
+          <a:endParaRPr lang="en-US" sz="800" kern="1200"/>
+        </a:p>
+      </dsp:txBody>
+      <dsp:txXfrm rot="-5400000">
+        <a:off x="1760920" y="1857311"/>
+        <a:ext cx="123413" cy="119986"/>
+      </dsp:txXfrm>
+    </dsp:sp>
+    <dsp:sp modelId="{CDE20550-91C1-0247-A840-D4689C39F94C}">
+      <dsp:nvSpPr>
+        <dsp:cNvPr id="0" name=""/>
+        <dsp:cNvSpPr/>
+      </dsp:nvSpPr>
+      <dsp:spPr>
+        <a:xfrm>
+          <a:off x="908449" y="2057288"/>
+          <a:ext cx="1828353" cy="457088"/>
+        </a:xfrm>
+        <a:prstGeom prst="roundRect">
+          <a:avLst>
+            <a:gd name="adj" fmla="val 10000"/>
+          </a:avLst>
+        </a:prstGeom>
+        <a:solidFill>
+          <a:schemeClr val="accent5">
+            <a:hueOff val="0"/>
+            <a:satOff val="0"/>
+            <a:lumOff val="0"/>
+            <a:alphaOff val="0"/>
+          </a:schemeClr>
+        </a:solidFill>
+        <a:ln w="28575" cap="flat" cmpd="sng" algn="ctr">
+          <a:solidFill>
+            <a:schemeClr val="lt1">
+              <a:hueOff val="0"/>
+              <a:satOff val="0"/>
+              <a:lumOff val="0"/>
+              <a:alphaOff val="0"/>
+            </a:schemeClr>
+          </a:solidFill>
+          <a:prstDash val="solid"/>
+        </a:ln>
+        <a:effectLst>
+          <a:outerShdw blurRad="50800" dist="38100" dir="5400000" rotWithShape="0">
+            <a:srgbClr val="000000">
+              <a:alpha val="28000"/>
+            </a:srgbClr>
+          </a:outerShdw>
+        </a:effectLst>
+      </dsp:spPr>
+      <dsp:style>
+        <a:lnRef idx="3">
+          <a:scrgbClr r="0" g="0" b="0"/>
+        </a:lnRef>
+        <a:fillRef idx="1">
+          <a:scrgbClr r="0" g="0" b="0"/>
+        </a:fillRef>
+        <a:effectRef idx="1">
+          <a:scrgbClr r="0" g="0" b="0"/>
+        </a:effectRef>
+        <a:fontRef idx="minor">
+          <a:schemeClr val="lt1"/>
+        </a:fontRef>
+      </dsp:style>
+      <dsp:txBody>
+        <a:bodyPr spcFirstLastPara="0" vert="horz" wrap="square" lIns="57150" tIns="57150" rIns="57150" bIns="57150" numCol="1" spcCol="1270" anchor="ctr" anchorCtr="0">
+          <a:noAutofit/>
+        </a:bodyPr>
+        <a:lstStyle/>
+        <a:p>
+          <a:pPr lvl="0" algn="ctr" defTabSz="666750">
+            <a:lnSpc>
+              <a:spcPct val="90000"/>
+            </a:lnSpc>
+            <a:spcBef>
+              <a:spcPct val="0"/>
+            </a:spcBef>
+            <a:spcAft>
+              <a:spcPct val="35000"/>
+            </a:spcAft>
+          </a:pPr>
+          <a:r>
+            <a:rPr lang="en-US" sz="1500" kern="1200"/>
+            <a:t>Analysis</a:t>
+          </a:r>
+        </a:p>
+      </dsp:txBody>
+      <dsp:txXfrm>
+        <a:off x="921837" y="2070676"/>
+        <a:ext cx="1801577" cy="430312"/>
+      </dsp:txXfrm>
+    </dsp:sp>
+    <dsp:sp modelId="{F6EEADC5-62DF-574C-A66A-97DE9E55368E}">
+      <dsp:nvSpPr>
+        <dsp:cNvPr id="0" name=""/>
+        <dsp:cNvSpPr/>
+      </dsp:nvSpPr>
+      <dsp:spPr>
+        <a:xfrm rot="5400000">
+          <a:off x="1736922" y="2525803"/>
+          <a:ext cx="171408" cy="205689"/>
+        </a:xfrm>
+        <a:prstGeom prst="rightArrow">
+          <a:avLst>
+            <a:gd name="adj1" fmla="val 60000"/>
+            <a:gd name="adj2" fmla="val 50000"/>
+          </a:avLst>
+        </a:prstGeom>
+        <a:solidFill>
+          <a:schemeClr val="accent5">
+            <a:hueOff val="0"/>
+            <a:satOff val="0"/>
+            <a:lumOff val="0"/>
+            <a:alphaOff val="0"/>
+          </a:schemeClr>
+        </a:solidFill>
+        <a:ln>
+          <a:noFill/>
+        </a:ln>
+        <a:effectLst>
+          <a:outerShdw blurRad="50800" dist="38100" dir="5400000" rotWithShape="0">
+            <a:srgbClr val="000000">
+              <a:alpha val="28000"/>
+            </a:srgbClr>
+          </a:outerShdw>
+        </a:effectLst>
+      </dsp:spPr>
+      <dsp:style>
+        <a:lnRef idx="0">
+          <a:scrgbClr r="0" g="0" b="0"/>
+        </a:lnRef>
+        <a:fillRef idx="1">
+          <a:scrgbClr r="0" g="0" b="0"/>
+        </a:fillRef>
+        <a:effectRef idx="1">
+          <a:scrgbClr r="0" g="0" b="0"/>
+        </a:effectRef>
+        <a:fontRef idx="minor">
+          <a:schemeClr val="lt1"/>
+        </a:fontRef>
+      </dsp:style>
+      <dsp:txBody>
+        <a:bodyPr spcFirstLastPara="0" vert="horz" wrap="square" lIns="0" tIns="0" rIns="0" bIns="0" numCol="1" spcCol="1270" anchor="ctr" anchorCtr="0">
+          <a:noAutofit/>
+        </a:bodyPr>
+        <a:lstStyle/>
+        <a:p>
+          <a:pPr lvl="0" algn="ctr" defTabSz="355600">
+            <a:lnSpc>
+              <a:spcPct val="90000"/>
+            </a:lnSpc>
+            <a:spcBef>
+              <a:spcPct val="0"/>
+            </a:spcBef>
+            <a:spcAft>
+              <a:spcPct val="35000"/>
+            </a:spcAft>
+          </a:pPr>
+          <a:endParaRPr lang="en-US" sz="800" kern="1200"/>
+        </a:p>
+      </dsp:txBody>
+      <dsp:txXfrm rot="-5400000">
+        <a:off x="1760920" y="2542943"/>
+        <a:ext cx="123413" cy="119986"/>
+      </dsp:txXfrm>
+    </dsp:sp>
+    <dsp:sp modelId="{2D7C3198-52ED-DC4A-B814-D42DECD16039}">
+      <dsp:nvSpPr>
+        <dsp:cNvPr id="0" name=""/>
+        <dsp:cNvSpPr/>
+      </dsp:nvSpPr>
+      <dsp:spPr>
+        <a:xfrm>
+          <a:off x="908449" y="2742920"/>
+          <a:ext cx="1828353" cy="457088"/>
+        </a:xfrm>
+        <a:prstGeom prst="roundRect">
+          <a:avLst>
+            <a:gd name="adj" fmla="val 10000"/>
+          </a:avLst>
+        </a:prstGeom>
+        <a:solidFill>
+          <a:schemeClr val="accent6">
+            <a:hueOff val="0"/>
+            <a:satOff val="0"/>
+            <a:lumOff val="0"/>
+            <a:alphaOff val="0"/>
+          </a:schemeClr>
+        </a:solidFill>
+        <a:ln w="28575" cap="flat" cmpd="sng" algn="ctr">
+          <a:solidFill>
+            <a:schemeClr val="lt1">
+              <a:hueOff val="0"/>
+              <a:satOff val="0"/>
+              <a:lumOff val="0"/>
+              <a:alphaOff val="0"/>
+            </a:schemeClr>
+          </a:solidFill>
+          <a:prstDash val="solid"/>
+        </a:ln>
+        <a:effectLst>
+          <a:outerShdw blurRad="50800" dist="38100" dir="5400000" rotWithShape="0">
+            <a:srgbClr val="000000">
+              <a:alpha val="28000"/>
+            </a:srgbClr>
+          </a:outerShdw>
+        </a:effectLst>
+      </dsp:spPr>
+      <dsp:style>
+        <a:lnRef idx="3">
+          <a:scrgbClr r="0" g="0" b="0"/>
+        </a:lnRef>
+        <a:fillRef idx="1">
+          <a:scrgbClr r="0" g="0" b="0"/>
+        </a:fillRef>
+        <a:effectRef idx="1">
+          <a:scrgbClr r="0" g="0" b="0"/>
+        </a:effectRef>
+        <a:fontRef idx="minor">
+          <a:schemeClr val="lt1"/>
+        </a:fontRef>
+      </dsp:style>
+      <dsp:txBody>
+        <a:bodyPr spcFirstLastPara="0" vert="horz" wrap="square" lIns="57150" tIns="57150" rIns="57150" bIns="57150" numCol="1" spcCol="1270" anchor="ctr" anchorCtr="0">
+          <a:noAutofit/>
+        </a:bodyPr>
+        <a:lstStyle/>
+        <a:p>
+          <a:pPr lvl="0" algn="ctr" defTabSz="666750">
+            <a:lnSpc>
+              <a:spcPct val="90000"/>
+            </a:lnSpc>
+            <a:spcBef>
+              <a:spcPct val="0"/>
+            </a:spcBef>
+            <a:spcAft>
+              <a:spcPct val="35000"/>
+            </a:spcAft>
+          </a:pPr>
+          <a:r>
+            <a:rPr lang="en-US" sz="1500" kern="1200"/>
+            <a:t>NLP</a:t>
+          </a:r>
+        </a:p>
+      </dsp:txBody>
+      <dsp:txXfrm>
+        <a:off x="921837" y="2756308"/>
+        <a:ext cx="1801577" cy="430312"/>
+      </dsp:txXfrm>
+    </dsp:sp>
+  </dsp:spTree>
+</dsp:drawing>
+</file>
+
+<file path=ppt/diagrams/layout1.xml><?xml version="1.0" encoding="utf-8"?>
+<dgm:layoutDef xmlns:dgm="http://schemas.openxmlformats.org/drawingml/2006/diagram" xmlns:a="http://schemas.openxmlformats.org/drawingml/2006/main" uniqueId="urn:microsoft.com/office/officeart/2005/8/layout/process2">
+  <dgm:title val=""/>
+  <dgm:desc val=""/>
+  <dgm:catLst>
+    <dgm:cat type="process" pri="13000"/>
+  </dgm:catLst>
+  <dgm:sampData useDef="1">
+    <dgm:dataModel>
+      <dgm:ptLst/>
+      <dgm:bg/>
+      <dgm:whole/>
+    </dgm:dataModel>
+  </dgm:sampData>
+  <dgm:styleData>
+    <dgm:dataModel>
+      <dgm:ptLst>
+        <dgm:pt modelId="0" type="doc"/>
+        <dgm:pt modelId="1"/>
+        <dgm:pt modelId="2"/>
+      </dgm:ptLst>
+      <dgm:cxnLst>
+        <dgm:cxn modelId="3" srcId="0" destId="1" srcOrd="0" destOrd="0"/>
+        <dgm:cxn modelId="4" srcId="0" destId="2" srcOrd="1" destOrd="0"/>
+      </dgm:cxnLst>
+      <dgm:bg/>
+      <dgm:whole/>
+    </dgm:dataModel>
+  </dgm:styleData>
+  <dgm:clrData>
+    <dgm:dataModel>
+      <dgm:ptLst>
+        <dgm:pt modelId="0" type="doc"/>
+        <dgm:pt modelId="1"/>
+        <dgm:pt modelId="2"/>
+        <dgm:pt modelId="3"/>
+        <dgm:pt modelId="4"/>
+      </dgm:ptLst>
+      <dgm:cxnLst>
+        <dgm:cxn modelId="5" srcId="0" destId="1" srcOrd="0" destOrd="0"/>
+        <dgm:cxn modelId="6" srcId="0" destId="2" srcOrd="1" destOrd="0"/>
+        <dgm:cxn modelId="7" srcId="0" destId="3" srcOrd="2" destOrd="0"/>
+        <dgm:cxn modelId="8" srcId="0" destId="4" srcOrd="3" destOrd="0"/>
+      </dgm:cxnLst>
+      <dgm:bg/>
+      <dgm:whole/>
+    </dgm:dataModel>
+  </dgm:clrData>
+  <dgm:layoutNode name="linearFlow">
+    <dgm:varLst>
+      <dgm:resizeHandles val="exact"/>
+    </dgm:varLst>
+    <dgm:alg type="lin">
+      <dgm:param type="linDir" val="fromT"/>
+    </dgm:alg>
+    <dgm:shape xmlns:r="http://schemas.openxmlformats.org/officeDocument/2006/relationships" r:blip="">
+      <dgm:adjLst/>
+    </dgm:shape>
+    <dgm:presOf/>
+    <dgm:constrLst>
+      <dgm:constr type="h" for="ch" ptType="node" refType="h"/>
+      <dgm:constr type="h" for="ch" ptType="sibTrans" refType="h" refFor="ch" refPtType="node" fact="0.5"/>
+      <dgm:constr type="w" for="ch" ptType="node" op="equ"/>
+      <dgm:constr type="primFontSz" for="ch" ptType="node" op="equ" val="65"/>
+      <dgm:constr type="primFontSz" for="des" forName="connectorText" op="equ" val="55"/>
+      <dgm:constr type="primFontSz" for="des" forName="connectorText" refType="primFontSz" refFor="ch" refPtType="node" op="lte" fact="0.8"/>
+    </dgm:constrLst>
+    <dgm:ruleLst/>
+    <dgm:forEach name="nodesForEach" axis="ch" ptType="node">
+      <dgm:layoutNode name="node">
+        <dgm:varLst>
+          <dgm:bulletEnabled val="1"/>
+        </dgm:varLst>
+        <dgm:choose name="Name0">
+          <dgm:if name="Name1" axis="root des" ptType="all node" func="maxDepth" op="gt" val="1">
+            <dgm:alg type="tx">
+              <dgm:param type="parTxLTRAlign" val="l"/>
+              <dgm:param type="parTxRTLAlign" val="r"/>
+              <dgm:param type="txAnchorVertCh" val="mid"/>
+            </dgm:alg>
+          </dgm:if>
+          <dgm:else name="Name2">
+            <dgm:alg type="tx"/>
+          </dgm:else>
+        </dgm:choose>
+        <dgm:shape xmlns:r="http://schemas.openxmlformats.org/officeDocument/2006/relationships" type="roundRect" r:blip="">
+          <dgm:adjLst>
+            <dgm:adj idx="1" val="0.1"/>
+          </dgm:adjLst>
+        </dgm:shape>
+        <dgm:presOf axis="desOrSelf" ptType="node"/>
+        <dgm:constrLst>
+          <dgm:constr type="w" refType="h" fact="1.8"/>
+          <dgm:constr type="tMarg" refType="primFontSz" fact="0.3"/>
+          <dgm:constr type="bMarg" refType="primFontSz" fact="0.3"/>
+          <dgm:constr type="lMarg" refType="primFontSz" fact="0.3"/>
+          <dgm:constr type="rMarg" refType="primFontSz" fact="0.3"/>
+        </dgm:constrLst>
+        <dgm:ruleLst>
+          <dgm:rule type="primFontSz" val="18" fact="NaN" max="NaN"/>
+          <dgm:rule type="w" val="NaN" fact="4" max="NaN"/>
+          <dgm:rule type="primFontSz" val="5" fact="NaN" max="NaN"/>
+        </dgm:ruleLst>
+      </dgm:layoutNode>
+      <dgm:forEach name="sibTransForEach" axis="followSib" ptType="sibTrans" cnt="1">
+        <dgm:layoutNode name="sibTrans">
+          <dgm:alg type="conn">
+            <dgm:param type="begPts" val="auto"/>
+            <dgm:param type="endPts" val="auto"/>
+          </dgm:alg>
+          <dgm:shape xmlns:r="http://schemas.openxmlformats.org/officeDocument/2006/relationships" type="conn" r:blip="">
+            <dgm:adjLst/>
+          </dgm:shape>
+          <dgm:presOf axis="self"/>
+          <dgm:constrLst>
+            <dgm:constr type="w" refType="h" fact="0.9"/>
+            <dgm:constr type="connDist"/>
+            <dgm:constr type="wArH" refType="w" fact="0.5"/>
+            <dgm:constr type="hArH" refType="w"/>
+            <dgm:constr type="stemThick" refType="w" fact="0.6"/>
+            <dgm:constr type="begPad" refType="connDist" fact="0.125"/>
+            <dgm:constr type="endPad" refType="connDist" fact="0.125"/>
+          </dgm:constrLst>
+          <dgm:ruleLst/>
+          <dgm:layoutNode name="connectorText">
+            <dgm:alg type="tx">
+              <dgm:param type="autoTxRot" val="upr"/>
+            </dgm:alg>
+            <dgm:shape xmlns:r="http://schemas.openxmlformats.org/officeDocument/2006/relationships" type="conn" r:blip="" hideGeom="1">
+              <dgm:adjLst/>
+            </dgm:shape>
+            <dgm:presOf axis="self"/>
+            <dgm:constrLst>
+              <dgm:constr type="lMarg"/>
+              <dgm:constr type="rMarg"/>
+              <dgm:constr type="tMarg"/>
+              <dgm:constr type="bMarg"/>
+            </dgm:constrLst>
+            <dgm:ruleLst>
+              <dgm:rule type="primFontSz" val="5" fact="NaN" max="NaN"/>
+            </dgm:ruleLst>
+          </dgm:layoutNode>
+        </dgm:layoutNode>
+      </dgm:forEach>
+    </dgm:forEach>
+  </dgm:layoutNode>
+</dgm:layoutDef>
+</file>
+
+<file path=ppt/diagrams/quickStyle1.xml><?xml version="1.0" encoding="utf-8"?>
+<dgm:styleDef xmlns:dgm="http://schemas.openxmlformats.org/drawingml/2006/diagram" xmlns:a="http://schemas.openxmlformats.org/drawingml/2006/main" uniqueId="urn:microsoft.com/office/officeart/2005/8/quickstyle/simple2">
+  <dgm:title val=""/>
+  <dgm:desc val=""/>
+  <dgm:catLst>
+    <dgm:cat type="simple" pri="10200"/>
+  </dgm:catLst>
+  <dgm:scene3d>
+    <a:camera prst="orthographicFront"/>
+    <a:lightRig rig="threePt" dir="t"/>
+  </dgm:scene3d>
+  <dgm:styleLbl name="node0">
+    <dgm:scene3d>
+      <a:camera prst="orthographicFront"/>
+      <a:lightRig rig="threePt" dir="t"/>
+    </dgm:scene3d>
+    <dgm:sp3d/>
+    <dgm:txPr/>
+    <dgm:style>
+      <a:lnRef idx="3">
+        <a:scrgbClr r="0" g="0" b="0"/>
+      </a:lnRef>
+      <a:fillRef idx="1">
+        <a:scrgbClr r="0" g="0" b="0"/>
+      </a:fillRef>
+      <a:effectRef idx="1">
+        <a:scrgbClr r="0" g="0" b="0"/>
+      </a:effectRef>
+      <a:fontRef idx="minor">
+        <a:schemeClr val="lt1"/>
+      </a:fontRef>
+    </dgm:style>
+  </dgm:styleLbl>
+  <dgm:styleLbl name="lnNode1">
+    <dgm:scene3d>
+      <a:camera prst="orthographicFront"/>
+      <a:lightRig rig="threePt" dir="t"/>
+    </dgm:scene3d>
+    <dgm:sp3d/>
+    <dgm:txPr/>
+    <dgm:style>
+      <a:lnRef idx="3">
+        <a:scrgbClr r="0" g="0" b="0"/>
+      </a:lnRef>
+      <a:fillRef idx="1">
+        <a:scrgbClr r="0" g="0" b="0"/>
+      </a:fillRef>
+      <a:effectRef idx="1">
+        <a:scrgbClr r="0" g="0" b="0"/>
+      </a:effectRef>
+      <a:fontRef idx="minor">
+        <a:schemeClr val="lt1"/>
+      </a:fontRef>
+    </dgm:style>
+  </dgm:styleLbl>
+  <dgm:styleLbl name="vennNode1">
+    <dgm:scene3d>
+      <a:camera prst="orthographicFront"/>
+      <a:lightRig rig="threePt" dir="t"/>
+    </dgm:scene3d>
+    <dgm:sp3d/>
+    <dgm:txPr/>
+    <dgm:style>
+      <a:lnRef idx="3">
+        <a:scrgbClr r="0" g="0" b="0"/>
+      </a:lnRef>
+      <a:fillRef idx="1">
+        <a:scrgbClr r="0" g="0" b="0"/>
+      </a:fillRef>
+      <a:effectRef idx="0">
+        <a:scrgbClr r="0" g="0" b="0"/>
+      </a:effectRef>
+      <a:fontRef idx="minor">
+        <a:schemeClr val="tx1"/>
+      </a:fontRef>
+    </dgm:style>
+  </dgm:styleLbl>
+  <dgm:styleLbl name="alignNode1">
+    <dgm:scene3d>
+      <a:camera prst="orthographicFront"/>
+      <a:lightRig rig="threePt" dir="t"/>
+    </dgm:scene3d>
+    <dgm:sp3d/>
+    <dgm:txPr/>
+    <dgm:style>
+      <a:lnRef idx="2">
+        <a:scrgbClr r="0" g="0" b="0"/>
+      </a:lnRef>
+      <a:fillRef idx="1">
+        <a:scrgbClr r="0" g="0" b="0"/>
+      </a:fillRef>
+      <a:effectRef idx="1">
+        <a:scrgbClr r="0" g="0" b="0"/>
+      </a:effectRef>
+      <a:fontRef idx="minor">
+        <a:schemeClr val="lt1"/>
+      </a:fontRef>
+    </dgm:style>
+  </dgm:styleLbl>
+  <dgm:styleLbl name="node1">
+    <dgm:scene3d>
+      <a:camera prst="orthographicFront"/>
+      <a:lightRig rig="threePt" dir="t"/>
+    </dgm:scene3d>
+    <dgm:sp3d/>
+    <dgm:txPr/>
+    <dgm:style>
+      <a:lnRef idx="3">
+        <a:scrgbClr r="0" g="0" b="0"/>
+      </a:lnRef>
+      <a:fillRef idx="1">
+        <a:scrgbClr r="0" g="0" b="0"/>
+      </a:fillRef>
+      <a:effectRef idx="1">
+        <a:scrgbClr r="0" g="0" b="0"/>
+      </a:effectRef>
+      <a:fontRef idx="minor">
+        <a:schemeClr val="lt1"/>
+      </a:fontRef>
+    </dgm:style>
+  </dgm:styleLbl>
+  <dgm:styleLbl name="node2">
+    <dgm:scene3d>
+      <a:camera prst="orthographicFront"/>
+      <a:lightRig rig="threePt" dir="t"/>
+    </dgm:scene3d>
+    <dgm:sp3d/>
+    <dgm:txPr/>
+    <dgm:style>
+      <a:lnRef idx="3">
+        <a:scrgbClr r="0" g="0" b="0"/>
+      </a:lnRef>
+      <a:fillRef idx="1">
+        <a:scrgbClr r="0" g="0" b="0"/>
+      </a:fillRef>
+      <a:effectRef idx="1">
+        <a:scrgbClr r="0" g="0" b="0"/>
+      </a:effectRef>
+      <a:fontRef idx="minor">
+        <a:schemeClr val="lt1"/>
+      </a:fontRef>
+    </dgm:style>
+  </dgm:styleLbl>
+  <dgm:styleLbl name="node3">
+    <dgm:scene3d>
+      <a:camera prst="orthographicFront"/>
+      <a:lightRig rig="threePt" dir="t"/>
+    </dgm:scene3d>
+    <dgm:sp3d/>
+    <dgm:txPr/>
+    <dgm:style>
+      <a:lnRef idx="3">
+        <a:scrgbClr r="0" g="0" b="0"/>
+      </a:lnRef>
+      <a:fillRef idx="1">
+        <a:scrgbClr r="0" g="0" b="0"/>
+      </a:fillRef>
+      <a:effectRef idx="1">
+        <a:scrgbClr r="0" g="0" b="0"/>
+      </a:effectRef>
+      <a:fontRef idx="minor">
+        <a:schemeClr val="lt1"/>
+      </a:fontRef>
+    </dgm:style>
+  </dgm:styleLbl>
+  <dgm:styleLbl name="node4">
+    <dgm:scene3d>
+      <a:camera prst="orthographicFront"/>
+      <a:lightRig rig="threePt" dir="t"/>
+    </dgm:scene3d>
+    <dgm:sp3d/>
+    <dgm:txPr/>
+    <dgm:style>
+      <a:lnRef idx="3">
+        <a:scrgbClr r="0" g="0" b="0"/>
+      </a:lnRef>
+      <a:fillRef idx="1">
+        <a:scrgbClr r="0" g="0" b="0"/>
+      </a:fillRef>
+      <a:effectRef idx="1">
+        <a:scrgbClr r="0" g="0" b="0"/>
+      </a:effectRef>
+      <a:fontRef idx="minor">
+        <a:schemeClr val="lt1"/>
+      </a:fontRef>
+    </dgm:style>
+  </dgm:styleLbl>
+  <dgm:styleLbl name="fgImgPlace1">
+    <dgm:scene3d>
+      <a:camera prst="orthographicFront"/>
+      <a:lightRig rig="threePt" dir="t"/>
+    </dgm:scene3d>
+    <dgm:sp3d/>
+    <dgm:txPr/>
+    <dgm:style>
+      <a:lnRef idx="3">
+        <a:scrgbClr r="0" g="0" b="0"/>
+      </a:lnRef>
+      <a:fillRef idx="1">
+        <a:scrgbClr r="0" g="0" b="0"/>
+      </a:fillRef>
+      <a:effectRef idx="1">
+        <a:scrgbClr r="0" g="0" b="0"/>
+      </a:effectRef>
+      <a:fontRef idx="minor"/>
+    </dgm:style>
+  </dgm:styleLbl>
+  <dgm:styleLbl name="alignImgPlace1">
+    <dgm:scene3d>
+      <a:camera prst="orthographicFront"/>
+      <a:lightRig rig="threePt" dir="t"/>
+    </dgm:scene3d>
+    <dgm:sp3d/>
+    <dgm:txPr/>
+    <dgm:style>
+      <a:lnRef idx="3">
+        <a:scrgbClr r="0" g="0" b="0"/>
+      </a:lnRef>
+      <a:fillRef idx="1">
+        <a:scrgbClr r="0" g="0" b="0"/>
+      </a:fillRef>
+      <a:effectRef idx="1">
+        <a:scrgbClr r="0" g="0" b="0"/>
+      </a:effectRef>
+      <a:fontRef idx="minor"/>
+    </dgm:style>
+  </dgm:styleLbl>
+  <dgm:styleLbl name="bgImgPlace1">
+    <dgm:scene3d>
+      <a:camera prst="orthographicFront"/>
+      <a:lightRig rig="threePt" dir="t"/>
+    </dgm:scene3d>
+    <dgm:sp3d/>
+    <dgm:txPr/>
+    <dgm:style>
+      <a:lnRef idx="3">
+        <a:scrgbClr r="0" g="0" b="0"/>
+      </a:lnRef>
+      <a:fillRef idx="1">
+        <a:scrgbClr r="0" g="0" b="0"/>
+      </a:fillRef>
+      <a:effectRef idx="1">
+        <a:scrgbClr r="0" g="0" b="0"/>
+      </a:effectRef>
+      <a:fontRef idx="minor"/>
+    </dgm:style>
+  </dgm:styleLbl>
+  <dgm:styleLbl name="sibTrans2D1">
+    <dgm:scene3d>
+      <a:camera prst="orthographicFront"/>
+      <a:lightRig rig="threePt" dir="t"/>
+    </dgm:scene3d>
+    <dgm:sp3d/>
+    <dgm:txPr/>
+    <dgm:style>
+      <a:lnRef idx="0">
+        <a:scrgbClr r="0" g="0" b="0"/>
+      </a:lnRef>
+      <a:fillRef idx="1">
+        <a:scrgbClr r="0" g="0" b="0"/>
+      </a:fillRef>
+      <a:effectRef idx="1">
+        <a:scrgbClr r="0" g="0" b="0"/>
+      </a:effectRef>
+      <a:fontRef idx="minor">
+        <a:schemeClr val="lt1"/>
+      </a:fontRef>
+    </dgm:style>
+  </dgm:styleLbl>
+  <dgm:styleLbl name="fgSibTrans2D1">
+    <dgm:scene3d>
+      <a:camera prst="orthographicFront"/>
+      <a:lightRig rig="threePt" dir="t"/>
+    </dgm:scene3d>
+    <dgm:sp3d/>
+    <dgm:txPr/>
+    <dgm:style>
+      <a:lnRef idx="0">
+        <a:scrgbClr r="0" g="0" b="0"/>
+      </a:lnRef>
+      <a:fillRef idx="1">
+        <a:scrgbClr r="0" g="0" b="0"/>
+      </a:fillRef>
+      <a:effectRef idx="1">
+        <a:scrgbClr r="0" g="0" b="0"/>
+      </a:effectRef>
+      <a:fontRef idx="minor">
+        <a:schemeClr val="lt1"/>
+      </a:fontRef>
+    </dgm:style>
+  </dgm:styleLbl>
+  <dgm:styleLbl name="bgSibTrans2D1">
+    <dgm:scene3d>
+      <a:camera prst="orthographicFront"/>
+      <a:lightRig rig="threePt" dir="t"/>
+    </dgm:scene3d>
+    <dgm:sp3d/>
+    <dgm:txPr/>
+    <dgm:style>
+      <a:lnRef idx="0">
+        <a:scrgbClr r="0" g="0" b="0"/>
+      </a:lnRef>
+      <a:fillRef idx="1">
+        <a:scrgbClr r="0" g="0" b="0"/>
+      </a:fillRef>
+      <a:effectRef idx="1">
+        <a:scrgbClr r="0" g="0" b="0"/>
+      </a:effectRef>
+      <a:fontRef idx="minor">
+        <a:schemeClr val="lt1"/>
+      </a:fontRef>
+    </dgm:style>
+  </dgm:styleLbl>
+  <dgm:styleLbl name="sibTrans1D1">
+    <dgm:scene3d>
+      <a:camera prst="orthographicFront"/>
+      <a:lightRig rig="threePt" dir="t"/>
+    </dgm:scene3d>
+    <dgm:sp3d/>
+    <dgm:txPr/>
+    <dgm:style>
+      <a:lnRef idx="1">
+        <a:scrgbClr r="0" g="0" b="0"/>
+      </a:lnRef>
+      <a:fillRef idx="0">
+        <a:scrgbClr r="0" g="0" b="0"/>
+      </a:fillRef>
+      <a:effectRef idx="0">
+        <a:scrgbClr r="0" g="0" b="0"/>
+      </a:effectRef>
+      <a:fontRef idx="minor"/>
+    </dgm:style>
+  </dgm:styleLbl>
+  <dgm:styleLbl name="callout">
+    <dgm:scene3d>
+      <a:camera prst="orthographicFront"/>
+      <a:lightRig rig="threePt" dir="t"/>
+    </dgm:scene3d>
+    <dgm:sp3d/>
+    <dgm:txPr/>
+    <dgm:style>
+      <a:lnRef idx="2">
+        <a:scrgbClr r="0" g="0" b="0"/>
+      </a:lnRef>
+      <a:fillRef idx="1">
+        <a:scrgbClr r="0" g="0" b="0"/>
+      </a:fillRef>
+      <a:effectRef idx="1">
+        <a:scrgbClr r="0" g="0" b="0"/>
+      </a:effectRef>
+      <a:fontRef idx="minor"/>
+    </dgm:style>
+  </dgm:styleLbl>
+  <dgm:styleLbl name="asst0">
+    <dgm:scene3d>
+      <a:camera prst="orthographicFront"/>
+      <a:lightRig rig="threePt" dir="t"/>
+    </dgm:scene3d>
+    <dgm:sp3d/>
+    <dgm:txPr/>
+    <dgm:style>
+      <a:lnRef idx="3">
+        <a:scrgbClr r="0" g="0" b="0"/>
+      </a:lnRef>
+      <a:fillRef idx="1">
+        <a:scrgbClr r="0" g="0" b="0"/>
+      </a:fillRef>
+      <a:effectRef idx="1">
+        <a:scrgbClr r="0" g="0" b="0"/>
+      </a:effectRef>
+      <a:fontRef idx="minor">
+        <a:schemeClr val="lt1"/>
+      </a:fontRef>
+    </dgm:style>
+  </dgm:styleLbl>
+  <dgm:styleLbl name="asst1">
+    <dgm:scene3d>
+      <a:camera prst="orthographicFront"/>
+      <a:lightRig rig="threePt" dir="t"/>
+    </dgm:scene3d>
+    <dgm:sp3d/>
+    <dgm:txPr/>
+    <dgm:style>
+      <a:lnRef idx="3">
+        <a:scrgbClr r="0" g="0" b="0"/>
+      </a:lnRef>
+      <a:fillRef idx="1">
+        <a:scrgbClr r="0" g="0" b="0"/>
+      </a:fillRef>
+      <a:effectRef idx="1">
+        <a:scrgbClr r="0" g="0" b="0"/>
+      </a:effectRef>
+      <a:fontRef idx="minor">
+        <a:schemeClr val="lt1"/>
+      </a:fontRef>
+    </dgm:style>
+  </dgm:styleLbl>
+  <dgm:styleLbl name="asst2">
+    <dgm:scene3d>
+      <a:camera prst="orthographicFront"/>
+      <a:lightRig rig="threePt" dir="t"/>
+    </dgm:scene3d>
+    <dgm:sp3d/>
+    <dgm:txPr/>
+    <dgm:style>
+      <a:lnRef idx="3">
+        <a:scrgbClr r="0" g="0" b="0"/>
+      </a:lnRef>
+      <a:fillRef idx="1">
+        <a:scrgbClr r="0" g="0" b="0"/>
+      </a:fillRef>
+      <a:effectRef idx="1">
+        <a:scrgbClr r="0" g="0" b="0"/>
+      </a:effectRef>
+      <a:fontRef idx="minor">
+        <a:schemeClr val="lt1"/>
+      </a:fontRef>
+    </dgm:style>
+  </dgm:styleLbl>
+  <dgm:styleLbl name="asst3">
+    <dgm:scene3d>
+      <a:camera prst="orthographicFront"/>
+      <a:lightRig rig="threePt" dir="t"/>
+    </dgm:scene3d>
+    <dgm:sp3d/>
+    <dgm:txPr/>
+    <dgm:style>
+      <a:lnRef idx="3">
+        <a:scrgbClr r="0" g="0" b="0"/>
+      </a:lnRef>
+      <a:fillRef idx="1">
+        <a:scrgbClr r="0" g="0" b="0"/>
+      </a:fillRef>
+      <a:effectRef idx="1">
+        <a:scrgbClr r="0" g="0" b="0"/>
+      </a:effectRef>
+      <a:fontRef idx="minor">
+        <a:schemeClr val="lt1"/>
+      </a:fontRef>
+    </dgm:style>
+  </dgm:styleLbl>
+  <dgm:styleLbl name="asst4">
+    <dgm:scene3d>
+      <a:camera prst="orthographicFront"/>
+      <a:lightRig rig="threePt" dir="t"/>
+    </dgm:scene3d>
+    <dgm:sp3d/>
+    <dgm:txPr/>
+    <dgm:style>
+      <a:lnRef idx="3">
+        <a:scrgbClr r="0" g="0" b="0"/>
+      </a:lnRef>
+      <a:fillRef idx="1">
+        <a:scrgbClr r="0" g="0" b="0"/>
+      </a:fillRef>
+      <a:effectRef idx="1">
+        <a:scrgbClr r="0" g="0" b="0"/>
+      </a:effectRef>
+      <a:fontRef idx="minor">
+        <a:schemeClr val="lt1"/>
+      </a:fontRef>
+    </dgm:style>
+  </dgm:styleLbl>
+  <dgm:styleLbl name="parChTrans2D1">
+    <dgm:scene3d>
+      <a:camera prst="orthographicFront"/>
+      <a:lightRig rig="threePt" dir="t"/>
+    </dgm:scene3d>
+    <dgm:sp3d/>
+    <dgm:txPr/>
+    <dgm:style>
+      <a:lnRef idx="3">
+        <a:scrgbClr r="0" g="0" b="0"/>
+      </a:lnRef>
+      <a:fillRef idx="1">
+        <a:scrgbClr r="0" g="0" b="0"/>
+      </a:fillRef>
+      <a:effectRef idx="1">
+        <a:scrgbClr r="0" g="0" b="0"/>
+      </a:effectRef>
+      <a:fontRef idx="minor">
+        <a:schemeClr val="lt1"/>
+      </a:fontRef>
+    </dgm:style>
+  </dgm:styleLbl>
+  <dgm:styleLbl name="parChTrans2D2">
+    <dgm:scene3d>
+      <a:camera prst="orthographicFront"/>
+      <a:lightRig rig="threePt" dir="t"/>
+    </dgm:scene3d>
+    <dgm:sp3d/>
+    <dgm:txPr/>
+    <dgm:style>
+      <a:lnRef idx="3">
+        <a:scrgbClr r="0" g="0" b="0"/>
+      </a:lnRef>
+      <a:fillRef idx="1">
+        <a:scrgbClr r="0" g="0" b="0"/>
+      </a:fillRef>
+      <a:effectRef idx="1">
+        <a:scrgbClr r="0" g="0" b="0"/>
+      </a:effectRef>
+      <a:fontRef idx="minor">
+        <a:schemeClr val="lt1"/>
+      </a:fontRef>
+    </dgm:style>
+  </dgm:styleLbl>
+  <dgm:styleLbl name="parChTrans2D3">
+    <dgm:scene3d>
+      <a:camera prst="orthographicFront"/>
+      <a:lightRig rig="threePt" dir="t"/>
+    </dgm:scene3d>
+    <dgm:sp3d/>
+    <dgm:txPr/>
+    <dgm:style>
+      <a:lnRef idx="3">
+        <a:scrgbClr r="0" g="0" b="0"/>
+      </a:lnRef>
+      <a:fillRef idx="1">
+        <a:scrgbClr r="0" g="0" b="0"/>
+      </a:fillRef>
+      <a:effectRef idx="1">
+        <a:scrgbClr r="0" g="0" b="0"/>
+      </a:effectRef>
+      <a:fontRef idx="minor">
+        <a:schemeClr val="lt1"/>
+      </a:fontRef>
+    </dgm:style>
+  </dgm:styleLbl>
+  <dgm:styleLbl name="parChTrans2D4">
+    <dgm:scene3d>
+      <a:camera prst="orthographicFront"/>
+      <a:lightRig rig="threePt" dir="t"/>
+    </dgm:scene3d>
+    <dgm:sp3d/>
+    <dgm:txPr/>
+    <dgm:style>
+      <a:lnRef idx="3">
+        <a:scrgbClr r="0" g="0" b="0"/>
+      </a:lnRef>
+      <a:fillRef idx="1">
+        <a:scrgbClr r="0" g="0" b="0"/>
+      </a:fillRef>
+      <a:effectRef idx="1">
+        <a:scrgbClr r="0" g="0" b="0"/>
+      </a:effectRef>
+      <a:fontRef idx="minor">
+        <a:schemeClr val="lt1"/>
+      </a:fontRef>
+    </dgm:style>
+  </dgm:styleLbl>
+  <dgm:styleLbl name="parChTrans1D1">
+    <dgm:scene3d>
+      <a:camera prst="orthographicFront"/>
+      <a:lightRig rig="threePt" dir="t"/>
+    </dgm:scene3d>
+    <dgm:sp3d/>
+    <dgm:txPr/>
+    <dgm:style>
+      <a:lnRef idx="2">
+        <a:scrgbClr r="0" g="0" b="0"/>
+      </a:lnRef>
+      <a:fillRef idx="0">
+        <a:scrgbClr r="0" g="0" b="0"/>
+      </a:fillRef>
+      <a:effectRef idx="0">
+        <a:scrgbClr r="0" g="0" b="0"/>
+      </a:effectRef>
+      <a:fontRef idx="minor"/>
+    </dgm:style>
+  </dgm:styleLbl>
+  <dgm:styleLbl name="parChTrans1D2">
+    <dgm:scene3d>
+      <a:camera prst="orthographicFront"/>
+      <a:lightRig rig="threePt" dir="t"/>
+    </dgm:scene3d>
+    <dgm:sp3d/>
+    <dgm:txPr/>
+    <dgm:style>
+      <a:lnRef idx="2">
+        <a:scrgbClr r="0" g="0" b="0"/>
+      </a:lnRef>
+      <a:fillRef idx="0">
+        <a:scrgbClr r="0" g="0" b="0"/>
+      </a:fillRef>
+      <a:effectRef idx="0">
+        <a:scrgbClr r="0" g="0" b="0"/>
+      </a:effectRef>
+      <a:fontRef idx="minor"/>
+    </dgm:style>
+  </dgm:styleLbl>
+  <dgm:styleLbl name="parChTrans1D3">
+    <dgm:scene3d>
+      <a:camera prst="orthographicFront"/>
+      <a:lightRig rig="threePt" dir="t"/>
+    </dgm:scene3d>
+    <dgm:sp3d/>
+    <dgm:txPr/>
+    <dgm:style>
+      <a:lnRef idx="2">
+        <a:scrgbClr r="0" g="0" b="0"/>
+      </a:lnRef>
+      <a:fillRef idx="0">
+        <a:scrgbClr r="0" g="0" b="0"/>
+      </a:fillRef>
+      <a:effectRef idx="0">
+        <a:scrgbClr r="0" g="0" b="0"/>
+      </a:effectRef>
+      <a:fontRef idx="minor"/>
+    </dgm:style>
+  </dgm:styleLbl>
+  <dgm:styleLbl name="parChTrans1D4">
+    <dgm:scene3d>
+      <a:camera prst="orthographicFront"/>
+      <a:lightRig rig="threePt" dir="t"/>
+    </dgm:scene3d>
+    <dgm:sp3d/>
+    <dgm:txPr/>
+    <dgm:style>
+      <a:lnRef idx="2">
+        <a:scrgbClr r="0" g="0" b="0"/>
+      </a:lnRef>
+      <a:fillRef idx="0">
+        <a:scrgbClr r="0" g="0" b="0"/>
+      </a:fillRef>
+      <a:effectRef idx="0">
+        <a:scrgbClr r="0" g="0" b="0"/>
+      </a:effectRef>
+      <a:fontRef idx="minor"/>
+    </dgm:style>
+  </dgm:styleLbl>
+  <dgm:styleLbl name="fgAcc1">
+    <dgm:scene3d>
+      <a:camera prst="orthographicFront"/>
+      <a:lightRig rig="threePt" dir="t"/>
+    </dgm:scene3d>
+    <dgm:sp3d/>
+    <dgm:txPr/>
+    <dgm:style>
+      <a:lnRef idx="2">
+        <a:scrgbClr r="0" g="0" b="0"/>
+      </a:lnRef>
+      <a:fillRef idx="1">
+        <a:scrgbClr r="0" g="0" b="0"/>
+      </a:fillRef>
+      <a:effectRef idx="0">
+        <a:scrgbClr r="0" g="0" b="0"/>
+      </a:effectRef>
+      <a:fontRef idx="minor"/>
+    </dgm:style>
+  </dgm:styleLbl>
+  <dgm:styleLbl name="conFgAcc1">
+    <dgm:scene3d>
+      <a:camera prst="orthographicFront"/>
+      <a:lightRig rig="threePt" dir="t"/>
+    </dgm:scene3d>
+    <dgm:sp3d/>
+    <dgm:txPr/>
+    <dgm:style>
+      <a:lnRef idx="2">
+        <a:scrgbClr r="0" g="0" b="0"/>
+      </a:lnRef>
+      <a:fillRef idx="1">
+        <a:scrgbClr r="0" g="0" b="0"/>
+      </a:fillRef>
+      <a:effectRef idx="0">
+        <a:scrgbClr r="0" g="0" b="0"/>
+      </a:effectRef>
+      <a:fontRef idx="minor"/>
+    </dgm:style>
+  </dgm:styleLbl>
+  <dgm:styleLbl name="alignAcc1">
+    <dgm:scene3d>
+      <a:camera prst="orthographicFront"/>
+      <a:lightRig rig="threePt" dir="t"/>
+    </dgm:scene3d>
+    <dgm:sp3d/>
+    <dgm:txPr/>
+    <dgm:style>
+      <a:lnRef idx="2">
+        <a:scrgbClr r="0" g="0" b="0"/>
+      </a:lnRef>
+      <a:fillRef idx="1">
+        <a:scrgbClr r="0" g="0" b="0"/>
+      </a:fillRef>
+      <a:effectRef idx="0">
+        <a:scrgbClr r="0" g="0" b="0"/>
+      </a:effectRef>
+      <a:fontRef idx="minor"/>
+    </dgm:style>
+  </dgm:styleLbl>
+  <dgm:styleLbl name="trAlignAcc1">
+    <dgm:scene3d>
+      <a:camera prst="orthographicFront"/>
+      <a:lightRig rig="threePt" dir="t"/>
+    </dgm:scene3d>
+    <dgm:sp3d/>
+    <dgm:txPr/>
+    <dgm:style>
+      <a:lnRef idx="1">
+        <a:scrgbClr r="0" g="0" b="0"/>
+      </a:lnRef>
+      <a:fillRef idx="1">
+        <a:scrgbClr r="0" g="0" b="0"/>
+      </a:fillRef>
+      <a:effectRef idx="0">
+        <a:scrgbClr r="0" g="0" b="0"/>
+      </a:effectRef>
+      <a:fontRef idx="minor"/>
+    </dgm:style>
+  </dgm:styleLbl>
+  <dgm:styleLbl name="bgAcc1">
+    <dgm:scene3d>
+      <a:camera prst="orthographicFront"/>
+      <a:lightRig rig="threePt" dir="t"/>
+    </dgm:scene3d>
+    <dgm:sp3d/>
+    <dgm:txPr/>
+    <dgm:style>
+      <a:lnRef idx="2">
+        <a:scrgbClr r="0" g="0" b="0"/>
+      </a:lnRef>
+      <a:fillRef idx="1">
+        <a:scrgbClr r="0" g="0" b="0"/>
+      </a:fillRef>
+      <a:effectRef idx="0">
+        <a:scrgbClr r="0" g="0" b="0"/>
+      </a:effectRef>
+      <a:fontRef idx="minor"/>
+    </dgm:style>
+  </dgm:styleLbl>
+  <dgm:styleLbl name="solidFgAcc1">
+    <dgm:scene3d>
+      <a:camera prst="orthographicFront"/>
+      <a:lightRig rig="threePt" dir="t"/>
+    </dgm:scene3d>
+    <dgm:sp3d/>
+    <dgm:txPr/>
+    <dgm:style>
+      <a:lnRef idx="2">
+        <a:scrgbClr r="0" g="0" b="0"/>
+      </a:lnRef>
+      <a:fillRef idx="1">
+        <a:scrgbClr r="0" g="0" b="0"/>
+      </a:fillRef>
+      <a:effectRef idx="0">
+        <a:scrgbClr r="0" g="0" b="0"/>
+      </a:effectRef>
+      <a:fontRef idx="minor"/>
+    </dgm:style>
+  </dgm:styleLbl>
+  <dgm:styleLbl name="solidAlignAcc1">
+    <dgm:scene3d>
+      <a:camera prst="orthographicFront"/>
+      <a:lightRig rig="threePt" dir="t"/>
+    </dgm:scene3d>
+    <dgm:sp3d/>
+    <dgm:txPr/>
+    <dgm:style>
+      <a:lnRef idx="2">
+        <a:scrgbClr r="0" g="0" b="0"/>
+      </a:lnRef>
+      <a:fillRef idx="1">
+        <a:scrgbClr r="0" g="0" b="0"/>
+      </a:fillRef>
+      <a:effectRef idx="0">
+        <a:scrgbClr r="0" g="0" b="0"/>
+      </a:effectRef>
+      <a:fontRef idx="minor"/>
+    </dgm:style>
+  </dgm:styleLbl>
+  <dgm:styleLbl name="solidBgAcc1">
+    <dgm:scene3d>
+      <a:camera prst="orthographicFront"/>
+      <a:lightRig rig="threePt" dir="t"/>
+    </dgm:scene3d>
+    <dgm:sp3d/>
+    <dgm:txPr/>
+    <dgm:style>
+      <a:lnRef idx="2">
+        <a:scrgbClr r="0" g="0" b="0"/>
+      </a:lnRef>
+      <a:fillRef idx="1">
+        <a:scrgbClr r="0" g="0" b="0"/>
+      </a:fillRef>
+      <a:effectRef idx="0">
+        <a:scrgbClr r="0" g="0" b="0"/>
+      </a:effectRef>
+      <a:fontRef idx="minor"/>
+    </dgm:style>
+  </dgm:styleLbl>
+  <dgm:styleLbl name="fgAccFollowNode1">
+    <dgm:scene3d>
+      <a:camera prst="orthographicFront"/>
+      <a:lightRig rig="threePt" dir="t"/>
+    </dgm:scene3d>
+    <dgm:sp3d/>
+    <dgm:txPr/>
+    <dgm:style>
+      <a:lnRef idx="2">
+        <a:scrgbClr r="0" g="0" b="0"/>
+      </a:lnRef>
+      <a:fillRef idx="1">
+        <a:scrgbClr r="0" g="0" b="0"/>
+      </a:fillRef>
+      <a:effectRef idx="0">
+        <a:scrgbClr r="0" g="0" b="0"/>
+      </a:effectRef>
+      <a:fontRef idx="minor"/>
+    </dgm:style>
+  </dgm:styleLbl>
+  <dgm:styleLbl name="alignAccFollowNode1">
+    <dgm:scene3d>
+      <a:camera prst="orthographicFront"/>
+      <a:lightRig rig="threePt" dir="t"/>
+    </dgm:scene3d>
+    <dgm:sp3d/>
+    <dgm:txPr/>
+    <dgm:style>
+      <a:lnRef idx="2">
+        <a:scrgbClr r="0" g="0" b="0"/>
+      </a:lnRef>
+      <a:fillRef idx="1">
+        <a:scrgbClr r="0" g="0" b="0"/>
+      </a:fillRef>
+      <a:effectRef idx="0">
+        <a:scrgbClr r="0" g="0" b="0"/>
+      </a:effectRef>
+      <a:fontRef idx="minor"/>
+    </dgm:style>
+  </dgm:styleLbl>
+  <dgm:styleLbl name="bgAccFollowNode1">
+    <dgm:scene3d>
+      <a:camera prst="orthographicFront"/>
+      <a:lightRig rig="threePt" dir="t"/>
+    </dgm:scene3d>
+    <dgm:sp3d/>
+    <dgm:txPr/>
+    <dgm:style>
+      <a:lnRef idx="2">
+        <a:scrgbClr r="0" g="0" b="0"/>
+      </a:lnRef>
+      <a:fillRef idx="1">
+        <a:scrgbClr r="0" g="0" b="0"/>
+      </a:fillRef>
+      <a:effectRef idx="0">
+        <a:scrgbClr r="0" g="0" b="0"/>
+      </a:effectRef>
+      <a:fontRef idx="minor"/>
+    </dgm:style>
+  </dgm:styleLbl>
+  <dgm:styleLbl name="fgAcc0">
+    <dgm:scene3d>
+      <a:camera prst="orthographicFront"/>
+      <a:lightRig rig="threePt" dir="t"/>
+    </dgm:scene3d>
+    <dgm:sp3d/>
+    <dgm:txPr/>
+    <dgm:style>
+      <a:lnRef idx="2">
+        <a:scrgbClr r="0" g="0" b="0"/>
+      </a:lnRef>
+      <a:fillRef idx="1">
+        <a:scrgbClr r="0" g="0" b="0"/>
+      </a:fillRef>
+      <a:effectRef idx="0">
+        <a:scrgbClr r="0" g="0" b="0"/>
+      </a:effectRef>
+      <a:fontRef idx="minor"/>
+    </dgm:style>
+  </dgm:styleLbl>
+  <dgm:styleLbl name="fgAcc2">
+    <dgm:scene3d>
+      <a:camera prst="orthographicFront"/>
+      <a:lightRig rig="threePt" dir="t"/>
+    </dgm:scene3d>
+    <dgm:sp3d/>
+    <dgm:txPr/>
+    <dgm:style>
+      <a:lnRef idx="2">
+        <a:scrgbClr r="0" g="0" b="0"/>
+      </a:lnRef>
+      <a:fillRef idx="1">
+        <a:scrgbClr r="0" g="0" b="0"/>
+      </a:fillRef>
+      <a:effectRef idx="0">
+        <a:scrgbClr r="0" g="0" b="0"/>
+      </a:effectRef>
+      <a:fontRef idx="minor"/>
+    </dgm:style>
+  </dgm:styleLbl>
+  <dgm:styleLbl name="fgAcc3">
+    <dgm:scene3d>
+      <a:camera prst="orthographicFront"/>
+      <a:lightRig rig="threePt" dir="t"/>
+    </dgm:scene3d>
+    <dgm:sp3d/>
+    <dgm:txPr/>
+    <dgm:style>
+      <a:lnRef idx="2">
+        <a:scrgbClr r="0" g="0" b="0"/>
+      </a:lnRef>
+      <a:fillRef idx="1">
+        <a:scrgbClr r="0" g="0" b="0"/>
+      </a:fillRef>
+      <a:effectRef idx="0">
+        <a:scrgbClr r="0" g="0" b="0"/>
+      </a:effectRef>
+      <a:fontRef idx="minor"/>
+    </dgm:style>
+  </dgm:styleLbl>
+  <dgm:styleLbl name="fgAcc4">
+    <dgm:scene3d>
+      <a:camera prst="orthographicFront"/>
+      <a:lightRig rig="threePt" dir="t"/>
+    </dgm:scene3d>
+    <dgm:sp3d/>
+    <dgm:txPr/>
+    <dgm:style>
+      <a:lnRef idx="2">
+        <a:scrgbClr r="0" g="0" b="0"/>
+      </a:lnRef>
+      <a:fillRef idx="1">
+        <a:scrgbClr r="0" g="0" b="0"/>
+      </a:fillRef>
+      <a:effectRef idx="0">
+        <a:scrgbClr r="0" g="0" b="0"/>
+      </a:effectRef>
+      <a:fontRef idx="minor"/>
+    </dgm:style>
+  </dgm:styleLbl>
+  <dgm:styleLbl name="bgShp">
+    <dgm:scene3d>
+      <a:camera prst="orthographicFront"/>
+      <a:lightRig rig="threePt" dir="t"/>
+    </dgm:scene3d>
+    <dgm:sp3d/>
+    <dgm:txPr/>
+    <dgm:style>
+      <a:lnRef idx="0">
+        <a:scrgbClr r="0" g="0" b="0"/>
+      </a:lnRef>
+      <a:fillRef idx="1">
+        <a:scrgbClr r="0" g="0" b="0"/>
+      </a:fillRef>
+      <a:effectRef idx="0">
+        <a:scrgbClr r="0" g="0" b="0"/>
+      </a:effectRef>
+      <a:fontRef idx="minor"/>
+    </dgm:style>
+  </dgm:styleLbl>
+  <dgm:styleLbl name="dkBgShp">
+    <dgm:scene3d>
+      <a:camera prst="orthographicFront"/>
+      <a:lightRig rig="threePt" dir="t"/>
+    </dgm:scene3d>
+    <dgm:sp3d/>
+    <dgm:txPr/>
+    <dgm:style>
+      <a:lnRef idx="0">
+        <a:scrgbClr r="0" g="0" b="0"/>
+      </a:lnRef>
+      <a:fillRef idx="1">
+        <a:scrgbClr r="0" g="0" b="0"/>
+      </a:fillRef>
+      <a:effectRef idx="0">
+        <a:scrgbClr r="0" g="0" b="0"/>
+      </a:effectRef>
+      <a:fontRef idx="minor"/>
+    </dgm:style>
+  </dgm:styleLbl>
+  <dgm:styleLbl name="trBgShp">
+    <dgm:scene3d>
+      <a:camera prst="orthographicFront"/>
+      <a:lightRig rig="threePt" dir="t"/>
+    </dgm:scene3d>
+    <dgm:sp3d/>
+    <dgm:txPr/>
+    <dgm:style>
+      <a:lnRef idx="0">
+        <a:scrgbClr r="0" g="0" b="0"/>
+      </a:lnRef>
+      <a:fillRef idx="1">
+        <a:scrgbClr r="0" g="0" b="0"/>
+      </a:fillRef>
+      <a:effectRef idx="0">
+        <a:scrgbClr r="0" g="0" b="0"/>
+      </a:effectRef>
+      <a:fontRef idx="minor"/>
+    </dgm:style>
+  </dgm:styleLbl>
+  <dgm:styleLbl name="fgShp">
+    <dgm:scene3d>
+      <a:camera prst="orthographicFront"/>
+      <a:lightRig rig="threePt" dir="t"/>
+    </dgm:scene3d>
+    <dgm:sp3d/>
+    <dgm:txPr/>
+    <dgm:style>
+      <a:lnRef idx="3">
+        <a:scrgbClr r="0" g="0" b="0"/>
+      </a:lnRef>
+      <a:fillRef idx="1">
+        <a:scrgbClr r="0" g="0" b="0"/>
+      </a:fillRef>
+      <a:effectRef idx="1">
+        <a:scrgbClr r="0" g="0" b="0"/>
+      </a:effectRef>
+      <a:fontRef idx="minor"/>
+    </dgm:style>
+  </dgm:styleLbl>
+  <dgm:styleLbl name="revTx">
+    <dgm:scene3d>
+      <a:camera prst="orthographicFront"/>
+      <a:lightRig rig="threePt" dir="t"/>
+    </dgm:scene3d>
+    <dgm:sp3d/>
+    <dgm:txPr/>
+    <dgm:style>
+      <a:lnRef idx="0">
+        <a:scrgbClr r="0" g="0" b="0"/>
+      </a:lnRef>
+      <a:fillRef idx="0">
+        <a:scrgbClr r="0" g="0" b="0"/>
+      </a:fillRef>
+      <a:effectRef idx="0">
+        <a:scrgbClr r="0" g="0" b="0"/>
+      </a:effectRef>
+      <a:fontRef idx="minor"/>
+    </dgm:style>
+  </dgm:styleLbl>
+</dgm:styleDef>
+</file>
+
 <file path=ppt/slideLayouts/slideLayout1.xml><?xml version="1.0" encoding="utf-8"?>
 <p:sldLayout xmlns:a="http://schemas.openxmlformats.org/drawingml/2006/main" xmlns:r="http://schemas.openxmlformats.org/officeDocument/2006/relationships" xmlns:p="http://schemas.openxmlformats.org/presentationml/2006/main" type="title" preserve="1">
   <p:cSld name="Title Slide">
@@ -303,7 +3559,7 @@
             <a:fld id="{E637BB6B-EE1B-48FB-8575-0D55C373DE88}" type="datetimeFigureOut">
               <a:rPr lang="en-US" smtClean="0"/>
               <a:pPr eaLnBrk="1" latinLnBrk="0" hangingPunct="1"/>
-              <a:t>3/13/19</a:t>
+              <a:t>4/8/19</a:t>
             </a:fld>
             <a:endParaRPr lang="en-US"/>
           </a:p>
@@ -471,7 +3727,7 @@
             <a:fld id="{E637BB6B-EE1B-48FB-8575-0D55C373DE88}" type="datetimeFigureOut">
               <a:rPr lang="en-US" smtClean="0"/>
               <a:pPr eaLnBrk="1" latinLnBrk="0" hangingPunct="1"/>
-              <a:t>3/13/19</a:t>
+              <a:t>4/8/19</a:t>
             </a:fld>
             <a:endParaRPr lang="en-US" dirty="0"/>
           </a:p>
@@ -649,7 +3905,7 @@
             <a:fld id="{E637BB6B-EE1B-48FB-8575-0D55C373DE88}" type="datetimeFigureOut">
               <a:rPr lang="en-US" smtClean="0"/>
               <a:pPr eaLnBrk="1" latinLnBrk="0" hangingPunct="1"/>
-              <a:t>3/13/19</a:t>
+              <a:t>4/8/19</a:t>
             </a:fld>
             <a:endParaRPr lang="en-US"/>
           </a:p>
@@ -817,7 +4073,7 @@
             <a:fld id="{E637BB6B-EE1B-48FB-8575-0D55C373DE88}" type="datetimeFigureOut">
               <a:rPr lang="en-US" smtClean="0"/>
               <a:pPr eaLnBrk="1" latinLnBrk="0" hangingPunct="1"/>
-              <a:t>3/13/19</a:t>
+              <a:t>4/8/19</a:t>
             </a:fld>
             <a:endParaRPr lang="en-US"/>
           </a:p>
@@ -1059,7 +4315,7 @@
             <a:fld id="{E637BB6B-EE1B-48FB-8575-0D55C373DE88}" type="datetimeFigureOut">
               <a:rPr lang="en-US" smtClean="0"/>
               <a:pPr eaLnBrk="1" latinLnBrk="0" hangingPunct="1"/>
-              <a:t>3/13/19</a:t>
+              <a:t>4/8/19</a:t>
             </a:fld>
             <a:endParaRPr lang="en-US"/>
           </a:p>
@@ -1152,7 +4408,7 @@
             <a:fld id="{E637BB6B-EE1B-48FB-8575-0D55C373DE88}" type="datetimeFigureOut">
               <a:rPr lang="en-US" smtClean="0"/>
               <a:pPr eaLnBrk="1" latinLnBrk="0" hangingPunct="1"/>
-              <a:t>3/13/19</a:t>
+              <a:t>4/8/19</a:t>
             </a:fld>
             <a:endParaRPr lang="en-US"/>
           </a:p>
@@ -1529,7 +4785,7 @@
             <a:fld id="{E637BB6B-EE1B-48FB-8575-0D55C373DE88}" type="datetimeFigureOut">
               <a:rPr lang="en-US" smtClean="0"/>
               <a:pPr eaLnBrk="1" latinLnBrk="0" hangingPunct="1"/>
-              <a:t>3/13/19</a:t>
+              <a:t>4/8/19</a:t>
             </a:fld>
             <a:endParaRPr lang="en-US"/>
           </a:p>
@@ -1787,7 +5043,7 @@
             <a:fld id="{E637BB6B-EE1B-48FB-8575-0D55C373DE88}" type="datetimeFigureOut">
               <a:rPr lang="en-US" smtClean="0"/>
               <a:pPr eaLnBrk="1" latinLnBrk="0" hangingPunct="1"/>
-              <a:t>3/13/19</a:t>
+              <a:t>4/8/19</a:t>
             </a:fld>
             <a:endParaRPr lang="en-US"/>
           </a:p>
@@ -1880,7 +5136,7 @@
             <a:fld id="{E637BB6B-EE1B-48FB-8575-0D55C373DE88}" type="datetimeFigureOut">
               <a:rPr lang="en-US" smtClean="0"/>
               <a:pPr eaLnBrk="1" latinLnBrk="0" hangingPunct="1"/>
-              <a:t>3/13/19</a:t>
+              <a:t>4/8/19</a:t>
             </a:fld>
             <a:endParaRPr lang="en-US"/>
           </a:p>
@@ -2157,7 +5413,7 @@
             <a:fld id="{E637BB6B-EE1B-48FB-8575-0D55C373DE88}" type="datetimeFigureOut">
               <a:rPr lang="en-US" smtClean="0"/>
               <a:pPr eaLnBrk="1" latinLnBrk="0" hangingPunct="1"/>
-              <a:t>3/13/19</a:t>
+              <a:t>4/8/19</a:t>
             </a:fld>
             <a:endParaRPr lang="en-US"/>
           </a:p>
@@ -2432,7 +5688,7 @@
             <a:fld id="{E637BB6B-EE1B-48FB-8575-0D55C373DE88}" type="datetimeFigureOut">
               <a:rPr lang="en-US" smtClean="0"/>
               <a:pPr eaLnBrk="1" latinLnBrk="0" hangingPunct="1"/>
-              <a:t>3/13/19</a:t>
+              <a:t>4/8/19</a:t>
             </a:fld>
             <a:endParaRPr lang="en-US"/>
           </a:p>
@@ -2735,7 +5991,7 @@
             <a:fld id="{E637BB6B-EE1B-48FB-8575-0D55C373DE88}" type="datetimeFigureOut">
               <a:rPr lang="en-US" smtClean="0"/>
               <a:pPr eaLnBrk="1" latinLnBrk="0" hangingPunct="1"/>
-              <a:t>3/13/19</a:t>
+              <a:t>4/8/19</a:t>
             </a:fld>
             <a:endParaRPr lang="en-US" sz="1000">
               <a:solidFill>
@@ -3230,7 +6486,13 @@
               <a:rPr lang="en-US" sz="3200" dirty="0" smtClean="0">
                 <a:effectLst/>
               </a:rPr>
-              <a:t>Examining the Influence and Reach of the Russian Troll Farm</a:t>
+              <a:t>Examining the Influence and Reach of the Russian Troll </a:t>
+            </a:r>
+            <a:r>
+              <a:rPr lang="en-US" sz="3200" dirty="0" smtClean="0">
+                <a:effectLst/>
+              </a:rPr>
+              <a:t>Factory</a:t>
             </a:r>
             <a:endParaRPr lang="en-US" sz="3200" dirty="0"/>
           </a:p>
@@ -3266,11 +6528,7 @@
           <a:p>
             <a:r>
               <a:rPr lang="en-US" sz="1400" dirty="0" smtClean="0"/>
-              <a:t>Springboard Capstone </a:t>
-            </a:r>
-            <a:r>
-              <a:rPr lang="en-US" sz="1400" dirty="0" smtClean="0"/>
-              <a:t>2 Project</a:t>
+              <a:t>Springboard Capstone 2 Project</a:t>
             </a:r>
           </a:p>
           <a:p>
@@ -3286,6 +6544,1756 @@
     <p:extLst>
       <p:ext uri="{BB962C8B-B14F-4D97-AF65-F5344CB8AC3E}">
         <p14:creationId xmlns:p14="http://schemas.microsoft.com/office/powerpoint/2010/main" val="3064472856"/>
+      </p:ext>
+    </p:extLst>
+  </p:cSld>
+  <p:clrMapOvr>
+    <a:masterClrMapping/>
+  </p:clrMapOvr>
+  <p:timing>
+    <p:tnLst>
+      <p:par>
+        <p:cTn xmlns:p14="http://schemas.microsoft.com/office/powerpoint/2010/main" id="1" dur="indefinite" restart="never" nodeType="tmRoot"/>
+      </p:par>
+    </p:tnLst>
+  </p:timing>
+</p:sld>
+</file>
+
+<file path=ppt/slides/slide10.xml><?xml version="1.0" encoding="utf-8"?>
+<p:sld xmlns:a="http://schemas.openxmlformats.org/drawingml/2006/main" xmlns:r="http://schemas.openxmlformats.org/officeDocument/2006/relationships" xmlns:p="http://schemas.openxmlformats.org/presentationml/2006/main">
+  <p:cSld>
+    <p:spTree>
+      <p:nvGrpSpPr>
+        <p:cNvPr id="1" name=""/>
+        <p:cNvGrpSpPr/>
+        <p:nvPr/>
+      </p:nvGrpSpPr>
+      <p:grpSpPr>
+        <a:xfrm>
+          <a:off x="0" y="0"/>
+          <a:ext cx="0" cy="0"/>
+          <a:chOff x="0" y="0"/>
+          <a:chExt cx="0" cy="0"/>
+        </a:xfrm>
+      </p:grpSpPr>
+      <p:sp>
+        <p:nvSpPr>
+          <p:cNvPr id="2" name="Title 1"/>
+          <p:cNvSpPr>
+            <a:spLocks noGrp="1"/>
+          </p:cNvSpPr>
+          <p:nvPr>
+            <p:ph type="title"/>
+          </p:nvPr>
+        </p:nvSpPr>
+        <p:spPr>
+          <a:xfrm>
+            <a:off x="914400" y="190092"/>
+            <a:ext cx="7315200" cy="865573"/>
+          </a:xfrm>
+        </p:spPr>
+        <p:txBody>
+          <a:bodyPr>
+            <a:noAutofit/>
+          </a:bodyPr>
+          <a:lstStyle/>
+          <a:p>
+            <a:pPr marL="45720" indent="0"/>
+            <a:r>
+              <a:rPr lang="en-US" sz="3300" dirty="0" smtClean="0"/>
+              <a:t>Text Pre-processing</a:t>
+            </a:r>
+            <a:endParaRPr lang="en-US" sz="3300" dirty="0"/>
+          </a:p>
+        </p:txBody>
+      </p:sp>
+      <p:sp>
+        <p:nvSpPr>
+          <p:cNvPr id="3" name="Content Placeholder 2"/>
+          <p:cNvSpPr>
+            <a:spLocks noGrp="1"/>
+          </p:cNvSpPr>
+          <p:nvPr>
+            <p:ph idx="1"/>
+          </p:nvPr>
+        </p:nvSpPr>
+        <p:spPr>
+          <a:xfrm>
+            <a:off x="914400" y="1129147"/>
+            <a:ext cx="4260557" cy="3369303"/>
+          </a:xfrm>
+        </p:spPr>
+        <p:txBody>
+          <a:bodyPr>
+            <a:noAutofit/>
+          </a:bodyPr>
+          <a:lstStyle/>
+          <a:p>
+            <a:pPr marL="45720" indent="0">
+              <a:spcAft>
+                <a:spcPts val="1200"/>
+              </a:spcAft>
+              <a:buNone/>
+            </a:pPr>
+            <a:r>
+              <a:rPr lang="en-US" dirty="0" smtClean="0"/>
+              <a:t>Conclude</a:t>
+            </a:r>
+            <a:endParaRPr lang="en-US" dirty="0"/>
+          </a:p>
+          <a:p>
+            <a:pPr marL="45720" indent="0">
+              <a:spcAft>
+                <a:spcPts val="1200"/>
+              </a:spcAft>
+              <a:buNone/>
+            </a:pPr>
+            <a:r>
+              <a:rPr lang="en-US" sz="1900" dirty="0"/>
+              <a:t> </a:t>
+            </a:r>
+          </a:p>
+          <a:p>
+            <a:pPr marL="45720" indent="0">
+              <a:lnSpc>
+                <a:spcPct val="110000"/>
+              </a:lnSpc>
+              <a:spcBef>
+                <a:spcPts val="0"/>
+              </a:spcBef>
+              <a:spcAft>
+                <a:spcPts val="1200"/>
+              </a:spcAft>
+              <a:buNone/>
+            </a:pPr>
+            <a:endParaRPr lang="en-US" sz="1900" dirty="0"/>
+          </a:p>
+        </p:txBody>
+      </p:sp>
+    </p:spTree>
+    <p:extLst>
+      <p:ext uri="{BB962C8B-B14F-4D97-AF65-F5344CB8AC3E}">
+        <p14:creationId xmlns:p14="http://schemas.microsoft.com/office/powerpoint/2010/main" val="3499042768"/>
+      </p:ext>
+    </p:extLst>
+  </p:cSld>
+  <p:clrMapOvr>
+    <a:masterClrMapping/>
+  </p:clrMapOvr>
+  <p:timing>
+    <p:tnLst>
+      <p:par>
+        <p:cTn xmlns:p14="http://schemas.microsoft.com/office/powerpoint/2010/main" id="1" dur="indefinite" restart="never" nodeType="tmRoot"/>
+      </p:par>
+    </p:tnLst>
+  </p:timing>
+</p:sld>
+</file>
+
+<file path=ppt/slides/slide11.xml><?xml version="1.0" encoding="utf-8"?>
+<p:sld xmlns:a="http://schemas.openxmlformats.org/drawingml/2006/main" xmlns:r="http://schemas.openxmlformats.org/officeDocument/2006/relationships" xmlns:p="http://schemas.openxmlformats.org/presentationml/2006/main">
+  <p:cSld>
+    <p:spTree>
+      <p:nvGrpSpPr>
+        <p:cNvPr id="1" name=""/>
+        <p:cNvGrpSpPr/>
+        <p:nvPr/>
+      </p:nvGrpSpPr>
+      <p:grpSpPr>
+        <a:xfrm>
+          <a:off x="0" y="0"/>
+          <a:ext cx="0" cy="0"/>
+          <a:chOff x="0" y="0"/>
+          <a:chExt cx="0" cy="0"/>
+        </a:xfrm>
+      </p:grpSpPr>
+      <p:sp>
+        <p:nvSpPr>
+          <p:cNvPr id="2" name="Title 1"/>
+          <p:cNvSpPr>
+            <a:spLocks noGrp="1"/>
+          </p:cNvSpPr>
+          <p:nvPr>
+            <p:ph type="title"/>
+          </p:nvPr>
+        </p:nvSpPr>
+        <p:spPr>
+          <a:xfrm>
+            <a:off x="914400" y="190092"/>
+            <a:ext cx="7315200" cy="865573"/>
+          </a:xfrm>
+        </p:spPr>
+        <p:txBody>
+          <a:bodyPr>
+            <a:noAutofit/>
+          </a:bodyPr>
+          <a:lstStyle/>
+          <a:p>
+            <a:pPr marL="45720" indent="0"/>
+            <a:r>
+              <a:rPr lang="en-US" sz="3300" dirty="0" smtClean="0"/>
+              <a:t>Analysis</a:t>
+            </a:r>
+            <a:endParaRPr lang="en-US" sz="3300" dirty="0"/>
+          </a:p>
+        </p:txBody>
+      </p:sp>
+      <p:sp>
+        <p:nvSpPr>
+          <p:cNvPr id="3" name="Content Placeholder 2"/>
+          <p:cNvSpPr>
+            <a:spLocks noGrp="1"/>
+          </p:cNvSpPr>
+          <p:nvPr>
+            <p:ph idx="1"/>
+          </p:nvPr>
+        </p:nvSpPr>
+        <p:spPr>
+          <a:xfrm>
+            <a:off x="914400" y="1129147"/>
+            <a:ext cx="4260557" cy="3369303"/>
+          </a:xfrm>
+        </p:spPr>
+        <p:txBody>
+          <a:bodyPr>
+            <a:noAutofit/>
+          </a:bodyPr>
+          <a:lstStyle/>
+          <a:p>
+            <a:pPr marL="45720" indent="0">
+              <a:spcAft>
+                <a:spcPts val="1200"/>
+              </a:spcAft>
+              <a:buNone/>
+            </a:pPr>
+            <a:r>
+              <a:rPr lang="en-US" dirty="0" smtClean="0"/>
+              <a:t>Conclude</a:t>
+            </a:r>
+            <a:endParaRPr lang="en-US" dirty="0"/>
+          </a:p>
+          <a:p>
+            <a:pPr marL="45720" indent="0">
+              <a:spcAft>
+                <a:spcPts val="1200"/>
+              </a:spcAft>
+              <a:buNone/>
+            </a:pPr>
+            <a:r>
+              <a:rPr lang="en-US" sz="1900" dirty="0"/>
+              <a:t> </a:t>
+            </a:r>
+          </a:p>
+          <a:p>
+            <a:pPr marL="45720" indent="0">
+              <a:lnSpc>
+                <a:spcPct val="110000"/>
+              </a:lnSpc>
+              <a:spcBef>
+                <a:spcPts val="0"/>
+              </a:spcBef>
+              <a:spcAft>
+                <a:spcPts val="1200"/>
+              </a:spcAft>
+              <a:buNone/>
+            </a:pPr>
+            <a:endParaRPr lang="en-US" sz="1900" dirty="0"/>
+          </a:p>
+        </p:txBody>
+      </p:sp>
+    </p:spTree>
+    <p:extLst>
+      <p:ext uri="{BB962C8B-B14F-4D97-AF65-F5344CB8AC3E}">
+        <p14:creationId xmlns:p14="http://schemas.microsoft.com/office/powerpoint/2010/main" val="3741844559"/>
+      </p:ext>
+    </p:extLst>
+  </p:cSld>
+  <p:clrMapOvr>
+    <a:masterClrMapping/>
+  </p:clrMapOvr>
+  <p:timing>
+    <p:tnLst>
+      <p:par>
+        <p:cTn xmlns:p14="http://schemas.microsoft.com/office/powerpoint/2010/main" id="1" dur="indefinite" restart="never" nodeType="tmRoot"/>
+      </p:par>
+    </p:tnLst>
+  </p:timing>
+</p:sld>
+</file>
+
+<file path=ppt/slides/slide12.xml><?xml version="1.0" encoding="utf-8"?>
+<p:sld xmlns:a="http://schemas.openxmlformats.org/drawingml/2006/main" xmlns:r="http://schemas.openxmlformats.org/officeDocument/2006/relationships" xmlns:p="http://schemas.openxmlformats.org/presentationml/2006/main">
+  <p:cSld>
+    <p:spTree>
+      <p:nvGrpSpPr>
+        <p:cNvPr id="1" name=""/>
+        <p:cNvGrpSpPr/>
+        <p:nvPr/>
+      </p:nvGrpSpPr>
+      <p:grpSpPr>
+        <a:xfrm>
+          <a:off x="0" y="0"/>
+          <a:ext cx="0" cy="0"/>
+          <a:chOff x="0" y="0"/>
+          <a:chExt cx="0" cy="0"/>
+        </a:xfrm>
+      </p:grpSpPr>
+      <p:sp>
+        <p:nvSpPr>
+          <p:cNvPr id="2" name="Title 1"/>
+          <p:cNvSpPr>
+            <a:spLocks noGrp="1"/>
+          </p:cNvSpPr>
+          <p:nvPr>
+            <p:ph type="title"/>
+          </p:nvPr>
+        </p:nvSpPr>
+        <p:spPr>
+          <a:xfrm>
+            <a:off x="914400" y="190092"/>
+            <a:ext cx="7315200" cy="865573"/>
+          </a:xfrm>
+        </p:spPr>
+        <p:txBody>
+          <a:bodyPr>
+            <a:noAutofit/>
+          </a:bodyPr>
+          <a:lstStyle/>
+          <a:p>
+            <a:pPr marL="45720" indent="0"/>
+            <a:r>
+              <a:rPr lang="en-US" sz="3300" dirty="0" smtClean="0"/>
+              <a:t>NLP - </a:t>
+            </a:r>
+            <a:r>
+              <a:rPr lang="en-US" sz="3600" dirty="0"/>
+              <a:t>Latent </a:t>
+            </a:r>
+            <a:r>
+              <a:rPr lang="en-US" sz="3600" dirty="0" err="1"/>
+              <a:t>Dirichlet</a:t>
+            </a:r>
+            <a:r>
+              <a:rPr lang="en-US" sz="3600" dirty="0"/>
+              <a:t> </a:t>
+            </a:r>
+            <a:r>
+              <a:rPr lang="en-US" sz="3600" dirty="0" smtClean="0"/>
+              <a:t>Allocation</a:t>
+            </a:r>
+            <a:endParaRPr lang="en-US" sz="3300" dirty="0"/>
+          </a:p>
+        </p:txBody>
+      </p:sp>
+      <p:sp>
+        <p:nvSpPr>
+          <p:cNvPr id="3" name="Content Placeholder 2"/>
+          <p:cNvSpPr>
+            <a:spLocks noGrp="1"/>
+          </p:cNvSpPr>
+          <p:nvPr>
+            <p:ph idx="1"/>
+          </p:nvPr>
+        </p:nvSpPr>
+        <p:spPr>
+          <a:xfrm>
+            <a:off x="914400" y="1129147"/>
+            <a:ext cx="7504959" cy="3369303"/>
+          </a:xfrm>
+        </p:spPr>
+        <p:txBody>
+          <a:bodyPr>
+            <a:noAutofit/>
+          </a:bodyPr>
+          <a:lstStyle/>
+          <a:p>
+            <a:pPr>
+              <a:spcAft>
+                <a:spcPts val="1200"/>
+              </a:spcAft>
+            </a:pPr>
+            <a:r>
+              <a:rPr lang="en-US" dirty="0"/>
+              <a:t>Latent </a:t>
+            </a:r>
+            <a:r>
+              <a:rPr lang="en-US" dirty="0" err="1"/>
+              <a:t>Dirichlet</a:t>
+            </a:r>
+            <a:r>
+              <a:rPr lang="en-US" dirty="0"/>
+              <a:t> Allocation (LDA)</a:t>
+            </a:r>
+            <a:r>
+              <a:rPr lang="en-US" dirty="0"/>
+              <a:t> </a:t>
+            </a:r>
+            <a:r>
+              <a:rPr lang="en-US" dirty="0" smtClean="0"/>
+              <a:t>is the topic modeling algorithm that was used</a:t>
+            </a:r>
+            <a:r>
+              <a:rPr lang="en-US" sz="1900" dirty="0"/>
+              <a:t> </a:t>
+            </a:r>
+          </a:p>
+          <a:p>
+            <a:pPr>
+              <a:lnSpc>
+                <a:spcPct val="110000"/>
+              </a:lnSpc>
+              <a:spcBef>
+                <a:spcPts val="0"/>
+              </a:spcBef>
+              <a:spcAft>
+                <a:spcPts val="1200"/>
+              </a:spcAft>
+            </a:pPr>
+            <a:r>
+              <a:rPr lang="en-US" sz="1800" dirty="0"/>
+              <a:t>U</a:t>
+            </a:r>
+            <a:r>
+              <a:rPr lang="en-US" sz="1800" dirty="0" smtClean="0"/>
+              <a:t>sed </a:t>
+            </a:r>
+            <a:r>
+              <a:rPr lang="en-US" sz="1800" dirty="0"/>
+              <a:t>to classify text in a document and assign it to a particular topic. </a:t>
+            </a:r>
+            <a:endParaRPr lang="en-US" sz="1800" dirty="0" smtClean="0"/>
+          </a:p>
+          <a:p>
+            <a:pPr>
+              <a:lnSpc>
+                <a:spcPct val="110000"/>
+              </a:lnSpc>
+              <a:spcBef>
+                <a:spcPts val="0"/>
+              </a:spcBef>
+              <a:spcAft>
+                <a:spcPts val="1200"/>
+              </a:spcAft>
+            </a:pPr>
+            <a:r>
+              <a:rPr lang="en-US" sz="1800" dirty="0"/>
+              <a:t>B</a:t>
+            </a:r>
+            <a:r>
+              <a:rPr lang="en-US" sz="1800" dirty="0" smtClean="0"/>
+              <a:t>uilds </a:t>
+            </a:r>
+            <a:r>
+              <a:rPr lang="en-US" sz="1800" dirty="0"/>
+              <a:t>a “topic per document” model and “words per topic” model, modeled as </a:t>
+            </a:r>
+            <a:r>
+              <a:rPr lang="en-US" sz="1800" u="sng" dirty="0">
+                <a:hlinkClick r:id="rId2"/>
+              </a:rPr>
+              <a:t>Dirichlet distributions</a:t>
+            </a:r>
+            <a:r>
+              <a:rPr lang="en-US" sz="1800" dirty="0" smtClean="0"/>
+              <a:t>.</a:t>
+            </a:r>
+          </a:p>
+          <a:p>
+            <a:pPr>
+              <a:lnSpc>
+                <a:spcPct val="110000"/>
+              </a:lnSpc>
+              <a:spcBef>
+                <a:spcPts val="0"/>
+              </a:spcBef>
+              <a:spcAft>
+                <a:spcPts val="1200"/>
+              </a:spcAft>
+            </a:pPr>
+            <a:r>
+              <a:rPr lang="en-US" sz="1800" dirty="0" smtClean="0"/>
+              <a:t>Requires a sparse vector</a:t>
+            </a:r>
+          </a:p>
+          <a:p>
+            <a:pPr lvl="1">
+              <a:lnSpc>
+                <a:spcPct val="110000"/>
+              </a:lnSpc>
+              <a:spcBef>
+                <a:spcPts val="0"/>
+              </a:spcBef>
+              <a:spcAft>
+                <a:spcPts val="1200"/>
+              </a:spcAft>
+            </a:pPr>
+            <a:r>
+              <a:rPr lang="en-US" sz="1600" dirty="0" smtClean="0"/>
+              <a:t>Created a bag-of-words </a:t>
+            </a:r>
+            <a:r>
+              <a:rPr lang="en-US" sz="1600" dirty="0"/>
+              <a:t>document representation</a:t>
+            </a:r>
+            <a:r>
+              <a:rPr lang="en-US" sz="1600" dirty="0"/>
+              <a:t> </a:t>
+            </a:r>
+            <a:endParaRPr lang="en-US" sz="1600" dirty="0" smtClean="0"/>
+          </a:p>
+          <a:p>
+            <a:pPr>
+              <a:lnSpc>
+                <a:spcPct val="110000"/>
+              </a:lnSpc>
+              <a:spcBef>
+                <a:spcPts val="0"/>
+              </a:spcBef>
+              <a:spcAft>
+                <a:spcPts val="1200"/>
+              </a:spcAft>
+            </a:pPr>
+            <a:r>
+              <a:rPr lang="en-US" sz="2000" dirty="0" smtClean="0"/>
+              <a:t>Used </a:t>
+            </a:r>
+            <a:r>
+              <a:rPr lang="en-US" sz="2000" dirty="0" err="1" smtClean="0"/>
+              <a:t>Gensim</a:t>
+            </a:r>
+            <a:r>
+              <a:rPr lang="en-US" sz="2000" dirty="0" smtClean="0"/>
+              <a:t> NLP Library</a:t>
+            </a:r>
+            <a:endParaRPr lang="en-US" sz="2000" dirty="0"/>
+          </a:p>
+          <a:p>
+            <a:pPr marL="45720" indent="0">
+              <a:lnSpc>
+                <a:spcPct val="110000"/>
+              </a:lnSpc>
+              <a:spcBef>
+                <a:spcPts val="0"/>
+              </a:spcBef>
+              <a:spcAft>
+                <a:spcPts val="1200"/>
+              </a:spcAft>
+              <a:buNone/>
+            </a:pPr>
+            <a:endParaRPr lang="en-US" sz="1900" dirty="0"/>
+          </a:p>
+        </p:txBody>
+      </p:sp>
+    </p:spTree>
+    <p:extLst>
+      <p:ext uri="{BB962C8B-B14F-4D97-AF65-F5344CB8AC3E}">
+        <p14:creationId xmlns:p14="http://schemas.microsoft.com/office/powerpoint/2010/main" val="726953845"/>
+      </p:ext>
+    </p:extLst>
+  </p:cSld>
+  <p:clrMapOvr>
+    <a:masterClrMapping/>
+  </p:clrMapOvr>
+  <p:timing>
+    <p:tnLst>
+      <p:par>
+        <p:cTn xmlns:p14="http://schemas.microsoft.com/office/powerpoint/2010/main" id="1" dur="indefinite" restart="never" nodeType="tmRoot"/>
+      </p:par>
+    </p:tnLst>
+  </p:timing>
+</p:sld>
+</file>
+
+<file path=ppt/slides/slide13.xml><?xml version="1.0" encoding="utf-8"?>
+<p:sld xmlns:a="http://schemas.openxmlformats.org/drawingml/2006/main" xmlns:r="http://schemas.openxmlformats.org/officeDocument/2006/relationships" xmlns:p="http://schemas.openxmlformats.org/presentationml/2006/main">
+  <p:cSld>
+    <p:spTree>
+      <p:nvGrpSpPr>
+        <p:cNvPr id="1" name=""/>
+        <p:cNvGrpSpPr/>
+        <p:nvPr/>
+      </p:nvGrpSpPr>
+      <p:grpSpPr>
+        <a:xfrm>
+          <a:off x="0" y="0"/>
+          <a:ext cx="0" cy="0"/>
+          <a:chOff x="0" y="0"/>
+          <a:chExt cx="0" cy="0"/>
+        </a:xfrm>
+      </p:grpSpPr>
+      <p:sp>
+        <p:nvSpPr>
+          <p:cNvPr id="2" name="Title 1"/>
+          <p:cNvSpPr>
+            <a:spLocks noGrp="1"/>
+          </p:cNvSpPr>
+          <p:nvPr>
+            <p:ph type="title"/>
+          </p:nvPr>
+        </p:nvSpPr>
+        <p:spPr>
+          <a:xfrm>
+            <a:off x="914400" y="190092"/>
+            <a:ext cx="7315200" cy="865573"/>
+          </a:xfrm>
+        </p:spPr>
+        <p:txBody>
+          <a:bodyPr>
+            <a:noAutofit/>
+          </a:bodyPr>
+          <a:lstStyle/>
+          <a:p>
+            <a:pPr marL="45720" indent="0"/>
+            <a:r>
+              <a:rPr lang="en-US" sz="3300" dirty="0" smtClean="0"/>
+              <a:t>LDA Topic Modeling Results</a:t>
+            </a:r>
+            <a:endParaRPr lang="en-US" sz="3300" dirty="0"/>
+          </a:p>
+        </p:txBody>
+      </p:sp>
+      <p:sp>
+        <p:nvSpPr>
+          <p:cNvPr id="3" name="Content Placeholder 2"/>
+          <p:cNvSpPr>
+            <a:spLocks noGrp="1"/>
+          </p:cNvSpPr>
+          <p:nvPr>
+            <p:ph idx="1"/>
+          </p:nvPr>
+        </p:nvSpPr>
+        <p:spPr>
+          <a:xfrm>
+            <a:off x="914400" y="1129147"/>
+            <a:ext cx="7481441" cy="3369303"/>
+          </a:xfrm>
+        </p:spPr>
+        <p:txBody>
+          <a:bodyPr>
+            <a:noAutofit/>
+          </a:bodyPr>
+          <a:lstStyle/>
+          <a:p>
+            <a:r>
+              <a:rPr lang="en-US" dirty="0" smtClean="0"/>
+              <a:t>Sample output:</a:t>
+            </a:r>
+          </a:p>
+          <a:p>
+            <a:pPr marL="320040" lvl="1" indent="0">
+              <a:buNone/>
+            </a:pPr>
+            <a:r>
+              <a:rPr lang="en-US" dirty="0" smtClean="0"/>
+              <a:t>1 </a:t>
+            </a:r>
+            <a:r>
+              <a:rPr lang="en-US" dirty="0"/>
+              <a:t>--- (1, '0.041*"trump" + 0.013*"</a:t>
+            </a:r>
+            <a:r>
+              <a:rPr lang="en-US" dirty="0" err="1"/>
+              <a:t>obama</a:t>
+            </a:r>
+            <a:r>
+              <a:rPr lang="en-US" dirty="0"/>
+              <a:t>" + 0.013*"</a:t>
+            </a:r>
+            <a:r>
+              <a:rPr lang="en-US" dirty="0" err="1"/>
+              <a:t>hillary</a:t>
+            </a:r>
+            <a:r>
+              <a:rPr lang="en-US" dirty="0"/>
+              <a:t>" + 0.013*"</a:t>
+            </a:r>
+            <a:r>
+              <a:rPr lang="en-US" dirty="0" err="1"/>
+              <a:t>clinton</a:t>
+            </a:r>
+            <a:r>
+              <a:rPr lang="en-US" dirty="0"/>
+              <a:t>" + 0.011*"president" + 0.009*"say" + 0.009*"</a:t>
+            </a:r>
+            <a:r>
+              <a:rPr lang="en-US" dirty="0" err="1"/>
+              <a:t>american</a:t>
+            </a:r>
+            <a:r>
+              <a:rPr lang="en-US" dirty="0"/>
+              <a:t>" + 0.008*"</a:t>
+            </a:r>
+            <a:r>
+              <a:rPr lang="en-US" dirty="0" err="1"/>
+              <a:t>donald</a:t>
+            </a:r>
+            <a:r>
+              <a:rPr lang="en-US" dirty="0"/>
+              <a:t>" + 0.007*"vote" + 0.007*"state"'</a:t>
+            </a:r>
+            <a:r>
+              <a:rPr lang="en-US" dirty="0" smtClean="0"/>
+              <a:t>)</a:t>
+            </a:r>
+          </a:p>
+          <a:p>
+            <a:endParaRPr lang="en-US" dirty="0"/>
+          </a:p>
+          <a:p>
+            <a:pPr>
+              <a:spcAft>
+                <a:spcPts val="1200"/>
+              </a:spcAft>
+            </a:pPr>
+            <a:r>
+              <a:rPr lang="en-US" sz="1800" dirty="0" smtClean="0"/>
+              <a:t>F</a:t>
+            </a:r>
+            <a:r>
+              <a:rPr lang="en-US" sz="1800" dirty="0" smtClean="0"/>
+              <a:t>irst </a:t>
+            </a:r>
+            <a:r>
+              <a:rPr lang="en-US" sz="1800" dirty="0"/>
+              <a:t>digit is the topic </a:t>
+            </a:r>
+            <a:r>
+              <a:rPr lang="en-US" sz="1800" dirty="0" smtClean="0"/>
+              <a:t>number (i.e., 1)</a:t>
+            </a:r>
+            <a:endParaRPr lang="en-US" sz="1800" dirty="0"/>
+          </a:p>
+          <a:p>
+            <a:pPr>
+              <a:spcAft>
+                <a:spcPts val="1200"/>
+              </a:spcAft>
+            </a:pPr>
+            <a:r>
+              <a:rPr lang="en-US" sz="1800" dirty="0"/>
+              <a:t>T</a:t>
+            </a:r>
+            <a:r>
+              <a:rPr lang="en-US" sz="1800" dirty="0" smtClean="0"/>
+              <a:t>op </a:t>
+            </a:r>
+            <a:r>
+              <a:rPr lang="en-US" sz="1800" dirty="0"/>
+              <a:t>10 keywords that contribute to this topic are </a:t>
+            </a:r>
+            <a:r>
+              <a:rPr lang="en-US" sz="1800" dirty="0" smtClean="0"/>
+              <a:t>listed</a:t>
+            </a:r>
+            <a:r>
+              <a:rPr lang="en-US" sz="1800" dirty="0"/>
+              <a:t> </a:t>
+            </a:r>
+            <a:r>
+              <a:rPr lang="en-US" sz="1800" dirty="0" smtClean="0"/>
+              <a:t>(i.e., </a:t>
+            </a:r>
+            <a:r>
+              <a:rPr lang="en-US" sz="1800" dirty="0"/>
+              <a:t>"</a:t>
+            </a:r>
+            <a:r>
+              <a:rPr lang="en-US" sz="1800" dirty="0" smtClean="0"/>
+              <a:t>trump”, </a:t>
+            </a:r>
+            <a:r>
+              <a:rPr lang="en-US" sz="1800" dirty="0"/>
+              <a:t>"</a:t>
+            </a:r>
+            <a:r>
+              <a:rPr lang="en-US" sz="1800" dirty="0" err="1" smtClean="0"/>
+              <a:t>obama</a:t>
+            </a:r>
+            <a:r>
+              <a:rPr lang="en-US" sz="1800" dirty="0" smtClean="0"/>
+              <a:t>”) </a:t>
+            </a:r>
+          </a:p>
+          <a:p>
+            <a:pPr>
+              <a:spcAft>
+                <a:spcPts val="1200"/>
+              </a:spcAft>
+            </a:pPr>
+            <a:r>
+              <a:rPr lang="en-US" sz="1800" dirty="0" smtClean="0"/>
+              <a:t>Preceded by </a:t>
+            </a:r>
+            <a:r>
+              <a:rPr lang="en-US" sz="1800" dirty="0"/>
+              <a:t>the weight of keyword on the topic</a:t>
+            </a:r>
+            <a:r>
+              <a:rPr lang="en-US" sz="1800" dirty="0"/>
+              <a:t> </a:t>
+            </a:r>
+            <a:r>
+              <a:rPr lang="en-US" sz="1800" dirty="0" smtClean="0"/>
+              <a:t>(i.e., 0.041)</a:t>
+            </a:r>
+            <a:endParaRPr lang="en-US" sz="1900" dirty="0"/>
+          </a:p>
+          <a:p>
+            <a:pPr marL="45720" indent="0">
+              <a:lnSpc>
+                <a:spcPct val="110000"/>
+              </a:lnSpc>
+              <a:spcBef>
+                <a:spcPts val="0"/>
+              </a:spcBef>
+              <a:spcAft>
+                <a:spcPts val="1200"/>
+              </a:spcAft>
+              <a:buNone/>
+            </a:pPr>
+            <a:endParaRPr lang="en-US" sz="1900" dirty="0"/>
+          </a:p>
+        </p:txBody>
+      </p:sp>
+    </p:spTree>
+    <p:extLst>
+      <p:ext uri="{BB962C8B-B14F-4D97-AF65-F5344CB8AC3E}">
+        <p14:creationId xmlns:p14="http://schemas.microsoft.com/office/powerpoint/2010/main" val="655461871"/>
+      </p:ext>
+    </p:extLst>
+  </p:cSld>
+  <p:clrMapOvr>
+    <a:masterClrMapping/>
+  </p:clrMapOvr>
+  <p:timing>
+    <p:tnLst>
+      <p:par>
+        <p:cTn xmlns:p14="http://schemas.microsoft.com/office/powerpoint/2010/main" id="1" dur="indefinite" restart="never" nodeType="tmRoot"/>
+      </p:par>
+    </p:tnLst>
+  </p:timing>
+</p:sld>
+</file>
+
+<file path=ppt/slides/slide14.xml><?xml version="1.0" encoding="utf-8"?>
+<p:sld xmlns:a="http://schemas.openxmlformats.org/drawingml/2006/main" xmlns:r="http://schemas.openxmlformats.org/officeDocument/2006/relationships" xmlns:p="http://schemas.openxmlformats.org/presentationml/2006/main">
+  <p:cSld>
+    <p:spTree>
+      <p:nvGrpSpPr>
+        <p:cNvPr id="1" name=""/>
+        <p:cNvGrpSpPr/>
+        <p:nvPr/>
+      </p:nvGrpSpPr>
+      <p:grpSpPr>
+        <a:xfrm>
+          <a:off x="0" y="0"/>
+          <a:ext cx="0" cy="0"/>
+          <a:chOff x="0" y="0"/>
+          <a:chExt cx="0" cy="0"/>
+        </a:xfrm>
+      </p:grpSpPr>
+      <p:sp>
+        <p:nvSpPr>
+          <p:cNvPr id="5" name="Rectangle 4"/>
+          <p:cNvSpPr/>
+          <p:nvPr/>
+        </p:nvSpPr>
+        <p:spPr>
+          <a:xfrm>
+            <a:off x="2800350" y="1981217"/>
+            <a:ext cx="3543300" cy="3015615"/>
+          </a:xfrm>
+          <a:prstGeom prst="rect">
+            <a:avLst/>
+          </a:prstGeom>
+          <a:solidFill>
+            <a:schemeClr val="tx1"/>
+          </a:solidFill>
+        </p:spPr>
+        <p:style>
+          <a:lnRef idx="1">
+            <a:schemeClr val="accent1"/>
+          </a:lnRef>
+          <a:fillRef idx="3">
+            <a:schemeClr val="accent1"/>
+          </a:fillRef>
+          <a:effectRef idx="2">
+            <a:schemeClr val="accent1"/>
+          </a:effectRef>
+          <a:fontRef idx="minor">
+            <a:schemeClr val="lt1"/>
+          </a:fontRef>
+        </p:style>
+        <p:txBody>
+          <a:bodyPr rtlCol="0" anchor="ctr"/>
+          <a:lstStyle/>
+          <a:p>
+            <a:pPr algn="ctr"/>
+            <a:endParaRPr lang="en-US"/>
+          </a:p>
+        </p:txBody>
+      </p:sp>
+      <p:sp>
+        <p:nvSpPr>
+          <p:cNvPr id="2" name="Title 1"/>
+          <p:cNvSpPr>
+            <a:spLocks noGrp="1"/>
+          </p:cNvSpPr>
+          <p:nvPr>
+            <p:ph type="title"/>
+          </p:nvPr>
+        </p:nvSpPr>
+        <p:spPr>
+          <a:xfrm>
+            <a:off x="914400" y="190092"/>
+            <a:ext cx="7315200" cy="865573"/>
+          </a:xfrm>
+        </p:spPr>
+        <p:txBody>
+          <a:bodyPr>
+            <a:noAutofit/>
+          </a:bodyPr>
+          <a:lstStyle/>
+          <a:p>
+            <a:pPr marL="45720" indent="0"/>
+            <a:r>
+              <a:rPr lang="en-US" sz="3300" dirty="0" smtClean="0"/>
+              <a:t>LDA Output Word Cloud</a:t>
+            </a:r>
+            <a:endParaRPr lang="en-US" sz="3300" dirty="0"/>
+          </a:p>
+        </p:txBody>
+      </p:sp>
+      <p:sp>
+        <p:nvSpPr>
+          <p:cNvPr id="3" name="Content Placeholder 2"/>
+          <p:cNvSpPr>
+            <a:spLocks noGrp="1"/>
+          </p:cNvSpPr>
+          <p:nvPr>
+            <p:ph idx="1"/>
+          </p:nvPr>
+        </p:nvSpPr>
+        <p:spPr>
+          <a:xfrm>
+            <a:off x="914400" y="1129147"/>
+            <a:ext cx="7315200" cy="3369303"/>
+          </a:xfrm>
+        </p:spPr>
+        <p:txBody>
+          <a:bodyPr>
+            <a:noAutofit/>
+          </a:bodyPr>
+          <a:lstStyle/>
+          <a:p>
+            <a:pPr marL="45720" indent="0">
+              <a:spcAft>
+                <a:spcPts val="1200"/>
+              </a:spcAft>
+              <a:buNone/>
+            </a:pPr>
+            <a:r>
+              <a:rPr lang="en-US" dirty="0" smtClean="0"/>
+              <a:t>Visualization of the topic modeling results can help understanding</a:t>
+            </a:r>
+            <a:endParaRPr lang="en-US" dirty="0"/>
+          </a:p>
+          <a:p>
+            <a:pPr marL="45720" indent="0">
+              <a:spcAft>
+                <a:spcPts val="1200"/>
+              </a:spcAft>
+              <a:buNone/>
+            </a:pPr>
+            <a:r>
+              <a:rPr lang="en-US" sz="1900" dirty="0"/>
+              <a:t> </a:t>
+            </a:r>
+          </a:p>
+          <a:p>
+            <a:pPr marL="45720" indent="0">
+              <a:lnSpc>
+                <a:spcPct val="110000"/>
+              </a:lnSpc>
+              <a:spcBef>
+                <a:spcPts val="0"/>
+              </a:spcBef>
+              <a:spcAft>
+                <a:spcPts val="1200"/>
+              </a:spcAft>
+              <a:buNone/>
+            </a:pPr>
+            <a:endParaRPr lang="en-US" sz="1900" dirty="0"/>
+          </a:p>
+        </p:txBody>
+      </p:sp>
+      <p:pic>
+        <p:nvPicPr>
+          <p:cNvPr id="4" name="Picture 3"/>
+          <p:cNvPicPr/>
+          <p:nvPr/>
+        </p:nvPicPr>
+        <p:blipFill>
+          <a:blip r:embed="rId2">
+            <a:extLst>
+              <a:ext uri="{28A0092B-C50C-407E-A947-70E740481C1C}">
+                <a14:useLocalDpi xmlns:a14="http://schemas.microsoft.com/office/drawing/2010/main" val="0"/>
+              </a:ext>
+            </a:extLst>
+          </a:blip>
+          <a:srcRect/>
+          <a:stretch>
+            <a:fillRect/>
+          </a:stretch>
+        </p:blipFill>
+        <p:spPr bwMode="auto">
+          <a:xfrm>
+            <a:off x="2800350" y="1981217"/>
+            <a:ext cx="3543300" cy="3015615"/>
+          </a:xfrm>
+          <a:prstGeom prst="rect">
+            <a:avLst/>
+          </a:prstGeom>
+          <a:noFill/>
+          <a:ln>
+            <a:noFill/>
+          </a:ln>
+        </p:spPr>
+      </p:pic>
+    </p:spTree>
+    <p:extLst>
+      <p:ext uri="{BB962C8B-B14F-4D97-AF65-F5344CB8AC3E}">
+        <p14:creationId xmlns:p14="http://schemas.microsoft.com/office/powerpoint/2010/main" val="3432171803"/>
+      </p:ext>
+    </p:extLst>
+  </p:cSld>
+  <p:clrMapOvr>
+    <a:masterClrMapping/>
+  </p:clrMapOvr>
+  <p:timing>
+    <p:tnLst>
+      <p:par>
+        <p:cTn xmlns:p14="http://schemas.microsoft.com/office/powerpoint/2010/main" id="1" dur="indefinite" restart="never" nodeType="tmRoot"/>
+      </p:par>
+    </p:tnLst>
+  </p:timing>
+</p:sld>
+</file>
+
+<file path=ppt/slides/slide15.xml><?xml version="1.0" encoding="utf-8"?>
+<p:sld xmlns:a="http://schemas.openxmlformats.org/drawingml/2006/main" xmlns:r="http://schemas.openxmlformats.org/officeDocument/2006/relationships" xmlns:p="http://schemas.openxmlformats.org/presentationml/2006/main">
+  <p:cSld>
+    <p:spTree>
+      <p:nvGrpSpPr>
+        <p:cNvPr id="1" name=""/>
+        <p:cNvGrpSpPr/>
+        <p:nvPr/>
+      </p:nvGrpSpPr>
+      <p:grpSpPr>
+        <a:xfrm>
+          <a:off x="0" y="0"/>
+          <a:ext cx="0" cy="0"/>
+          <a:chOff x="0" y="0"/>
+          <a:chExt cx="0" cy="0"/>
+        </a:xfrm>
+      </p:grpSpPr>
+      <p:sp>
+        <p:nvSpPr>
+          <p:cNvPr id="2" name="Title 1"/>
+          <p:cNvSpPr>
+            <a:spLocks noGrp="1"/>
+          </p:cNvSpPr>
+          <p:nvPr>
+            <p:ph type="title"/>
+          </p:nvPr>
+        </p:nvSpPr>
+        <p:spPr>
+          <a:xfrm>
+            <a:off x="914400" y="190092"/>
+            <a:ext cx="7315200" cy="865573"/>
+          </a:xfrm>
+        </p:spPr>
+        <p:txBody>
+          <a:bodyPr>
+            <a:noAutofit/>
+          </a:bodyPr>
+          <a:lstStyle/>
+          <a:p>
+            <a:pPr marL="45720" indent="0"/>
+            <a:r>
+              <a:rPr lang="en-US" sz="3300" dirty="0" err="1" smtClean="0"/>
+              <a:t>PyLDAvis</a:t>
+            </a:r>
+            <a:endParaRPr lang="en-US" sz="3300" dirty="0"/>
+          </a:p>
+        </p:txBody>
+      </p:sp>
+      <p:sp>
+        <p:nvSpPr>
+          <p:cNvPr id="3" name="Content Placeholder 2"/>
+          <p:cNvSpPr>
+            <a:spLocks noGrp="1"/>
+          </p:cNvSpPr>
+          <p:nvPr>
+            <p:ph idx="1"/>
+          </p:nvPr>
+        </p:nvSpPr>
+        <p:spPr>
+          <a:xfrm>
+            <a:off x="914400" y="1129147"/>
+            <a:ext cx="7315200" cy="3369303"/>
+          </a:xfrm>
+        </p:spPr>
+        <p:txBody>
+          <a:bodyPr>
+            <a:noAutofit/>
+          </a:bodyPr>
+          <a:lstStyle/>
+          <a:p>
+            <a:pPr marL="45720" indent="0">
+              <a:spcAft>
+                <a:spcPts val="1200"/>
+              </a:spcAft>
+              <a:buNone/>
+            </a:pPr>
+            <a:r>
+              <a:rPr lang="en-US" dirty="0" smtClean="0"/>
+              <a:t>Better way to visualize LDA output</a:t>
+            </a:r>
+            <a:endParaRPr lang="en-US" dirty="0"/>
+          </a:p>
+          <a:p>
+            <a:pPr marL="45720" indent="0">
+              <a:spcAft>
+                <a:spcPts val="1200"/>
+              </a:spcAft>
+              <a:buNone/>
+            </a:pPr>
+            <a:r>
+              <a:rPr lang="en-US" sz="1900" dirty="0"/>
+              <a:t> </a:t>
+            </a:r>
+          </a:p>
+          <a:p>
+            <a:pPr marL="45720" indent="0">
+              <a:lnSpc>
+                <a:spcPct val="110000"/>
+              </a:lnSpc>
+              <a:spcBef>
+                <a:spcPts val="0"/>
+              </a:spcBef>
+              <a:spcAft>
+                <a:spcPts val="1200"/>
+              </a:spcAft>
+              <a:buNone/>
+            </a:pPr>
+            <a:endParaRPr lang="en-US" sz="1900" dirty="0"/>
+          </a:p>
+        </p:txBody>
+      </p:sp>
+      <p:pic>
+        <p:nvPicPr>
+          <p:cNvPr id="4" name="Picture 3"/>
+          <p:cNvPicPr/>
+          <p:nvPr/>
+        </p:nvPicPr>
+        <p:blipFill>
+          <a:blip r:embed="rId2">
+            <a:extLst>
+              <a:ext uri="{28A0092B-C50C-407E-A947-70E740481C1C}">
+                <a14:useLocalDpi xmlns:a14="http://schemas.microsoft.com/office/drawing/2010/main" val="0"/>
+              </a:ext>
+            </a:extLst>
+          </a:blip>
+          <a:srcRect/>
+          <a:stretch>
+            <a:fillRect/>
+          </a:stretch>
+        </p:blipFill>
+        <p:spPr bwMode="auto">
+          <a:xfrm>
+            <a:off x="2341010" y="1801412"/>
+            <a:ext cx="4573213" cy="2770800"/>
+          </a:xfrm>
+          <a:prstGeom prst="rect">
+            <a:avLst/>
+          </a:prstGeom>
+          <a:noFill/>
+          <a:ln>
+            <a:noFill/>
+          </a:ln>
+        </p:spPr>
+      </p:pic>
+    </p:spTree>
+    <p:extLst>
+      <p:ext uri="{BB962C8B-B14F-4D97-AF65-F5344CB8AC3E}">
+        <p14:creationId xmlns:p14="http://schemas.microsoft.com/office/powerpoint/2010/main" val="2417489304"/>
+      </p:ext>
+    </p:extLst>
+  </p:cSld>
+  <p:clrMapOvr>
+    <a:masterClrMapping/>
+  </p:clrMapOvr>
+  <p:timing>
+    <p:tnLst>
+      <p:par>
+        <p:cTn xmlns:p14="http://schemas.microsoft.com/office/powerpoint/2010/main" id="1" dur="indefinite" restart="never" nodeType="tmRoot"/>
+      </p:par>
+    </p:tnLst>
+  </p:timing>
+</p:sld>
+</file>
+
+<file path=ppt/slides/slide16.xml><?xml version="1.0" encoding="utf-8"?>
+<p:sld xmlns:a="http://schemas.openxmlformats.org/drawingml/2006/main" xmlns:r="http://schemas.openxmlformats.org/officeDocument/2006/relationships" xmlns:p="http://schemas.openxmlformats.org/presentationml/2006/main">
+  <p:cSld>
+    <p:spTree>
+      <p:nvGrpSpPr>
+        <p:cNvPr id="1" name=""/>
+        <p:cNvGrpSpPr/>
+        <p:nvPr/>
+      </p:nvGrpSpPr>
+      <p:grpSpPr>
+        <a:xfrm>
+          <a:off x="0" y="0"/>
+          <a:ext cx="0" cy="0"/>
+          <a:chOff x="0" y="0"/>
+          <a:chExt cx="0" cy="0"/>
+        </a:xfrm>
+      </p:grpSpPr>
+      <p:sp>
+        <p:nvSpPr>
+          <p:cNvPr id="2" name="Title 1"/>
+          <p:cNvSpPr>
+            <a:spLocks noGrp="1"/>
+          </p:cNvSpPr>
+          <p:nvPr>
+            <p:ph type="title"/>
+          </p:nvPr>
+        </p:nvSpPr>
+        <p:spPr>
+          <a:xfrm>
+            <a:off x="914400" y="190092"/>
+            <a:ext cx="7315200" cy="865573"/>
+          </a:xfrm>
+        </p:spPr>
+        <p:txBody>
+          <a:bodyPr>
+            <a:noAutofit/>
+          </a:bodyPr>
+          <a:lstStyle/>
+          <a:p>
+            <a:pPr marL="45720" indent="0"/>
+            <a:r>
+              <a:rPr lang="en-US" sz="3300" dirty="0" smtClean="0"/>
+              <a:t>Conclusions</a:t>
+            </a:r>
+            <a:endParaRPr lang="en-US" sz="3300" dirty="0"/>
+          </a:p>
+        </p:txBody>
+      </p:sp>
+      <p:sp>
+        <p:nvSpPr>
+          <p:cNvPr id="3" name="Content Placeholder 2"/>
+          <p:cNvSpPr>
+            <a:spLocks noGrp="1"/>
+          </p:cNvSpPr>
+          <p:nvPr>
+            <p:ph idx="1"/>
+          </p:nvPr>
+        </p:nvSpPr>
+        <p:spPr>
+          <a:xfrm>
+            <a:off x="914400" y="1129147"/>
+            <a:ext cx="7599030" cy="3369303"/>
+          </a:xfrm>
+        </p:spPr>
+        <p:txBody>
+          <a:bodyPr>
+            <a:noAutofit/>
+          </a:bodyPr>
+          <a:lstStyle/>
+          <a:p>
+            <a:r>
+              <a:rPr lang="en-US" sz="1800" dirty="0"/>
+              <a:t>The conclusions drawn from this analysis are less definitive than I had hoped, but several findings contradicted the assumptions held at the start of this analysis project</a:t>
+            </a:r>
+            <a:r>
+              <a:rPr lang="en-US" sz="1800" dirty="0" smtClean="0"/>
+              <a:t>.</a:t>
+            </a:r>
+            <a:endParaRPr lang="en-US" sz="1800" dirty="0" smtClean="0"/>
+          </a:p>
+          <a:p>
+            <a:pPr>
+              <a:lnSpc>
+                <a:spcPct val="110000"/>
+              </a:lnSpc>
+              <a:spcBef>
+                <a:spcPts val="0"/>
+              </a:spcBef>
+              <a:spcAft>
+                <a:spcPts val="1200"/>
+              </a:spcAft>
+            </a:pPr>
+            <a:endParaRPr lang="en-US" sz="1800" dirty="0"/>
+          </a:p>
+          <a:p>
+            <a:pPr>
+              <a:lnSpc>
+                <a:spcPct val="110000"/>
+              </a:lnSpc>
+              <a:spcBef>
+                <a:spcPts val="0"/>
+              </a:spcBef>
+              <a:spcAft>
+                <a:spcPts val="1200"/>
+              </a:spcAft>
+            </a:pPr>
+            <a:r>
+              <a:rPr lang="en-US" sz="1800" dirty="0" smtClean="0"/>
+              <a:t>Expected </a:t>
+            </a:r>
+            <a:r>
+              <a:rPr lang="en-US" sz="1800" dirty="0"/>
+              <a:t>a much larger “echo chamber” of trolls amplifying other trolls’ </a:t>
+            </a:r>
+            <a:r>
+              <a:rPr lang="en-US" sz="1800" dirty="0" smtClean="0"/>
+              <a:t>messages</a:t>
+            </a:r>
+          </a:p>
+          <a:p>
+            <a:pPr lvl="1">
+              <a:lnSpc>
+                <a:spcPct val="110000"/>
+              </a:lnSpc>
+              <a:spcBef>
+                <a:spcPts val="0"/>
+              </a:spcBef>
+              <a:spcAft>
+                <a:spcPts val="1200"/>
+              </a:spcAft>
+            </a:pPr>
+            <a:r>
+              <a:rPr lang="en-US" dirty="0" smtClean="0"/>
+              <a:t>only 1,739 </a:t>
+            </a:r>
+            <a:r>
+              <a:rPr lang="en-US" dirty="0"/>
+              <a:t>trolls amplifying other troll </a:t>
+            </a:r>
+            <a:r>
+              <a:rPr lang="en-US" dirty="0" smtClean="0"/>
+              <a:t>users</a:t>
+            </a:r>
+            <a:endParaRPr lang="en-US" dirty="0"/>
+          </a:p>
+          <a:p>
+            <a:pPr marL="45720" indent="0">
+              <a:lnSpc>
+                <a:spcPct val="110000"/>
+              </a:lnSpc>
+              <a:spcBef>
+                <a:spcPts val="0"/>
+              </a:spcBef>
+              <a:spcAft>
+                <a:spcPts val="1200"/>
+              </a:spcAft>
+              <a:buNone/>
+            </a:pPr>
+            <a:endParaRPr lang="en-US" sz="1900" dirty="0"/>
+          </a:p>
+        </p:txBody>
+      </p:sp>
+    </p:spTree>
+    <p:extLst>
+      <p:ext uri="{BB962C8B-B14F-4D97-AF65-F5344CB8AC3E}">
+        <p14:creationId xmlns:p14="http://schemas.microsoft.com/office/powerpoint/2010/main" val="2308904614"/>
+      </p:ext>
+    </p:extLst>
+  </p:cSld>
+  <p:clrMapOvr>
+    <a:masterClrMapping/>
+  </p:clrMapOvr>
+  <p:timing>
+    <p:tnLst>
+      <p:par>
+        <p:cTn xmlns:p14="http://schemas.microsoft.com/office/powerpoint/2010/main" id="1" dur="indefinite" restart="never" nodeType="tmRoot"/>
+      </p:par>
+    </p:tnLst>
+  </p:timing>
+</p:sld>
+</file>
+
+<file path=ppt/slides/slide17.xml><?xml version="1.0" encoding="utf-8"?>
+<p:sld xmlns:a="http://schemas.openxmlformats.org/drawingml/2006/main" xmlns:r="http://schemas.openxmlformats.org/officeDocument/2006/relationships" xmlns:p="http://schemas.openxmlformats.org/presentationml/2006/main">
+  <p:cSld>
+    <p:spTree>
+      <p:nvGrpSpPr>
+        <p:cNvPr id="1" name=""/>
+        <p:cNvGrpSpPr/>
+        <p:nvPr/>
+      </p:nvGrpSpPr>
+      <p:grpSpPr>
+        <a:xfrm>
+          <a:off x="0" y="0"/>
+          <a:ext cx="0" cy="0"/>
+          <a:chOff x="0" y="0"/>
+          <a:chExt cx="0" cy="0"/>
+        </a:xfrm>
+      </p:grpSpPr>
+      <p:sp>
+        <p:nvSpPr>
+          <p:cNvPr id="2" name="Title 1"/>
+          <p:cNvSpPr>
+            <a:spLocks noGrp="1"/>
+          </p:cNvSpPr>
+          <p:nvPr>
+            <p:ph type="title"/>
+          </p:nvPr>
+        </p:nvSpPr>
+        <p:spPr>
+          <a:xfrm>
+            <a:off x="914400" y="190092"/>
+            <a:ext cx="7315200" cy="865573"/>
+          </a:xfrm>
+        </p:spPr>
+        <p:txBody>
+          <a:bodyPr>
+            <a:noAutofit/>
+          </a:bodyPr>
+          <a:lstStyle/>
+          <a:p>
+            <a:pPr marL="45720" indent="0"/>
+            <a:r>
+              <a:rPr lang="en-US" sz="3300" dirty="0" smtClean="0"/>
+              <a:t>Conclusions</a:t>
+            </a:r>
+            <a:endParaRPr lang="en-US" sz="3300" dirty="0"/>
+          </a:p>
+        </p:txBody>
+      </p:sp>
+      <p:sp>
+        <p:nvSpPr>
+          <p:cNvPr id="3" name="Content Placeholder 2"/>
+          <p:cNvSpPr>
+            <a:spLocks noGrp="1"/>
+          </p:cNvSpPr>
+          <p:nvPr>
+            <p:ph idx="1"/>
+          </p:nvPr>
+        </p:nvSpPr>
+        <p:spPr>
+          <a:xfrm>
+            <a:off x="914400" y="1129147"/>
+            <a:ext cx="7599030" cy="3369303"/>
+          </a:xfrm>
+        </p:spPr>
+        <p:txBody>
+          <a:bodyPr>
+            <a:noAutofit/>
+          </a:bodyPr>
+          <a:lstStyle/>
+          <a:p>
+            <a:pPr>
+              <a:spcBef>
+                <a:spcPts val="0"/>
+              </a:spcBef>
+              <a:spcAft>
+                <a:spcPts val="1000"/>
+              </a:spcAft>
+            </a:pPr>
+            <a:r>
+              <a:rPr lang="en-US" dirty="0" smtClean="0"/>
+              <a:t>Russian </a:t>
+            </a:r>
+            <a:r>
+              <a:rPr lang="en-US" dirty="0"/>
+              <a:t>trolls didn’t appear to be supporting any one </a:t>
+            </a:r>
+            <a:r>
+              <a:rPr lang="en-US" dirty="0" smtClean="0"/>
+              <a:t>candidate</a:t>
+            </a:r>
+          </a:p>
+          <a:p>
+            <a:pPr lvl="1">
+              <a:spcBef>
+                <a:spcPts val="0"/>
+              </a:spcBef>
+              <a:spcAft>
+                <a:spcPts val="1000"/>
+              </a:spcAft>
+            </a:pPr>
+            <a:r>
+              <a:rPr lang="en-US" dirty="0"/>
+              <a:t>M</a:t>
+            </a:r>
+            <a:r>
+              <a:rPr lang="en-US" dirty="0" smtClean="0"/>
+              <a:t>ore </a:t>
+            </a:r>
+            <a:r>
+              <a:rPr lang="en-US" dirty="0"/>
+              <a:t>intent on sowing confusion, disinformation and divisiveness</a:t>
+            </a:r>
+            <a:r>
+              <a:rPr lang="en-US" dirty="0"/>
+              <a:t> </a:t>
+            </a:r>
+            <a:endParaRPr lang="en-US" dirty="0" smtClean="0"/>
+          </a:p>
+          <a:p>
+            <a:pPr>
+              <a:spcBef>
+                <a:spcPts val="0"/>
+              </a:spcBef>
+              <a:spcAft>
+                <a:spcPts val="1000"/>
+              </a:spcAft>
+            </a:pPr>
+            <a:r>
+              <a:rPr lang="en-US" dirty="0" smtClean="0"/>
+              <a:t>Both Left Trolls and Right Trolls communicated messages intended to divide within that Left or Right audience</a:t>
+            </a:r>
+          </a:p>
+          <a:p>
+            <a:pPr>
+              <a:spcBef>
+                <a:spcPts val="0"/>
+              </a:spcBef>
+              <a:spcAft>
+                <a:spcPts val="1000"/>
+              </a:spcAft>
+            </a:pPr>
+            <a:r>
+              <a:rPr lang="en-US" dirty="0"/>
+              <a:t>A</a:t>
+            </a:r>
+            <a:r>
+              <a:rPr lang="en-US" dirty="0" smtClean="0"/>
+              <a:t>s </a:t>
+            </a:r>
+            <a:r>
+              <a:rPr lang="en-US" dirty="0"/>
+              <a:t>it became clear that Donald Trump was </a:t>
+            </a:r>
+            <a:r>
+              <a:rPr lang="en-US" dirty="0" smtClean="0"/>
+              <a:t>the Republican </a:t>
+            </a:r>
+            <a:r>
+              <a:rPr lang="en-US" dirty="0"/>
+              <a:t>nominee, </a:t>
+            </a:r>
+            <a:r>
+              <a:rPr lang="en-US" dirty="0" smtClean="0"/>
+              <a:t>Russian </a:t>
+            </a:r>
+            <a:r>
+              <a:rPr lang="en-US" dirty="0"/>
+              <a:t>Trolls aligned behind Trump and against Clinton.  </a:t>
+            </a:r>
+            <a:endParaRPr lang="en-US" dirty="0" smtClean="0"/>
+          </a:p>
+          <a:p>
+            <a:pPr>
+              <a:spcBef>
+                <a:spcPts val="0"/>
+              </a:spcBef>
+              <a:spcAft>
+                <a:spcPts val="1000"/>
+              </a:spcAft>
+            </a:pPr>
+            <a:r>
+              <a:rPr lang="en-US" dirty="0" smtClean="0"/>
+              <a:t>Aligns </a:t>
+            </a:r>
+            <a:r>
+              <a:rPr lang="en-US" dirty="0"/>
+              <a:t>with </a:t>
+            </a:r>
+            <a:r>
+              <a:rPr lang="en-US" dirty="0" smtClean="0"/>
+              <a:t>intelligence reporting</a:t>
+            </a:r>
+            <a:endParaRPr lang="en-US" dirty="0"/>
+          </a:p>
+        </p:txBody>
+      </p:sp>
+      <p:sp>
+        <p:nvSpPr>
+          <p:cNvPr id="4" name="Text Box 14"/>
+          <p:cNvSpPr txBox="1"/>
+          <p:nvPr/>
+        </p:nvSpPr>
+        <p:spPr>
+          <a:xfrm>
+            <a:off x="5380990" y="3535538"/>
+            <a:ext cx="3132440" cy="796290"/>
+          </a:xfrm>
+          <a:prstGeom prst="rect">
+            <a:avLst/>
+          </a:prstGeom>
+          <a:noFill/>
+          <a:ln>
+            <a:noFill/>
+          </a:ln>
+          <a:effectLst/>
+          <a:extLst>
+            <a:ext uri="{FAA26D3D-D897-4be2-8F04-BA451C77F1D7}">
+              <ma14:placeholderFlag xmlns:ma14="http://schemas.microsoft.com/office/mac/drawingml/2011/main"/>
+            </a:ext>
+            <a:ext uri="{C572A759-6A51-4108-AA02-DFA0A04FC94B}">
+              <ma14:wrappingTextBoxFlag xmlns:ma14="http://schemas.microsoft.com/office/mac/drawingml/2011/main"/>
+            </a:ext>
+          </a:extLst>
+        </p:spPr>
+        <p:style>
+          <a:lnRef idx="0">
+            <a:schemeClr val="accent1"/>
+          </a:lnRef>
+          <a:fillRef idx="0">
+            <a:schemeClr val="accent1"/>
+          </a:fillRef>
+          <a:effectRef idx="0">
+            <a:schemeClr val="accent1"/>
+          </a:effectRef>
+          <a:fontRef idx="minor">
+            <a:schemeClr val="dk1"/>
+          </a:fontRef>
+        </p:style>
+        <p:txBody>
+          <a:bodyPr rot="0" spcFirstLastPara="0" vert="horz" wrap="square" lIns="91440" tIns="45720" rIns="91440" bIns="45720" numCol="1" spcCol="0" rtlCol="0" fromWordArt="0" anchor="t" anchorCtr="0" forceAA="0" compatLnSpc="1">
+            <a:prstTxWarp prst="textNoShape">
+              <a:avLst/>
+            </a:prstTxWarp>
+            <a:noAutofit/>
+          </a:bodyPr>
+          <a:lstStyle/>
+          <a:p>
+            <a:pPr marL="182880" marR="0">
+              <a:spcBef>
+                <a:spcPts val="0"/>
+              </a:spcBef>
+              <a:spcAft>
+                <a:spcPts val="0"/>
+              </a:spcAft>
+            </a:pPr>
+            <a:r>
+              <a:rPr lang="en-US" sz="1400" dirty="0">
+                <a:solidFill>
+                  <a:schemeClr val="tx1"/>
+                </a:solidFill>
+                <a:effectLst/>
+                <a:latin typeface="Courier"/>
+                <a:ea typeface="ＭＳ 明朝"/>
+                <a:cs typeface="Times New Roman"/>
+              </a:rPr>
+              <a:t>ISSUE: #</a:t>
+            </a:r>
+            <a:r>
+              <a:rPr lang="en-US" sz="1400" dirty="0" err="1">
+                <a:solidFill>
+                  <a:schemeClr val="tx1"/>
+                </a:solidFill>
+                <a:effectLst/>
+                <a:latin typeface="Courier"/>
+                <a:ea typeface="ＭＳ 明朝"/>
+                <a:cs typeface="Times New Roman"/>
+              </a:rPr>
+              <a:t>RacialJustice</a:t>
+            </a:r>
+            <a:r>
+              <a:rPr lang="en-US" sz="1400" dirty="0">
+                <a:solidFill>
+                  <a:schemeClr val="tx1"/>
+                </a:solidFill>
+                <a:effectLst/>
+                <a:latin typeface="Courier"/>
+                <a:ea typeface="ＭＳ 明朝"/>
+                <a:cs typeface="Times New Roman"/>
+              </a:rPr>
+              <a:t> SOLUTION: #</a:t>
+            </a:r>
+            <a:r>
+              <a:rPr lang="en-US" sz="1400" dirty="0" err="1">
+                <a:solidFill>
+                  <a:schemeClr val="tx1"/>
+                </a:solidFill>
+                <a:effectLst/>
+                <a:latin typeface="Courier"/>
+                <a:ea typeface="ＭＳ 明朝"/>
+                <a:cs typeface="Times New Roman"/>
+              </a:rPr>
+              <a:t>BernieSanders</a:t>
+            </a:r>
+            <a:r>
+              <a:rPr lang="en-US" sz="1400" dirty="0">
+                <a:solidFill>
+                  <a:schemeClr val="tx1"/>
+                </a:solidFill>
+                <a:effectLst/>
+                <a:latin typeface="Courier"/>
+                <a:ea typeface="ＭＳ 明朝"/>
+                <a:cs typeface="Times New Roman"/>
+              </a:rPr>
+              <a:t> http://</a:t>
+            </a:r>
+            <a:r>
+              <a:rPr lang="en-US" sz="1400" dirty="0" err="1">
+                <a:solidFill>
+                  <a:schemeClr val="tx1"/>
+                </a:solidFill>
+                <a:effectLst/>
+                <a:latin typeface="Courier"/>
+                <a:ea typeface="ＭＳ 明朝"/>
+                <a:cs typeface="Times New Roman"/>
+              </a:rPr>
+              <a:t>t.co</a:t>
+            </a:r>
+            <a:r>
+              <a:rPr lang="en-US" sz="1400" dirty="0">
+                <a:solidFill>
+                  <a:schemeClr val="tx1"/>
+                </a:solidFill>
+                <a:effectLst/>
+                <a:latin typeface="Courier"/>
+                <a:ea typeface="ＭＳ 明朝"/>
+                <a:cs typeface="Times New Roman"/>
+              </a:rPr>
+              <a:t>/</a:t>
+            </a:r>
+            <a:r>
+              <a:rPr lang="en-US" sz="1400" dirty="0" err="1">
+                <a:solidFill>
+                  <a:schemeClr val="tx1"/>
+                </a:solidFill>
+                <a:effectLst/>
+                <a:latin typeface="Courier"/>
+                <a:ea typeface="ＭＳ 明朝"/>
+                <a:cs typeface="Times New Roman"/>
+              </a:rPr>
+              <a:t>eumRjEvxrC</a:t>
+            </a:r>
+            <a:endParaRPr lang="en-US" sz="1400" dirty="0">
+              <a:solidFill>
+                <a:schemeClr val="tx1"/>
+              </a:solidFill>
+              <a:effectLst/>
+              <a:latin typeface="Courier"/>
+              <a:ea typeface="ＭＳ 明朝"/>
+              <a:cs typeface="Times New Roman"/>
+            </a:endParaRPr>
+          </a:p>
+        </p:txBody>
+      </p:sp>
+    </p:spTree>
+    <p:extLst>
+      <p:ext uri="{BB962C8B-B14F-4D97-AF65-F5344CB8AC3E}">
+        <p14:creationId xmlns:p14="http://schemas.microsoft.com/office/powerpoint/2010/main" val="25149131"/>
       </p:ext>
     </p:extLst>
   </p:cSld>
@@ -3344,7 +8352,6 @@
               <a:rPr lang="en-US" dirty="0"/>
               <a:t>Problem Statement</a:t>
             </a:r>
-            <a:endParaRPr lang="en-US" dirty="0"/>
           </a:p>
         </p:txBody>
       </p:sp>
@@ -3464,11 +8471,7 @@
             </a:r>
             <a:r>
               <a:rPr lang="en-US" sz="1100" dirty="0"/>
-              <a:t>, July 31, 2018</a:t>
-            </a:r>
-            <a:r>
-              <a:rPr lang="en-US" sz="1100" dirty="0"/>
-              <a:t> </a:t>
+              <a:t>, July 31, 2018 </a:t>
             </a:r>
             <a:r>
               <a:rPr lang="en-US" sz="1100" dirty="0" smtClean="0"/>
@@ -4171,7 +9174,7 @@
             <a:pPr marL="45720" indent="0"/>
             <a:r>
               <a:rPr lang="en-US" dirty="0" smtClean="0"/>
-              <a:t>Data Wrangling</a:t>
+              <a:t>NLP Analysis Process</a:t>
             </a:r>
             <a:endParaRPr lang="en-US" dirty="0"/>
           </a:p>
@@ -4189,8 +9192,8 @@
         </p:nvSpPr>
         <p:spPr>
           <a:xfrm>
-            <a:off x="914400" y="1291255"/>
-            <a:ext cx="7315200" cy="3369303"/>
+            <a:off x="3641063" y="1253787"/>
+            <a:ext cx="4907644" cy="2768109"/>
           </a:xfrm>
         </p:spPr>
         <p:txBody>
@@ -4199,68 +9202,48 @@
           </a:bodyPr>
           <a:lstStyle/>
           <a:p>
-            <a:pPr marL="45720" indent="0">
-              <a:lnSpc>
-                <a:spcPct val="110000"/>
-              </a:lnSpc>
-              <a:spcBef>
-                <a:spcPts val="0"/>
-              </a:spcBef>
-              <a:spcAft>
-                <a:spcPts val="1200"/>
-              </a:spcAft>
-              <a:buNone/>
-            </a:pPr>
+            <a:r>
+              <a:rPr lang="en-US" dirty="0"/>
+              <a:t>The roughly 3 million-row data set results in a file size of 1.16 </a:t>
+            </a:r>
             <a:r>
               <a:rPr lang="en-US" dirty="0" smtClean="0"/>
-              <a:t>An additional challenge was </a:t>
+              <a:t>GB, far exceeding </a:t>
+            </a:r>
+            <a:r>
+              <a:rPr lang="en-US" dirty="0" err="1"/>
+              <a:t>GitHub’s</a:t>
             </a:r>
             <a:r>
               <a:rPr lang="en-US" dirty="0"/>
-              <a:t>inconsistent features between the PDF and Excel </a:t>
-            </a:r>
-            <a:r>
-              <a:rPr lang="en-US" dirty="0" smtClean="0"/>
-              <a:t>reports.</a:t>
-            </a:r>
-          </a:p>
-          <a:p>
-            <a:pPr marL="45720" indent="0">
-              <a:lnSpc>
-                <a:spcPct val="110000"/>
-              </a:lnSpc>
-              <a:spcBef>
-                <a:spcPts val="0"/>
-              </a:spcBef>
-              <a:spcAft>
-                <a:spcPts val="1200"/>
-              </a:spcAft>
-              <a:buNone/>
-            </a:pPr>
-            <a:r>
-              <a:rPr lang="en-US" dirty="0"/>
-              <a:t>S</a:t>
-            </a:r>
-            <a:r>
-              <a:rPr lang="en-US" dirty="0" smtClean="0"/>
-              <a:t>teps </a:t>
-            </a:r>
-            <a:r>
-              <a:rPr lang="en-US" dirty="0"/>
-              <a:t>were taken to </a:t>
-            </a:r>
-            <a:r>
-              <a:rPr lang="en-US" dirty="0" smtClean="0"/>
-              <a:t>develop </a:t>
-            </a:r>
-            <a:r>
-              <a:rPr lang="en-US" dirty="0"/>
-              <a:t>a common set of features that existed across both reports, or could be engineered from data that existed. </a:t>
+              <a:t> file size limit, </a:t>
             </a:r>
             <a:endParaRPr lang="en-US" dirty="0" smtClean="0"/>
           </a:p>
         </p:txBody>
       </p:sp>
+      <p:graphicFrame>
+        <p:nvGraphicFramePr>
+          <p:cNvPr id="4" name="Diagram 3"/>
+          <p:cNvGraphicFramePr/>
+          <p:nvPr>
+            <p:extLst>
+              <p:ext uri="{D42A27DB-BD31-4B8C-83A1-F6EECF244321}">
+                <p14:modId xmlns:p14="http://schemas.microsoft.com/office/powerpoint/2010/main" val="1080036941"/>
+              </p:ext>
+            </p:extLst>
+          </p:nvPr>
+        </p:nvGraphicFramePr>
+        <p:xfrm>
+          <a:off x="270454" y="1253788"/>
+          <a:ext cx="3645253" cy="3200400"/>
+        </p:xfrm>
+        <a:graphic>
+          <a:graphicData uri="http://schemas.openxmlformats.org/drawingml/2006/diagram">
+            <dgm:relIds xmlns:dgm="http://schemas.openxmlformats.org/drawingml/2006/diagram" xmlns:r="http://schemas.openxmlformats.org/officeDocument/2006/relationships" r:dm="rId2" r:lo="rId3" r:qs="rId4" r:cs="rId5"/>
+          </a:graphicData>
+        </a:graphic>
+      </p:graphicFrame>
     </p:spTree>
     <p:extLst>
       <p:ext uri="{BB962C8B-B14F-4D97-AF65-F5344CB8AC3E}">
@@ -4322,8 +9305,139 @@
           <a:p>
             <a:pPr marL="45720" indent="0"/>
             <a:r>
+              <a:rPr lang="en-US" dirty="0" smtClean="0"/>
+              <a:t>Data Wrangling</a:t>
+            </a:r>
+            <a:endParaRPr lang="en-US" dirty="0"/>
+          </a:p>
+        </p:txBody>
+      </p:sp>
+      <p:sp>
+        <p:nvSpPr>
+          <p:cNvPr id="3" name="Content Placeholder 2"/>
+          <p:cNvSpPr>
+            <a:spLocks noGrp="1"/>
+          </p:cNvSpPr>
+          <p:nvPr>
+            <p:ph idx="1"/>
+          </p:nvPr>
+        </p:nvSpPr>
+        <p:spPr>
+          <a:xfrm>
+            <a:off x="914400" y="1291255"/>
+            <a:ext cx="7315200" cy="3369303"/>
+          </a:xfrm>
+        </p:spPr>
+        <p:txBody>
+          <a:bodyPr>
+            <a:normAutofit/>
+          </a:bodyPr>
+          <a:lstStyle/>
+          <a:p>
+            <a:r>
+              <a:rPr lang="en-US" dirty="0"/>
+              <a:t>The roughly 3 million-row data set results in a file size of 1.16 </a:t>
+            </a:r>
+            <a:r>
+              <a:rPr lang="en-US" dirty="0" smtClean="0"/>
+              <a:t>GB, far exceeding </a:t>
+            </a:r>
+            <a:r>
+              <a:rPr lang="en-US" dirty="0" err="1"/>
+              <a:t>GitHub’s</a:t>
+            </a:r>
+            <a:r>
+              <a:rPr lang="en-US" dirty="0"/>
+              <a:t> file size limit, </a:t>
+            </a:r>
+            <a:endParaRPr lang="en-US" dirty="0" smtClean="0"/>
+          </a:p>
+          <a:p>
+            <a:r>
+              <a:rPr lang="en-US" dirty="0" smtClean="0"/>
+              <a:t>As a result, the </a:t>
+            </a:r>
+            <a:r>
+              <a:rPr lang="en-US" dirty="0"/>
+              <a:t>data was split into 13 separate CSV files.  </a:t>
+            </a:r>
+            <a:endParaRPr lang="en-US" dirty="0" smtClean="0"/>
+          </a:p>
+          <a:p>
+            <a:r>
+              <a:rPr lang="en-US" dirty="0" smtClean="0"/>
+              <a:t>Code </a:t>
+            </a:r>
+            <a:r>
+              <a:rPr lang="en-US" dirty="0"/>
+              <a:t>was written to iterate over each CSV file in the directory, and append each file into one CSV file.  The single file was then read into a single dataframe containing all ~ 3 million rows of data.</a:t>
+            </a:r>
+          </a:p>
+        </p:txBody>
+      </p:sp>
+    </p:spTree>
+    <p:extLst>
+      <p:ext uri="{BB962C8B-B14F-4D97-AF65-F5344CB8AC3E}">
+        <p14:creationId xmlns:p14="http://schemas.microsoft.com/office/powerpoint/2010/main" val="875276270"/>
+      </p:ext>
+    </p:extLst>
+  </p:cSld>
+  <p:clrMapOvr>
+    <a:masterClrMapping/>
+  </p:clrMapOvr>
+  <p:timing>
+    <p:tnLst>
+      <p:par>
+        <p:cTn xmlns:p14="http://schemas.microsoft.com/office/powerpoint/2010/main" id="1" dur="indefinite" restart="never" nodeType="tmRoot"/>
+      </p:par>
+    </p:tnLst>
+  </p:timing>
+</p:sld>
+</file>
+
+<file path=ppt/slides/slide9.xml><?xml version="1.0" encoding="utf-8"?>
+<p:sld xmlns:a="http://schemas.openxmlformats.org/drawingml/2006/main" xmlns:r="http://schemas.openxmlformats.org/officeDocument/2006/relationships" xmlns:p="http://schemas.openxmlformats.org/presentationml/2006/main">
+  <p:cSld>
+    <p:spTree>
+      <p:nvGrpSpPr>
+        <p:cNvPr id="1" name=""/>
+        <p:cNvGrpSpPr/>
+        <p:nvPr/>
+      </p:nvGrpSpPr>
+      <p:grpSpPr>
+        <a:xfrm>
+          <a:off x="0" y="0"/>
+          <a:ext cx="0" cy="0"/>
+          <a:chOff x="0" y="0"/>
+          <a:chExt cx="0" cy="0"/>
+        </a:xfrm>
+      </p:grpSpPr>
+      <p:sp>
+        <p:nvSpPr>
+          <p:cNvPr id="2" name="Title 1"/>
+          <p:cNvSpPr>
+            <a:spLocks noGrp="1"/>
+          </p:cNvSpPr>
+          <p:nvPr>
+            <p:ph type="title"/>
+          </p:nvPr>
+        </p:nvSpPr>
+        <p:spPr>
+          <a:xfrm>
+            <a:off x="914400" y="190092"/>
+            <a:ext cx="7315200" cy="865573"/>
+          </a:xfrm>
+        </p:spPr>
+        <p:txBody>
+          <a:bodyPr>
+            <a:noAutofit/>
+          </a:bodyPr>
+          <a:lstStyle/>
+          <a:p>
+            <a:pPr marL="45720" indent="0"/>
+            <a:r>
               <a:rPr lang="en-US" sz="3300" dirty="0" smtClean="0"/>
-              <a:t>Conclusions</a:t>
+              <a:t>EDA</a:t>
             </a:r>
             <a:endParaRPr lang="en-US" sz="3300" dirty="0"/>
           </a:p>

--- a/reports/Capstone2_Final_Report_Pres.pptx
+++ b/reports/Capstone2_Final_Report_Pres.pptx
@@ -21,7 +21,9 @@
     <p:sldId id="294" r:id="rId15"/>
     <p:sldId id="295" r:id="rId16"/>
     <p:sldId id="291" r:id="rId17"/>
-    <p:sldId id="292" r:id="rId18"/>
+    <p:sldId id="297" r:id="rId18"/>
+    <p:sldId id="296" r:id="rId19"/>
+    <p:sldId id="292" r:id="rId20"/>
   </p:sldIdLst>
   <p:sldSz cx="9144000" cy="5143500" type="screen16x9"/>
   <p:notesSz cx="6858000" cy="9144000"/>
@@ -7659,7 +7661,7 @@
             </a:pPr>
             <a:r>
               <a:rPr lang="en-US" dirty="0" smtClean="0"/>
-              <a:t>Better way to visualize LDA output</a:t>
+              <a:t>Better, interactive way to visualize LDA output</a:t>
             </a:r>
             <a:endParaRPr lang="en-US" dirty="0"/>
           </a:p>
@@ -7764,6 +7766,47 @@
       </p:grpSpPr>
       <p:sp>
         <p:nvSpPr>
+          <p:cNvPr id="8" name="Rectangle 7"/>
+          <p:cNvSpPr/>
+          <p:nvPr/>
+        </p:nvSpPr>
+        <p:spPr>
+          <a:xfrm>
+            <a:off x="5197424" y="1738160"/>
+            <a:ext cx="3788410" cy="3306851"/>
+          </a:xfrm>
+          <a:prstGeom prst="rect">
+            <a:avLst/>
+          </a:prstGeom>
+          <a:solidFill>
+            <a:schemeClr val="tx1"/>
+          </a:solidFill>
+        </p:spPr>
+        <p:style>
+          <a:lnRef idx="1">
+            <a:schemeClr val="accent1"/>
+          </a:lnRef>
+          <a:fillRef idx="3">
+            <a:schemeClr val="accent1"/>
+          </a:fillRef>
+          <a:effectRef idx="2">
+            <a:schemeClr val="accent1"/>
+          </a:effectRef>
+          <a:fontRef idx="minor">
+            <a:schemeClr val="lt1"/>
+          </a:fontRef>
+        </p:style>
+        <p:txBody>
+          <a:bodyPr rtlCol="0" anchor="ctr"/>
+          <a:lstStyle/>
+          <a:p>
+            <a:pPr algn="ctr"/>
+            <a:endParaRPr lang="en-US"/>
+          </a:p>
+        </p:txBody>
+      </p:sp>
+      <p:sp>
+        <p:nvSpPr>
           <p:cNvPr id="2" name="Title 1"/>
           <p:cNvSpPr>
             <a:spLocks noGrp="1"/>
@@ -7774,7 +7817,7 @@
         </p:nvSpPr>
         <p:spPr>
           <a:xfrm>
-            <a:off x="914400" y="190092"/>
+            <a:off x="538112" y="190092"/>
             <a:ext cx="7315200" cy="865573"/>
           </a:xfrm>
         </p:spPr>
@@ -7787,7 +7830,7 @@
             <a:pPr marL="45720" indent="0"/>
             <a:r>
               <a:rPr lang="en-US" sz="3300" dirty="0" smtClean="0"/>
-              <a:t>Conclusions</a:t>
+              <a:t>Right Troll Group</a:t>
             </a:r>
             <a:endParaRPr lang="en-US" sz="3300" dirty="0"/>
           </a:p>
@@ -7805,8 +7848,8 @@
         </p:nvSpPr>
         <p:spPr>
           <a:xfrm>
-            <a:off x="914400" y="1129147"/>
-            <a:ext cx="7599030" cy="3369303"/>
+            <a:off x="538112" y="1129341"/>
+            <a:ext cx="4659312" cy="3833543"/>
           </a:xfrm>
         </p:spPr>
         <p:txBody>
@@ -7815,21 +7858,7 @@
           </a:bodyPr>
           <a:lstStyle/>
           <a:p>
-            <a:r>
-              <a:rPr lang="en-US" sz="1800" dirty="0"/>
-              <a:t>The conclusions drawn from this analysis are less definitive than I had hoped, but several findings contradicted the assumptions held at the start of this analysis project</a:t>
-            </a:r>
-            <a:r>
-              <a:rPr lang="en-US" sz="1800" dirty="0" smtClean="0"/>
-              <a:t>.</a:t>
-            </a:r>
-            <a:endParaRPr lang="en-US" sz="1800" dirty="0" smtClean="0"/>
-          </a:p>
-          <a:p>
             <a:pPr>
-              <a:lnSpc>
-                <a:spcPct val="110000"/>
-              </a:lnSpc>
               <a:spcBef>
                 <a:spcPts val="0"/>
               </a:spcBef>
@@ -7837,13 +7866,25 @@
                 <a:spcPts val="1200"/>
               </a:spcAft>
             </a:pPr>
-            <a:endParaRPr lang="en-US" sz="1800" dirty="0"/>
+            <a:r>
+              <a:rPr lang="en-US" sz="1800" dirty="0"/>
+              <a:t>The Right Troll group appears to be strongly right-wing in their </a:t>
+            </a:r>
+            <a:r>
+              <a:rPr lang="en-US" sz="1800" dirty="0" err="1"/>
+              <a:t>hashtag</a:t>
+            </a:r>
+            <a:r>
+              <a:rPr lang="en-US" sz="1800" dirty="0"/>
+              <a:t> and topical themes, attacking Democrats, Barack Obama, Hillary Clinton, and </a:t>
+            </a:r>
+            <a:r>
+              <a:rPr lang="en-US" sz="1800" dirty="0" smtClean="0"/>
+              <a:t>their supporters.  </a:t>
+            </a:r>
           </a:p>
           <a:p>
             <a:pPr>
-              <a:lnSpc>
-                <a:spcPct val="110000"/>
-              </a:lnSpc>
               <a:spcBef>
                 <a:spcPts val="0"/>
               </a:spcBef>
@@ -7853,22 +7894,16 @@
             </a:pPr>
             <a:r>
               <a:rPr lang="en-US" sz="1800" dirty="0" smtClean="0"/>
-              <a:t>Expected </a:t>
+              <a:t>Echo Donald </a:t>
             </a:r>
             <a:r>
               <a:rPr lang="en-US" sz="1800" dirty="0"/>
-              <a:t>a much larger “echo chamber” of trolls amplifying other trolls’ </a:t>
-            </a:r>
-            <a:r>
-              <a:rPr lang="en-US" sz="1800" dirty="0" smtClean="0"/>
-              <a:t>messages</a:t>
-            </a:r>
-          </a:p>
-          <a:p>
-            <a:pPr lvl="1">
-              <a:lnSpc>
-                <a:spcPct val="110000"/>
-              </a:lnSpc>
+              <a:t>Trump’s themes of #MAGA (Make America Great Again) and #2a (Second Amendment).  </a:t>
+            </a:r>
+            <a:endParaRPr lang="en-US" sz="1800" dirty="0" smtClean="0"/>
+          </a:p>
+          <a:p>
+            <a:pPr>
               <a:spcBef>
                 <a:spcPts val="0"/>
               </a:spcBef>
@@ -7877,36 +7912,54 @@
               </a:spcAft>
             </a:pPr>
             <a:r>
-              <a:rPr lang="en-US" dirty="0" smtClean="0"/>
-              <a:t>only 1,739 </a:t>
-            </a:r>
-            <a:r>
-              <a:rPr lang="en-US" dirty="0"/>
-              <a:t>trolls amplifying other troll </a:t>
-            </a:r>
-            <a:r>
-              <a:rPr lang="en-US" dirty="0" smtClean="0"/>
-              <a:t>users</a:t>
-            </a:r>
-            <a:endParaRPr lang="en-US" dirty="0"/>
-          </a:p>
-          <a:p>
-            <a:pPr marL="45720" indent="0">
-              <a:lnSpc>
-                <a:spcPct val="110000"/>
-              </a:lnSpc>
-              <a:spcBef>
-                <a:spcPts val="0"/>
-              </a:spcBef>
-              <a:spcAft>
-                <a:spcPts val="1200"/>
-              </a:spcAft>
-              <a:buNone/>
-            </a:pPr>
+              <a:rPr lang="en-US" sz="1800" dirty="0" smtClean="0"/>
+              <a:t>However</a:t>
+            </a:r>
+            <a:r>
+              <a:rPr lang="en-US" sz="1800" dirty="0"/>
+              <a:t>, the Right Troll group members also sometimes tweeted divisive messages about the Republican party as well.</a:t>
+            </a:r>
+            <a:r>
+              <a:rPr lang="en-US" sz="1800" dirty="0"/>
+              <a:t> </a:t>
+            </a:r>
             <a:endParaRPr lang="en-US" sz="1900" dirty="0"/>
           </a:p>
         </p:txBody>
       </p:sp>
+      <p:pic>
+        <p:nvPicPr>
+          <p:cNvPr id="7" name="Picture 6"/>
+          <p:cNvPicPr/>
+          <p:nvPr/>
+        </p:nvPicPr>
+        <p:blipFill>
+          <a:blip r:embed="rId2">
+            <a:extLst>
+              <a:ext uri="{28A0092B-C50C-407E-A947-70E740481C1C}">
+                <a14:useLocalDpi xmlns:a14="http://schemas.microsoft.com/office/drawing/2010/main" val="0"/>
+              </a:ext>
+            </a:extLst>
+          </a:blip>
+          <a:srcRect/>
+          <a:stretch>
+            <a:fillRect/>
+          </a:stretch>
+        </p:blipFill>
+        <p:spPr bwMode="auto">
+          <a:xfrm>
+            <a:off x="5197424" y="1738160"/>
+            <a:ext cx="3788410" cy="3224530"/>
+          </a:xfrm>
+          <a:prstGeom prst="rect">
+            <a:avLst/>
+          </a:prstGeom>
+          <a:noFill/>
+          <a:ln>
+            <a:noFill/>
+          </a:ln>
+        </p:spPr>
+      </p:pic>
     </p:spTree>
     <p:extLst>
       <p:ext uri="{BB962C8B-B14F-4D97-AF65-F5344CB8AC3E}">
@@ -7969,7 +8022,7 @@
             <a:pPr marL="45720" indent="0"/>
             <a:r>
               <a:rPr lang="en-US" sz="3300" dirty="0" smtClean="0"/>
-              <a:t>Conclusions</a:t>
+              <a:t>Left Troll Group</a:t>
             </a:r>
             <a:endParaRPr lang="en-US" sz="3300" dirty="0"/>
           </a:p>
@@ -7987,8 +8040,444 @@
         </p:nvSpPr>
         <p:spPr>
           <a:xfrm>
+            <a:off x="914399" y="1129147"/>
+            <a:ext cx="4283025" cy="3833543"/>
+          </a:xfrm>
+        </p:spPr>
+        <p:txBody>
+          <a:bodyPr>
+            <a:noAutofit/>
+          </a:bodyPr>
+          <a:lstStyle/>
+          <a:p>
+            <a:pPr>
+              <a:spcBef>
+                <a:spcPts val="0"/>
+              </a:spcBef>
+              <a:spcAft>
+                <a:spcPts val="1200"/>
+              </a:spcAft>
+            </a:pPr>
+            <a:r>
+              <a:rPr lang="en-US" sz="1800" dirty="0"/>
+              <a:t>The Left Troll group played the foil to the Right Troll group, focusing on identity politics and the issues related to identity politics that were designed to provoke and inflame.  </a:t>
+            </a:r>
+            <a:endParaRPr lang="en-US" sz="1800" dirty="0" smtClean="0"/>
+          </a:p>
+          <a:p>
+            <a:pPr>
+              <a:spcBef>
+                <a:spcPts val="0"/>
+              </a:spcBef>
+              <a:spcAft>
+                <a:spcPts val="1200"/>
+              </a:spcAft>
+            </a:pPr>
+            <a:r>
+              <a:rPr lang="en-US" sz="1800" dirty="0" smtClean="0"/>
+              <a:t>The </a:t>
+            </a:r>
+            <a:r>
+              <a:rPr lang="en-US" sz="1800" dirty="0" err="1"/>
+              <a:t>hashtags</a:t>
+            </a:r>
+            <a:r>
+              <a:rPr lang="en-US" sz="1800" dirty="0"/>
+              <a:t> reflect the strategy of this group, with common </a:t>
+            </a:r>
+            <a:r>
+              <a:rPr lang="en-US" sz="1800" dirty="0" err="1"/>
+              <a:t>hashtags</a:t>
+            </a:r>
+            <a:r>
+              <a:rPr lang="en-US" sz="1800" dirty="0"/>
+              <a:t> like #</a:t>
+            </a:r>
+            <a:r>
+              <a:rPr lang="en-US" sz="1800" dirty="0" err="1"/>
+              <a:t>BlackLivesMatter</a:t>
+            </a:r>
+            <a:r>
+              <a:rPr lang="en-US" sz="1800" dirty="0"/>
+              <a:t> and #</a:t>
+            </a:r>
+            <a:r>
+              <a:rPr lang="en-US" sz="1800" dirty="0" err="1"/>
+              <a:t>BlackSkinIsNotACrime</a:t>
+            </a:r>
+            <a:r>
+              <a:rPr lang="en-US" sz="1800" dirty="0"/>
+              <a:t>.  Topical themes focused on #</a:t>
+            </a:r>
+            <a:r>
+              <a:rPr lang="en-US" sz="1800" dirty="0" err="1"/>
+              <a:t>PoliceBrutality</a:t>
+            </a:r>
+            <a:r>
+              <a:rPr lang="en-US" sz="1800" dirty="0"/>
+              <a:t>, which was a central issues during this time period.</a:t>
+            </a:r>
+            <a:r>
+              <a:rPr lang="en-US" sz="1800" dirty="0"/>
+              <a:t> </a:t>
+            </a:r>
+            <a:endParaRPr lang="en-US" sz="1900" dirty="0"/>
+          </a:p>
+        </p:txBody>
+      </p:sp>
+      <p:grpSp>
+        <p:nvGrpSpPr>
+          <p:cNvPr id="6" name="Group 5"/>
+          <p:cNvGrpSpPr/>
+          <p:nvPr/>
+        </p:nvGrpSpPr>
+        <p:grpSpPr>
+          <a:xfrm>
+            <a:off x="5301460" y="1876675"/>
+            <a:ext cx="3494188" cy="3086016"/>
+            <a:chOff x="4819341" y="1641475"/>
+            <a:chExt cx="4114800" cy="3549064"/>
+          </a:xfrm>
+        </p:grpSpPr>
+        <p:sp>
+          <p:nvSpPr>
+            <p:cNvPr id="5" name="Rectangle 4"/>
+            <p:cNvSpPr/>
+            <p:nvPr/>
+          </p:nvSpPr>
+          <p:spPr>
+            <a:xfrm>
+              <a:off x="4819341" y="1641475"/>
+              <a:ext cx="4114800" cy="3502025"/>
+            </a:xfrm>
+            <a:prstGeom prst="rect">
+              <a:avLst/>
+            </a:prstGeom>
+            <a:solidFill>
+              <a:schemeClr val="tx1"/>
+            </a:solidFill>
+          </p:spPr>
+          <p:style>
+            <a:lnRef idx="1">
+              <a:schemeClr val="accent1"/>
+            </a:lnRef>
+            <a:fillRef idx="3">
+              <a:schemeClr val="accent1"/>
+            </a:fillRef>
+            <a:effectRef idx="2">
+              <a:schemeClr val="accent1"/>
+            </a:effectRef>
+            <a:fontRef idx="minor">
+              <a:schemeClr val="lt1"/>
+            </a:fontRef>
+          </p:style>
+          <p:txBody>
+            <a:bodyPr rtlCol="0" anchor="ctr"/>
+            <a:lstStyle/>
+            <a:p>
+              <a:pPr algn="ctr"/>
+              <a:endParaRPr lang="en-US"/>
+            </a:p>
+          </p:txBody>
+        </p:sp>
+        <p:pic>
+          <p:nvPicPr>
+            <p:cNvPr id="4" name="Picture 3"/>
+            <p:cNvPicPr/>
+            <p:nvPr/>
+          </p:nvPicPr>
+          <p:blipFill>
+            <a:blip r:embed="rId2">
+              <a:extLst>
+                <a:ext uri="{28A0092B-C50C-407E-A947-70E740481C1C}">
+                  <a14:useLocalDpi xmlns:a14="http://schemas.microsoft.com/office/drawing/2010/main" val="0"/>
+                </a:ext>
+              </a:extLst>
+            </a:blip>
+            <a:srcRect/>
+            <a:stretch>
+              <a:fillRect/>
+            </a:stretch>
+          </p:blipFill>
+          <p:spPr bwMode="auto">
+            <a:xfrm>
+              <a:off x="4819341" y="1688515"/>
+              <a:ext cx="4114800" cy="3502024"/>
+            </a:xfrm>
+            <a:prstGeom prst="rect">
+              <a:avLst/>
+            </a:prstGeom>
+            <a:noFill/>
+            <a:ln>
+              <a:noFill/>
+            </a:ln>
+          </p:spPr>
+        </p:pic>
+      </p:grpSp>
+    </p:spTree>
+    <p:extLst>
+      <p:ext uri="{BB962C8B-B14F-4D97-AF65-F5344CB8AC3E}">
+        <p14:creationId xmlns:p14="http://schemas.microsoft.com/office/powerpoint/2010/main" val="3426651540"/>
+      </p:ext>
+    </p:extLst>
+  </p:cSld>
+  <p:clrMapOvr>
+    <a:masterClrMapping/>
+  </p:clrMapOvr>
+  <p:timing>
+    <p:tnLst>
+      <p:par>
+        <p:cTn xmlns:p14="http://schemas.microsoft.com/office/powerpoint/2010/main" id="1" dur="indefinite" restart="never" nodeType="tmRoot"/>
+      </p:par>
+    </p:tnLst>
+  </p:timing>
+</p:sld>
+</file>
+
+<file path=ppt/slides/slide18.xml><?xml version="1.0" encoding="utf-8"?>
+<p:sld xmlns:a="http://schemas.openxmlformats.org/drawingml/2006/main" xmlns:r="http://schemas.openxmlformats.org/officeDocument/2006/relationships" xmlns:p="http://schemas.openxmlformats.org/presentationml/2006/main">
+  <p:cSld>
+    <p:spTree>
+      <p:nvGrpSpPr>
+        <p:cNvPr id="1" name=""/>
+        <p:cNvGrpSpPr/>
+        <p:nvPr/>
+      </p:nvGrpSpPr>
+      <p:grpSpPr>
+        <a:xfrm>
+          <a:off x="0" y="0"/>
+          <a:ext cx="0" cy="0"/>
+          <a:chOff x="0" y="0"/>
+          <a:chExt cx="0" cy="0"/>
+        </a:xfrm>
+      </p:grpSpPr>
+      <p:sp>
+        <p:nvSpPr>
+          <p:cNvPr id="2" name="Title 1"/>
+          <p:cNvSpPr>
+            <a:spLocks noGrp="1"/>
+          </p:cNvSpPr>
+          <p:nvPr>
+            <p:ph type="title"/>
+          </p:nvPr>
+        </p:nvSpPr>
+        <p:spPr>
+          <a:xfrm>
+            <a:off x="914400" y="190092"/>
+            <a:ext cx="7315200" cy="865573"/>
+          </a:xfrm>
+        </p:spPr>
+        <p:txBody>
+          <a:bodyPr>
+            <a:noAutofit/>
+          </a:bodyPr>
+          <a:lstStyle/>
+          <a:p>
+            <a:pPr marL="45720" indent="0"/>
+            <a:r>
+              <a:rPr lang="en-US" sz="3300" dirty="0" smtClean="0"/>
+              <a:t>Conclusions</a:t>
+            </a:r>
+            <a:endParaRPr lang="en-US" sz="3300" dirty="0"/>
+          </a:p>
+        </p:txBody>
+      </p:sp>
+      <p:sp>
+        <p:nvSpPr>
+          <p:cNvPr id="3" name="Content Placeholder 2"/>
+          <p:cNvSpPr>
+            <a:spLocks noGrp="1"/>
+          </p:cNvSpPr>
+          <p:nvPr>
+            <p:ph idx="1"/>
+          </p:nvPr>
+        </p:nvSpPr>
+        <p:spPr>
+          <a:xfrm>
             <a:off x="914400" y="1129147"/>
             <a:ext cx="7599030" cy="3369303"/>
+          </a:xfrm>
+        </p:spPr>
+        <p:txBody>
+          <a:bodyPr>
+            <a:noAutofit/>
+          </a:bodyPr>
+          <a:lstStyle/>
+          <a:p>
+            <a:r>
+              <a:rPr lang="en-US" sz="1800" dirty="0"/>
+              <a:t>The conclusions drawn from this analysis are less definitive than I had hoped, but several findings contradicted the assumptions held at the start of this analysis project</a:t>
+            </a:r>
+            <a:r>
+              <a:rPr lang="en-US" sz="1800" dirty="0" smtClean="0"/>
+              <a:t>.</a:t>
+            </a:r>
+            <a:endParaRPr lang="en-US" sz="1800" dirty="0" smtClean="0"/>
+          </a:p>
+          <a:p>
+            <a:pPr>
+              <a:lnSpc>
+                <a:spcPct val="110000"/>
+              </a:lnSpc>
+              <a:spcBef>
+                <a:spcPts val="0"/>
+              </a:spcBef>
+              <a:spcAft>
+                <a:spcPts val="1200"/>
+              </a:spcAft>
+            </a:pPr>
+            <a:endParaRPr lang="en-US" sz="1800" dirty="0"/>
+          </a:p>
+          <a:p>
+            <a:pPr>
+              <a:lnSpc>
+                <a:spcPct val="110000"/>
+              </a:lnSpc>
+              <a:spcBef>
+                <a:spcPts val="0"/>
+              </a:spcBef>
+              <a:spcAft>
+                <a:spcPts val="1200"/>
+              </a:spcAft>
+            </a:pPr>
+            <a:r>
+              <a:rPr lang="en-US" sz="1800" dirty="0" smtClean="0"/>
+              <a:t>Expected </a:t>
+            </a:r>
+            <a:r>
+              <a:rPr lang="en-US" sz="1800" dirty="0"/>
+              <a:t>a much larger “echo chamber” of trolls amplifying other trolls’ </a:t>
+            </a:r>
+            <a:r>
+              <a:rPr lang="en-US" sz="1800" dirty="0" smtClean="0"/>
+              <a:t>messages</a:t>
+            </a:r>
+          </a:p>
+          <a:p>
+            <a:pPr lvl="1">
+              <a:lnSpc>
+                <a:spcPct val="110000"/>
+              </a:lnSpc>
+              <a:spcBef>
+                <a:spcPts val="0"/>
+              </a:spcBef>
+              <a:spcAft>
+                <a:spcPts val="1200"/>
+              </a:spcAft>
+            </a:pPr>
+            <a:r>
+              <a:rPr lang="en-US" dirty="0" smtClean="0"/>
+              <a:t>only 1,739 </a:t>
+            </a:r>
+            <a:r>
+              <a:rPr lang="en-US" dirty="0"/>
+              <a:t>trolls amplifying other troll </a:t>
+            </a:r>
+            <a:r>
+              <a:rPr lang="en-US" dirty="0" smtClean="0"/>
+              <a:t>users</a:t>
+            </a:r>
+            <a:endParaRPr lang="en-US" dirty="0"/>
+          </a:p>
+          <a:p>
+            <a:pPr marL="45720" indent="0">
+              <a:lnSpc>
+                <a:spcPct val="110000"/>
+              </a:lnSpc>
+              <a:spcBef>
+                <a:spcPts val="0"/>
+              </a:spcBef>
+              <a:spcAft>
+                <a:spcPts val="1200"/>
+              </a:spcAft>
+              <a:buNone/>
+            </a:pPr>
+            <a:endParaRPr lang="en-US" sz="1900" dirty="0"/>
+          </a:p>
+        </p:txBody>
+      </p:sp>
+    </p:spTree>
+    <p:extLst>
+      <p:ext uri="{BB962C8B-B14F-4D97-AF65-F5344CB8AC3E}">
+        <p14:creationId xmlns:p14="http://schemas.microsoft.com/office/powerpoint/2010/main" val="2092656004"/>
+      </p:ext>
+    </p:extLst>
+  </p:cSld>
+  <p:clrMapOvr>
+    <a:masterClrMapping/>
+  </p:clrMapOvr>
+  <p:timing>
+    <p:tnLst>
+      <p:par>
+        <p:cTn xmlns:p14="http://schemas.microsoft.com/office/powerpoint/2010/main" id="1" dur="indefinite" restart="never" nodeType="tmRoot"/>
+      </p:par>
+    </p:tnLst>
+  </p:timing>
+</p:sld>
+</file>
+
+<file path=ppt/slides/slide19.xml><?xml version="1.0" encoding="utf-8"?>
+<p:sld xmlns:a="http://schemas.openxmlformats.org/drawingml/2006/main" xmlns:r="http://schemas.openxmlformats.org/officeDocument/2006/relationships" xmlns:p="http://schemas.openxmlformats.org/presentationml/2006/main">
+  <p:cSld>
+    <p:spTree>
+      <p:nvGrpSpPr>
+        <p:cNvPr id="1" name=""/>
+        <p:cNvGrpSpPr/>
+        <p:nvPr/>
+      </p:nvGrpSpPr>
+      <p:grpSpPr>
+        <a:xfrm>
+          <a:off x="0" y="0"/>
+          <a:ext cx="0" cy="0"/>
+          <a:chOff x="0" y="0"/>
+          <a:chExt cx="0" cy="0"/>
+        </a:xfrm>
+      </p:grpSpPr>
+      <p:sp>
+        <p:nvSpPr>
+          <p:cNvPr id="2" name="Title 1"/>
+          <p:cNvSpPr>
+            <a:spLocks noGrp="1"/>
+          </p:cNvSpPr>
+          <p:nvPr>
+            <p:ph type="title"/>
+          </p:nvPr>
+        </p:nvSpPr>
+        <p:spPr>
+          <a:xfrm>
+            <a:off x="914400" y="190092"/>
+            <a:ext cx="7315200" cy="865573"/>
+          </a:xfrm>
+        </p:spPr>
+        <p:txBody>
+          <a:bodyPr>
+            <a:noAutofit/>
+          </a:bodyPr>
+          <a:lstStyle/>
+          <a:p>
+            <a:pPr marL="45720" indent="0"/>
+            <a:r>
+              <a:rPr lang="en-US" sz="3300" dirty="0" smtClean="0"/>
+              <a:t>Conclusions</a:t>
+            </a:r>
+            <a:endParaRPr lang="en-US" sz="3300" dirty="0"/>
+          </a:p>
+        </p:txBody>
+      </p:sp>
+      <p:sp>
+        <p:nvSpPr>
+          <p:cNvPr id="3" name="Content Placeholder 2"/>
+          <p:cNvSpPr>
+            <a:spLocks noGrp="1"/>
+          </p:cNvSpPr>
+          <p:nvPr>
+            <p:ph idx="1"/>
+          </p:nvPr>
+        </p:nvSpPr>
+        <p:spPr>
+          <a:xfrm>
+            <a:off x="914399" y="1129147"/>
+            <a:ext cx="7504959" cy="3369303"/>
           </a:xfrm>
         </p:spPr>
         <p:txBody>
@@ -8011,7 +8500,22 @@
             </a:r>
             <a:r>
               <a:rPr lang="en-US" dirty="0"/>
-              <a:t>trolls didn’t appear to be supporting any one </a:t>
+              <a:t>trolls didn’t appear to be </a:t>
+            </a:r>
+            <a:r>
+              <a:rPr lang="en-US" dirty="0" smtClean="0"/>
+              <a:t/>
+            </a:r>
+            <a:br>
+              <a:rPr lang="en-US" dirty="0" smtClean="0"/>
+            </a:br>
+            <a:r>
+              <a:rPr lang="en-US" dirty="0" smtClean="0"/>
+              <a:t>supporting </a:t>
+            </a:r>
+            <a:r>
+              <a:rPr lang="en-US" dirty="0"/>
+              <a:t>any one </a:t>
             </a:r>
             <a:r>
               <a:rPr lang="en-US" dirty="0" smtClean="0"/>
@@ -8037,7 +8541,22 @@
             </a:r>
             <a:r>
               <a:rPr lang="en-US" dirty="0"/>
-              <a:t>intent on sowing confusion, disinformation and divisiveness</a:t>
+              <a:t>intent on sowing confusion, </a:t>
+            </a:r>
+            <a:r>
+              <a:rPr lang="en-US" dirty="0" smtClean="0"/>
+              <a:t/>
+            </a:r>
+            <a:br>
+              <a:rPr lang="en-US" dirty="0" smtClean="0"/>
+            </a:br>
+            <a:r>
+              <a:rPr lang="en-US" dirty="0" smtClean="0"/>
+              <a:t>disinformation </a:t>
+            </a:r>
+            <a:r>
+              <a:rPr lang="en-US" dirty="0"/>
+              <a:t>and divisiveness</a:t>
             </a:r>
             <a:r>
               <a:rPr lang="en-US" dirty="0"/>
@@ -8131,7 +8650,7 @@
         </p:nvSpPr>
         <p:spPr>
           <a:xfrm>
-            <a:off x="5380990" y="3535538"/>
+            <a:off x="5569132" y="1265872"/>
             <a:ext cx="3132440" cy="796290"/>
           </a:xfrm>
           <a:prstGeom prst="rect">

--- a/reports/Capstone2_Final_Report_Pres.pptx
+++ b/reports/Capstone2_Final_Report_Pres.pptx
@@ -20,10 +20,11 @@
     <p:sldId id="293" r:id="rId14"/>
     <p:sldId id="294" r:id="rId15"/>
     <p:sldId id="295" r:id="rId16"/>
-    <p:sldId id="291" r:id="rId17"/>
-    <p:sldId id="297" r:id="rId18"/>
-    <p:sldId id="296" r:id="rId19"/>
-    <p:sldId id="292" r:id="rId20"/>
+    <p:sldId id="298" r:id="rId17"/>
+    <p:sldId id="291" r:id="rId18"/>
+    <p:sldId id="297" r:id="rId19"/>
+    <p:sldId id="296" r:id="rId20"/>
+    <p:sldId id="292" r:id="rId21"/>
   </p:sldIdLst>
   <p:sldSz cx="9144000" cy="5143500" type="screen16x9"/>
   <p:notesSz cx="6858000" cy="9144000"/>
@@ -7766,6 +7767,244 @@
       </p:grpSpPr>
       <p:sp>
         <p:nvSpPr>
+          <p:cNvPr id="2" name="Title 1"/>
+          <p:cNvSpPr>
+            <a:spLocks noGrp="1"/>
+          </p:cNvSpPr>
+          <p:nvPr>
+            <p:ph type="title"/>
+          </p:nvPr>
+        </p:nvSpPr>
+        <p:spPr>
+          <a:xfrm>
+            <a:off x="914400" y="190092"/>
+            <a:ext cx="7315200" cy="865573"/>
+          </a:xfrm>
+        </p:spPr>
+        <p:txBody>
+          <a:bodyPr>
+            <a:noAutofit/>
+          </a:bodyPr>
+          <a:lstStyle/>
+          <a:p>
+            <a:pPr marL="45720" indent="0"/>
+            <a:r>
+              <a:rPr lang="en-US" sz="3300" dirty="0" smtClean="0"/>
+              <a:t>Troll Groups</a:t>
+            </a:r>
+            <a:endParaRPr lang="en-US" sz="3300" dirty="0"/>
+          </a:p>
+        </p:txBody>
+      </p:sp>
+      <p:sp>
+        <p:nvSpPr>
+          <p:cNvPr id="3" name="Content Placeholder 2"/>
+          <p:cNvSpPr>
+            <a:spLocks noGrp="1"/>
+          </p:cNvSpPr>
+          <p:nvPr>
+            <p:ph idx="1"/>
+          </p:nvPr>
+        </p:nvSpPr>
+        <p:spPr>
+          <a:xfrm>
+            <a:off x="914400" y="1129147"/>
+            <a:ext cx="7481441" cy="3369303"/>
+          </a:xfrm>
+        </p:spPr>
+        <p:txBody>
+          <a:bodyPr>
+            <a:noAutofit/>
+          </a:bodyPr>
+          <a:lstStyle/>
+          <a:p>
+            <a:pPr>
+              <a:spcBef>
+                <a:spcPts val="0"/>
+              </a:spcBef>
+              <a:spcAft>
+                <a:spcPts val="1200"/>
+              </a:spcAft>
+            </a:pPr>
+            <a:r>
+              <a:rPr lang="en-US" dirty="0"/>
+              <a:t>Clemson </a:t>
+            </a:r>
+            <a:r>
+              <a:rPr lang="en-US" dirty="0" smtClean="0"/>
+              <a:t>University researchers </a:t>
+            </a:r>
+            <a:r>
+              <a:rPr lang="en-US" dirty="0"/>
+              <a:t>Darren </a:t>
+            </a:r>
+            <a:r>
+              <a:rPr lang="en-US" dirty="0" err="1"/>
+              <a:t>Linvill</a:t>
+            </a:r>
+            <a:r>
+              <a:rPr lang="en-US" dirty="0"/>
+              <a:t> and Patrick Warren</a:t>
+            </a:r>
+            <a:r>
+              <a:rPr lang="en-US" dirty="0"/>
+              <a:t> </a:t>
+            </a:r>
+            <a:r>
+              <a:rPr lang="en-US" dirty="0" smtClean="0"/>
+              <a:t>classified trolls into five groups, </a:t>
+            </a:r>
+            <a:r>
+              <a:rPr lang="en-US" dirty="0"/>
+              <a:t>each with unique patterns of behaviors</a:t>
+            </a:r>
+            <a:r>
+              <a:rPr lang="en-US" dirty="0"/>
+              <a:t> </a:t>
+            </a:r>
+            <a:endParaRPr lang="en-US" dirty="0" smtClean="0"/>
+          </a:p>
+          <a:p>
+            <a:pPr>
+              <a:spcBef>
+                <a:spcPts val="0"/>
+              </a:spcBef>
+              <a:spcAft>
+                <a:spcPts val="1200"/>
+              </a:spcAft>
+            </a:pPr>
+            <a:r>
+              <a:rPr lang="en-US"/>
+              <a:t>F</a:t>
+            </a:r>
+            <a:r>
+              <a:rPr lang="en-US" smtClean="0"/>
+              <a:t>ocused </a:t>
+            </a:r>
+            <a:r>
+              <a:rPr lang="en-US" dirty="0" smtClean="0"/>
+              <a:t>on the Right Troll and Left Troll groups</a:t>
+            </a:r>
+            <a:endParaRPr lang="en-US" dirty="0"/>
+          </a:p>
+          <a:p>
+            <a:pPr lvl="1">
+              <a:spcBef>
+                <a:spcPts val="0"/>
+              </a:spcBef>
+              <a:spcAft>
+                <a:spcPts val="1200"/>
+              </a:spcAft>
+            </a:pPr>
+            <a:r>
+              <a:rPr lang="en-US" sz="1600" b="1" dirty="0"/>
+              <a:t>Right Troll</a:t>
+            </a:r>
+            <a:r>
+              <a:rPr lang="en-US" sz="1600" dirty="0"/>
+              <a:t>, spreading nativist and right-leaning populist messages. It supported the candidacy and Presidency of Donald Trump and denigrated the Democratic Party. </a:t>
+            </a:r>
+            <a:endParaRPr lang="en-US" sz="1600" dirty="0" smtClean="0"/>
+          </a:p>
+          <a:p>
+            <a:pPr lvl="1">
+              <a:spcBef>
+                <a:spcPts val="0"/>
+              </a:spcBef>
+              <a:spcAft>
+                <a:spcPts val="1200"/>
+              </a:spcAft>
+            </a:pPr>
+            <a:r>
+              <a:rPr lang="en-US" sz="1600" b="1" dirty="0" smtClean="0"/>
+              <a:t>Left </a:t>
+            </a:r>
+            <a:r>
+              <a:rPr lang="en-US" sz="1600" b="1" dirty="0"/>
+              <a:t>Troll</a:t>
+            </a:r>
+            <a:r>
+              <a:rPr lang="en-US" sz="1600" dirty="0"/>
+              <a:t>, sending socially liberal messages and discussing gender, sexual, religious, and -especially- racial identity. </a:t>
+            </a:r>
+            <a:endParaRPr lang="en-US" sz="1600" dirty="0" smtClean="0"/>
+          </a:p>
+          <a:p>
+            <a:pPr>
+              <a:spcBef>
+                <a:spcPts val="0"/>
+              </a:spcBef>
+              <a:spcAft>
+                <a:spcPts val="1200"/>
+              </a:spcAft>
+            </a:pPr>
+            <a:r>
+              <a:rPr lang="en-US" sz="1800" dirty="0"/>
+              <a:t>A</a:t>
+            </a:r>
+            <a:r>
+              <a:rPr lang="en-US" sz="1800" dirty="0" smtClean="0"/>
+              <a:t>nalyzed </a:t>
+            </a:r>
+            <a:r>
+              <a:rPr lang="en-US" sz="1800" dirty="0" err="1" smtClean="0"/>
+              <a:t>hashtags</a:t>
+            </a:r>
+            <a:r>
+              <a:rPr lang="en-US" sz="1800" dirty="0"/>
+              <a:t>, mentions, and topics of each </a:t>
+            </a:r>
+            <a:r>
+              <a:rPr lang="en-US" sz="1800" dirty="0" smtClean="0"/>
+              <a:t>group</a:t>
+            </a:r>
+            <a:endParaRPr lang="en-US" sz="1800" dirty="0"/>
+          </a:p>
+          <a:p>
+            <a:pPr lvl="0"/>
+            <a:endParaRPr lang="en-US" sz="1900" dirty="0"/>
+          </a:p>
+        </p:txBody>
+      </p:sp>
+    </p:spTree>
+    <p:extLst>
+      <p:ext uri="{BB962C8B-B14F-4D97-AF65-F5344CB8AC3E}">
+        <p14:creationId xmlns:p14="http://schemas.microsoft.com/office/powerpoint/2010/main" val="3398873902"/>
+      </p:ext>
+    </p:extLst>
+  </p:cSld>
+  <p:clrMapOvr>
+    <a:masterClrMapping/>
+  </p:clrMapOvr>
+  <p:timing>
+    <p:tnLst>
+      <p:par>
+        <p:cTn xmlns:p14="http://schemas.microsoft.com/office/powerpoint/2010/main" id="1" dur="indefinite" restart="never" nodeType="tmRoot"/>
+      </p:par>
+    </p:tnLst>
+  </p:timing>
+</p:sld>
+</file>
+
+<file path=ppt/slides/slide17.xml><?xml version="1.0" encoding="utf-8"?>
+<p:sld xmlns:a="http://schemas.openxmlformats.org/drawingml/2006/main" xmlns:r="http://schemas.openxmlformats.org/officeDocument/2006/relationships" xmlns:p="http://schemas.openxmlformats.org/presentationml/2006/main">
+  <p:cSld>
+    <p:spTree>
+      <p:nvGrpSpPr>
+        <p:cNvPr id="1" name=""/>
+        <p:cNvGrpSpPr/>
+        <p:nvPr/>
+      </p:nvGrpSpPr>
+      <p:grpSpPr>
+        <a:xfrm>
+          <a:off x="0" y="0"/>
+          <a:ext cx="0" cy="0"/>
+          <a:chOff x="0" y="0"/>
+          <a:chExt cx="0" cy="0"/>
+        </a:xfrm>
+      </p:grpSpPr>
+      <p:sp>
+        <p:nvSpPr>
           <p:cNvPr id="8" name="Rectangle 7"/>
           <p:cNvSpPr/>
           <p:nvPr/>
@@ -7980,7 +8219,7 @@
 </p:sld>
 </file>
 
-<file path=ppt/slides/slide17.xml><?xml version="1.0" encoding="utf-8"?>
+<file path=ppt/slides/slide18.xml><?xml version="1.0" encoding="utf-8"?>
 <p:sld xmlns:a="http://schemas.openxmlformats.org/drawingml/2006/main" xmlns:r="http://schemas.openxmlformats.org/officeDocument/2006/relationships" xmlns:p="http://schemas.openxmlformats.org/presentationml/2006/main">
   <p:cSld>
     <p:spTree>
@@ -8234,7 +8473,7 @@
 </p:sld>
 </file>
 
-<file path=ppt/slides/slide18.xml><?xml version="1.0" encoding="utf-8"?>
+<file path=ppt/slides/slide19.xml><?xml version="1.0" encoding="utf-8"?>
 <p:sld xmlns:a="http://schemas.openxmlformats.org/drawingml/2006/main" xmlns:r="http://schemas.openxmlformats.org/officeDocument/2006/relationships" xmlns:p="http://schemas.openxmlformats.org/presentationml/2006/main">
   <p:cSld>
     <p:spTree>
@@ -8416,7 +8655,198 @@
 </p:sld>
 </file>
 
-<file path=ppt/slides/slide19.xml><?xml version="1.0" encoding="utf-8"?>
+<file path=ppt/slides/slide2.xml><?xml version="1.0" encoding="utf-8"?>
+<p:sld xmlns:a="http://schemas.openxmlformats.org/drawingml/2006/main" xmlns:r="http://schemas.openxmlformats.org/officeDocument/2006/relationships" xmlns:p="http://schemas.openxmlformats.org/presentationml/2006/main">
+  <p:cSld>
+    <p:spTree>
+      <p:nvGrpSpPr>
+        <p:cNvPr id="1" name=""/>
+        <p:cNvGrpSpPr/>
+        <p:nvPr/>
+      </p:nvGrpSpPr>
+      <p:grpSpPr>
+        <a:xfrm>
+          <a:off x="0" y="0"/>
+          <a:ext cx="0" cy="0"/>
+          <a:chOff x="0" y="0"/>
+          <a:chExt cx="0" cy="0"/>
+        </a:xfrm>
+      </p:grpSpPr>
+      <p:sp>
+        <p:nvSpPr>
+          <p:cNvPr id="2" name="Title 1"/>
+          <p:cNvSpPr>
+            <a:spLocks noGrp="1"/>
+          </p:cNvSpPr>
+          <p:nvPr>
+            <p:ph type="title"/>
+          </p:nvPr>
+        </p:nvSpPr>
+        <p:spPr>
+          <a:xfrm>
+            <a:off x="914400" y="190092"/>
+            <a:ext cx="7315200" cy="865573"/>
+          </a:xfrm>
+        </p:spPr>
+        <p:txBody>
+          <a:bodyPr/>
+          <a:lstStyle/>
+          <a:p>
+            <a:pPr marL="45720" indent="0"/>
+            <a:r>
+              <a:rPr lang="en-US" dirty="0"/>
+              <a:t>Problem Statement</a:t>
+            </a:r>
+          </a:p>
+        </p:txBody>
+      </p:sp>
+      <p:sp>
+        <p:nvSpPr>
+          <p:cNvPr id="3" name="Content Placeholder 2"/>
+          <p:cNvSpPr>
+            <a:spLocks noGrp="1"/>
+          </p:cNvSpPr>
+          <p:nvPr>
+            <p:ph idx="1"/>
+          </p:nvPr>
+        </p:nvSpPr>
+        <p:spPr>
+          <a:xfrm>
+            <a:off x="914400" y="1291255"/>
+            <a:ext cx="7315200" cy="3652989"/>
+          </a:xfrm>
+        </p:spPr>
+        <p:txBody>
+          <a:bodyPr>
+            <a:normAutofit/>
+          </a:bodyPr>
+          <a:lstStyle/>
+          <a:p>
+            <a:pPr marL="45720" indent="0">
+              <a:buNone/>
+            </a:pPr>
+            <a:r>
+              <a:rPr lang="en-US" dirty="0"/>
+              <a:t> </a:t>
+            </a:r>
+          </a:p>
+          <a:p>
+            <a:pPr marL="45720" indent="0">
+              <a:spcBef>
+                <a:spcPts val="0"/>
+              </a:spcBef>
+              <a:buNone/>
+            </a:pPr>
+            <a:r>
+              <a:rPr lang="en-US" dirty="0" smtClean="0"/>
+              <a:t>In </a:t>
+            </a:r>
+            <a:r>
+              <a:rPr lang="en-US" dirty="0"/>
+              <a:t>the lead up to the 2016 US Election, and for a short time afterwards, social media users in he US were targeted by a disinformation campaign by a Russian “troll factory,” designed to “sow disinformation and discord into American politics via social </a:t>
+            </a:r>
+            <a:r>
+              <a:rPr lang="en-US" dirty="0" smtClean="0"/>
+              <a:t>media</a:t>
+            </a:r>
+            <a:r>
+              <a:rPr lang="en-US" dirty="0"/>
+              <a:t>.</a:t>
+            </a:r>
+            <a:r>
+              <a:rPr lang="en-US" dirty="0" smtClean="0"/>
+              <a:t>”</a:t>
+            </a:r>
+            <a:r>
+              <a:rPr lang="en-US" baseline="30000" dirty="0" smtClean="0"/>
+              <a:t>1</a:t>
+            </a:r>
+          </a:p>
+          <a:p>
+            <a:pPr marL="45720" indent="0">
+              <a:spcBef>
+                <a:spcPts val="0"/>
+              </a:spcBef>
+              <a:buNone/>
+            </a:pPr>
+            <a:endParaRPr lang="en-US" dirty="0"/>
+          </a:p>
+          <a:p>
+            <a:pPr marL="45720" indent="0">
+              <a:spcBef>
+                <a:spcPts val="0"/>
+              </a:spcBef>
+              <a:buNone/>
+            </a:pPr>
+            <a:endParaRPr lang="en-US" dirty="0" smtClean="0"/>
+          </a:p>
+          <a:p>
+            <a:pPr marL="45720" indent="0">
+              <a:spcBef>
+                <a:spcPts val="0"/>
+              </a:spcBef>
+              <a:buNone/>
+            </a:pPr>
+            <a:endParaRPr lang="en-US" dirty="0"/>
+          </a:p>
+          <a:p>
+            <a:pPr marL="45720" indent="0">
+              <a:spcBef>
+                <a:spcPts val="0"/>
+              </a:spcBef>
+              <a:buNone/>
+            </a:pPr>
+            <a:r>
+              <a:rPr lang="en-US" sz="1100" dirty="0" smtClean="0"/>
+              <a:t>1. </a:t>
+            </a:r>
+            <a:r>
+              <a:rPr lang="en-US" sz="1100" dirty="0" err="1" smtClean="0"/>
+              <a:t>FiveThirtyEight.com</a:t>
+            </a:r>
+            <a:r>
+              <a:rPr lang="en-US" sz="1100" dirty="0"/>
+              <a:t>, </a:t>
+            </a:r>
+            <a:r>
+              <a:rPr lang="en-US" sz="1100" u="sng" dirty="0">
+                <a:hlinkClick r:id="rId2"/>
+              </a:rPr>
+              <a:t>Why We’re Sharing 3 Million Russian Troll Tweets</a:t>
+            </a:r>
+            <a:r>
+              <a:rPr lang="en-US" sz="1100" dirty="0"/>
+              <a:t>, July 31, 2018 </a:t>
+            </a:r>
+            <a:r>
+              <a:rPr lang="en-US" sz="1100" dirty="0" smtClean="0"/>
+              <a:t> </a:t>
+            </a:r>
+            <a:endParaRPr lang="en-US" sz="1100" dirty="0"/>
+          </a:p>
+        </p:txBody>
+      </p:sp>
+    </p:spTree>
+    <p:extLst>
+      <p:ext uri="{BB962C8B-B14F-4D97-AF65-F5344CB8AC3E}">
+        <p14:creationId xmlns:p14="http://schemas.microsoft.com/office/powerpoint/2010/main" val="3879559531"/>
+      </p:ext>
+    </p:extLst>
+  </p:cSld>
+  <p:clrMapOvr>
+    <a:masterClrMapping/>
+  </p:clrMapOvr>
+  <p:timing>
+    <p:tnLst>
+      <p:par>
+        <p:cTn xmlns:p14="http://schemas.microsoft.com/office/powerpoint/2010/main" id="1" dur="indefinite" restart="never" nodeType="tmRoot"/>
+      </p:par>
+    </p:tnLst>
+  </p:timing>
+</p:sld>
+</file>
+
+<file path=ppt/slides/slide20.xml><?xml version="1.0" encoding="utf-8"?>
 <p:sld xmlns:a="http://schemas.openxmlformats.org/drawingml/2006/main" xmlns:r="http://schemas.openxmlformats.org/officeDocument/2006/relationships" xmlns:p="http://schemas.openxmlformats.org/presentationml/2006/main">
   <p:cSld>
     <p:spTree>
@@ -8813,197 +9243,6 @@
     <p:extLst>
       <p:ext uri="{BB962C8B-B14F-4D97-AF65-F5344CB8AC3E}">
         <p14:creationId xmlns:p14="http://schemas.microsoft.com/office/powerpoint/2010/main" val="25149131"/>
-      </p:ext>
-    </p:extLst>
-  </p:cSld>
-  <p:clrMapOvr>
-    <a:masterClrMapping/>
-  </p:clrMapOvr>
-  <p:timing>
-    <p:tnLst>
-      <p:par>
-        <p:cTn xmlns:p14="http://schemas.microsoft.com/office/powerpoint/2010/main" id="1" dur="indefinite" restart="never" nodeType="tmRoot"/>
-      </p:par>
-    </p:tnLst>
-  </p:timing>
-</p:sld>
-</file>
-
-<file path=ppt/slides/slide2.xml><?xml version="1.0" encoding="utf-8"?>
-<p:sld xmlns:a="http://schemas.openxmlformats.org/drawingml/2006/main" xmlns:r="http://schemas.openxmlformats.org/officeDocument/2006/relationships" xmlns:p="http://schemas.openxmlformats.org/presentationml/2006/main">
-  <p:cSld>
-    <p:spTree>
-      <p:nvGrpSpPr>
-        <p:cNvPr id="1" name=""/>
-        <p:cNvGrpSpPr/>
-        <p:nvPr/>
-      </p:nvGrpSpPr>
-      <p:grpSpPr>
-        <a:xfrm>
-          <a:off x="0" y="0"/>
-          <a:ext cx="0" cy="0"/>
-          <a:chOff x="0" y="0"/>
-          <a:chExt cx="0" cy="0"/>
-        </a:xfrm>
-      </p:grpSpPr>
-      <p:sp>
-        <p:nvSpPr>
-          <p:cNvPr id="2" name="Title 1"/>
-          <p:cNvSpPr>
-            <a:spLocks noGrp="1"/>
-          </p:cNvSpPr>
-          <p:nvPr>
-            <p:ph type="title"/>
-          </p:nvPr>
-        </p:nvSpPr>
-        <p:spPr>
-          <a:xfrm>
-            <a:off x="914400" y="190092"/>
-            <a:ext cx="7315200" cy="865573"/>
-          </a:xfrm>
-        </p:spPr>
-        <p:txBody>
-          <a:bodyPr/>
-          <a:lstStyle/>
-          <a:p>
-            <a:pPr marL="45720" indent="0"/>
-            <a:r>
-              <a:rPr lang="en-US" dirty="0"/>
-              <a:t>Problem Statement</a:t>
-            </a:r>
-          </a:p>
-        </p:txBody>
-      </p:sp>
-      <p:sp>
-        <p:nvSpPr>
-          <p:cNvPr id="3" name="Content Placeholder 2"/>
-          <p:cNvSpPr>
-            <a:spLocks noGrp="1"/>
-          </p:cNvSpPr>
-          <p:nvPr>
-            <p:ph idx="1"/>
-          </p:nvPr>
-        </p:nvSpPr>
-        <p:spPr>
-          <a:xfrm>
-            <a:off x="914400" y="1291255"/>
-            <a:ext cx="7315200" cy="3652989"/>
-          </a:xfrm>
-        </p:spPr>
-        <p:txBody>
-          <a:bodyPr>
-            <a:normAutofit/>
-          </a:bodyPr>
-          <a:lstStyle/>
-          <a:p>
-            <a:pPr marL="45720" indent="0">
-              <a:buNone/>
-            </a:pPr>
-            <a:r>
-              <a:rPr lang="en-US" dirty="0"/>
-              <a:t> </a:t>
-            </a:r>
-          </a:p>
-          <a:p>
-            <a:pPr marL="45720" indent="0">
-              <a:spcBef>
-                <a:spcPts val="0"/>
-              </a:spcBef>
-              <a:buNone/>
-            </a:pPr>
-            <a:r>
-              <a:rPr lang="en-US" dirty="0" smtClean="0"/>
-              <a:t>In </a:t>
-            </a:r>
-            <a:r>
-              <a:rPr lang="en-US" dirty="0"/>
-              <a:t>the lead up to the 2016 US Election, and for a short time afterwards, social media users in he US were targeted by a disinformation campaign by a Russian “troll factory,” designed to “sow disinformation and discord into American politics via social </a:t>
-            </a:r>
-            <a:r>
-              <a:rPr lang="en-US" dirty="0" smtClean="0"/>
-              <a:t>media</a:t>
-            </a:r>
-            <a:r>
-              <a:rPr lang="en-US" dirty="0"/>
-              <a:t>.</a:t>
-            </a:r>
-            <a:r>
-              <a:rPr lang="en-US" dirty="0" smtClean="0"/>
-              <a:t>”</a:t>
-            </a:r>
-            <a:r>
-              <a:rPr lang="en-US" baseline="30000" dirty="0" smtClean="0"/>
-              <a:t>1</a:t>
-            </a:r>
-          </a:p>
-          <a:p>
-            <a:pPr marL="45720" indent="0">
-              <a:spcBef>
-                <a:spcPts val="0"/>
-              </a:spcBef>
-              <a:buNone/>
-            </a:pPr>
-            <a:endParaRPr lang="en-US" dirty="0"/>
-          </a:p>
-          <a:p>
-            <a:pPr marL="45720" indent="0">
-              <a:spcBef>
-                <a:spcPts val="0"/>
-              </a:spcBef>
-              <a:buNone/>
-            </a:pPr>
-            <a:endParaRPr lang="en-US" dirty="0" smtClean="0"/>
-          </a:p>
-          <a:p>
-            <a:pPr marL="45720" indent="0">
-              <a:spcBef>
-                <a:spcPts val="0"/>
-              </a:spcBef>
-              <a:buNone/>
-            </a:pPr>
-            <a:endParaRPr lang="en-US" dirty="0"/>
-          </a:p>
-          <a:p>
-            <a:pPr marL="45720" indent="0">
-              <a:spcBef>
-                <a:spcPts val="0"/>
-              </a:spcBef>
-              <a:buNone/>
-            </a:pPr>
-            <a:r>
-              <a:rPr lang="en-US" sz="1100" dirty="0" smtClean="0"/>
-              <a:t>1. </a:t>
-            </a:r>
-            <a:r>
-              <a:rPr lang="en-US" sz="1100" dirty="0" err="1" smtClean="0"/>
-              <a:t>FiveThirtyEight.com</a:t>
-            </a:r>
-            <a:r>
-              <a:rPr lang="en-US" sz="1100" dirty="0"/>
-              <a:t>, </a:t>
-            </a:r>
-            <a:r>
-              <a:rPr lang="en-US" sz="1100" u="sng" dirty="0">
-                <a:hlinkClick r:id="rId2"/>
-              </a:rPr>
-              <a:t>Why We’re Sharing 3 Million Russian Troll Tweets</a:t>
-            </a:r>
-            <a:r>
-              <a:rPr lang="en-US" sz="1100" dirty="0"/>
-              <a:t>, July 31, 2018 </a:t>
-            </a:r>
-            <a:r>
-              <a:rPr lang="en-US" sz="1100" dirty="0" smtClean="0"/>
-              <a:t> </a:t>
-            </a:r>
-            <a:endParaRPr lang="en-US" sz="1100" dirty="0"/>
-          </a:p>
-        </p:txBody>
-      </p:sp>
-    </p:spTree>
-    <p:extLst>
-      <p:ext uri="{BB962C8B-B14F-4D97-AF65-F5344CB8AC3E}">
-        <p14:creationId xmlns:p14="http://schemas.microsoft.com/office/powerpoint/2010/main" val="3879559531"/>
       </p:ext>
     </p:extLst>
   </p:cSld>

--- a/reports/Capstone2_Final_Report_Pres.pptx
+++ b/reports/Capstone2_Final_Report_Pres.pptx
@@ -14,17 +14,20 @@
     <p:sldId id="263" r:id="rId8"/>
     <p:sldId id="287" r:id="rId9"/>
     <p:sldId id="284" r:id="rId10"/>
-    <p:sldId id="288" r:id="rId11"/>
-    <p:sldId id="289" r:id="rId12"/>
-    <p:sldId id="290" r:id="rId13"/>
-    <p:sldId id="293" r:id="rId14"/>
-    <p:sldId id="294" r:id="rId15"/>
-    <p:sldId id="295" r:id="rId16"/>
-    <p:sldId id="298" r:id="rId17"/>
-    <p:sldId id="291" r:id="rId18"/>
-    <p:sldId id="297" r:id="rId19"/>
-    <p:sldId id="296" r:id="rId20"/>
-    <p:sldId id="292" r:id="rId21"/>
+    <p:sldId id="299" r:id="rId11"/>
+    <p:sldId id="300" r:id="rId12"/>
+    <p:sldId id="288" r:id="rId13"/>
+    <p:sldId id="301" r:id="rId14"/>
+    <p:sldId id="289" r:id="rId15"/>
+    <p:sldId id="290" r:id="rId16"/>
+    <p:sldId id="293" r:id="rId17"/>
+    <p:sldId id="294" r:id="rId18"/>
+    <p:sldId id="295" r:id="rId19"/>
+    <p:sldId id="298" r:id="rId20"/>
+    <p:sldId id="291" r:id="rId21"/>
+    <p:sldId id="297" r:id="rId22"/>
+    <p:sldId id="296" r:id="rId23"/>
+    <p:sldId id="292" r:id="rId24"/>
   </p:sldIdLst>
   <p:sldSz cx="9144000" cy="5143500" type="screen16x9"/>
   <p:notesSz cx="6858000" cy="9144000"/>
@@ -6489,13 +6492,7 @@
               <a:rPr lang="en-US" sz="3200" dirty="0" smtClean="0">
                 <a:effectLst/>
               </a:rPr>
-              <a:t>Examining the Influence and Reach of the Russian Troll </a:t>
-            </a:r>
-            <a:r>
-              <a:rPr lang="en-US" sz="3200" dirty="0" smtClean="0">
-                <a:effectLst/>
-              </a:rPr>
-              <a:t>Factory</a:t>
+              <a:t>Examining the Influence and Reach of the Russian Troll Factory</a:t>
             </a:r>
             <a:endParaRPr lang="en-US" sz="3200" dirty="0"/>
           </a:p>
@@ -6605,7 +6602,15 @@
             <a:pPr marL="45720" indent="0"/>
             <a:r>
               <a:rPr lang="en-US" sz="3300" dirty="0" smtClean="0"/>
-              <a:t>Text Pre-processing</a:t>
+              <a:t>EDA </a:t>
+            </a:r>
+            <a:r>
+              <a:rPr lang="mr-IN" sz="3300" dirty="0" smtClean="0"/>
+              <a:t>–</a:t>
+            </a:r>
+            <a:r>
+              <a:rPr lang="en-US" sz="3300" dirty="0" smtClean="0"/>
+              <a:t> Activity Timeline</a:t>
             </a:r>
             <a:endParaRPr lang="en-US" sz="3300" dirty="0"/>
           </a:p>
@@ -6624,7 +6629,7 @@
         <p:spPr>
           <a:xfrm>
             <a:off x="914400" y="1129147"/>
-            <a:ext cx="4260557" cy="3369303"/>
+            <a:ext cx="7551994" cy="3369303"/>
           </a:xfrm>
         </p:spPr>
         <p:txBody>
@@ -6633,16 +6638,160 @@
           </a:bodyPr>
           <a:lstStyle/>
           <a:p>
-            <a:pPr marL="45720" indent="0">
+            <a:pPr>
+              <a:spcBef>
+                <a:spcPts val="0"/>
+              </a:spcBef>
               <a:spcAft>
                 <a:spcPts val="1200"/>
               </a:spcAft>
+            </a:pPr>
+            <a:r>
+              <a:rPr lang="en-US" dirty="0" smtClean="0"/>
+              <a:t>A </a:t>
+            </a:r>
+            <a:r>
+              <a:rPr lang="en-US" dirty="0"/>
+              <a:t>primary </a:t>
+            </a:r>
+            <a:r>
+              <a:rPr lang="en-US" dirty="0" smtClean="0"/>
+              <a:t>area </a:t>
+            </a:r>
+            <a:r>
+              <a:rPr lang="en-US" dirty="0"/>
+              <a:t>of interest was the timing of </a:t>
+            </a:r>
+            <a:r>
+              <a:rPr lang="en-US" dirty="0" smtClean="0"/>
+              <a:t>troll </a:t>
+            </a:r>
+            <a:r>
+              <a:rPr lang="en-US" dirty="0"/>
+              <a:t>activity and how </a:t>
+            </a:r>
+            <a:r>
+              <a:rPr lang="en-US" dirty="0" smtClean="0"/>
+              <a:t>it aligned </a:t>
+            </a:r>
+            <a:r>
+              <a:rPr lang="en-US" dirty="0"/>
+              <a:t>with major events in the election cycle</a:t>
+            </a:r>
+            <a:r>
+              <a:rPr lang="en-US" dirty="0" smtClean="0"/>
+              <a:t>.</a:t>
+            </a:r>
+          </a:p>
+          <a:p>
+            <a:pPr>
+              <a:spcBef>
+                <a:spcPts val="0"/>
+              </a:spcBef>
+              <a:spcAft>
+                <a:spcPts val="1200"/>
+              </a:spcAft>
+            </a:pPr>
+            <a:r>
+              <a:rPr lang="en-US" dirty="0" smtClean="0"/>
+              <a:t>Focused on </a:t>
+            </a:r>
+            <a:r>
+              <a:rPr lang="en-US" dirty="0"/>
+              <a:t>a </a:t>
+            </a:r>
+            <a:r>
+              <a:rPr lang="en-US" dirty="0" smtClean="0"/>
+              <a:t>time window beginning in </a:t>
+            </a:r>
+            <a:r>
+              <a:rPr lang="en-US" dirty="0"/>
+              <a:t>June, 2015 </a:t>
+            </a:r>
+            <a:r>
+              <a:rPr lang="en-US" dirty="0" smtClean="0"/>
+              <a:t>(Trump announces candidacy) and </a:t>
+            </a:r>
+            <a:r>
+              <a:rPr lang="en-US" dirty="0"/>
+              <a:t>ending in January </a:t>
+            </a:r>
+            <a:r>
+              <a:rPr lang="en-US" dirty="0" smtClean="0"/>
+              <a:t>2018 (when the troll </a:t>
+            </a:r>
+            <a:r>
+              <a:rPr lang="en-US" dirty="0"/>
+              <a:t>accounts were </a:t>
+            </a:r>
+            <a:r>
+              <a:rPr lang="en-US" dirty="0" smtClean="0"/>
+              <a:t>identified). </a:t>
+            </a:r>
+          </a:p>
+          <a:p>
+            <a:pPr>
+              <a:spcBef>
+                <a:spcPts val="0"/>
+              </a:spcBef>
+              <a:spcAft>
+                <a:spcPts val="1200"/>
+              </a:spcAft>
+            </a:pPr>
+            <a:r>
+              <a:rPr lang="en-US" dirty="0"/>
+              <a:t>S</a:t>
+            </a:r>
+            <a:r>
+              <a:rPr lang="en-US" dirty="0" smtClean="0"/>
+              <a:t>ignificant </a:t>
+            </a:r>
+            <a:r>
+              <a:rPr lang="en-US" dirty="0"/>
+              <a:t>events in the 2016 election </a:t>
+            </a:r>
+            <a:r>
+              <a:rPr lang="en-US" dirty="0" smtClean="0"/>
+              <a:t>cycle were </a:t>
+            </a:r>
+            <a:r>
+              <a:rPr lang="en-US" dirty="0"/>
+              <a:t>annotated </a:t>
+            </a:r>
+            <a:r>
+              <a:rPr lang="en-US" dirty="0" smtClean="0"/>
+              <a:t>on </a:t>
+            </a:r>
+            <a:r>
+              <a:rPr lang="en-US" dirty="0"/>
+              <a:t>the </a:t>
+            </a:r>
+            <a:r>
+              <a:rPr lang="en-US" dirty="0" smtClean="0"/>
+              <a:t>timeline: party </a:t>
+            </a:r>
+            <a:r>
+              <a:rPr lang="en-US" dirty="0"/>
+              <a:t>debates, presidential debates, </a:t>
+            </a:r>
+            <a:r>
+              <a:rPr lang="en-US" dirty="0" smtClean="0"/>
+              <a:t>and the </a:t>
+            </a:r>
+            <a:r>
+              <a:rPr lang="en-US" dirty="0"/>
+              <a:t>Charlottesville white supremacist rally.</a:t>
+            </a:r>
+            <a:r>
+              <a:rPr lang="en-US" dirty="0"/>
+              <a:t> </a:t>
+            </a:r>
+            <a:endParaRPr lang="en-US" dirty="0"/>
+          </a:p>
+          <a:p>
+            <a:pPr marL="45720" indent="0">
               <a:buNone/>
             </a:pPr>
-            <a:r>
-              <a:rPr lang="en-US" dirty="0" smtClean="0"/>
-              <a:t>Conclude</a:t>
-            </a:r>
             <a:endParaRPr lang="en-US" dirty="0"/>
           </a:p>
           <a:p>
@@ -6677,7 +6826,7 @@
     </p:spTree>
     <p:extLst>
       <p:ext uri="{BB962C8B-B14F-4D97-AF65-F5344CB8AC3E}">
-        <p14:creationId xmlns:p14="http://schemas.microsoft.com/office/powerpoint/2010/main" val="3499042768"/>
+        <p14:creationId xmlns:p14="http://schemas.microsoft.com/office/powerpoint/2010/main" val="2103802706"/>
       </p:ext>
     </p:extLst>
   </p:cSld>
@@ -6723,7 +6872,7 @@
         </p:nvSpPr>
         <p:spPr>
           <a:xfrm>
-            <a:off x="914400" y="190092"/>
+            <a:off x="914400" y="1932"/>
             <a:ext cx="7315200" cy="865573"/>
           </a:xfrm>
         </p:spPr>
@@ -6736,79 +6885,107 @@
             <a:pPr marL="45720" indent="0"/>
             <a:r>
               <a:rPr lang="en-US" sz="3300" dirty="0" smtClean="0"/>
-              <a:t>Analysis</a:t>
+              <a:t>EDA </a:t>
+            </a:r>
+            <a:r>
+              <a:rPr lang="mr-IN" sz="3300" dirty="0" smtClean="0"/>
+              <a:t>–</a:t>
+            </a:r>
+            <a:r>
+              <a:rPr lang="en-US" sz="3300" dirty="0" smtClean="0"/>
+              <a:t> Activity Timeline</a:t>
             </a:r>
             <a:endParaRPr lang="en-US" sz="3300" dirty="0"/>
           </a:p>
         </p:txBody>
       </p:sp>
+      <p:pic>
+        <p:nvPicPr>
+          <p:cNvPr id="4" name="Picture 3"/>
+          <p:cNvPicPr/>
+          <p:nvPr/>
+        </p:nvPicPr>
+        <p:blipFill>
+          <a:blip r:embed="rId2">
+            <a:extLst>
+              <a:ext uri="{28A0092B-C50C-407E-A947-70E740481C1C}">
+                <a14:useLocalDpi xmlns:a14="http://schemas.microsoft.com/office/drawing/2010/main" val="0"/>
+              </a:ext>
+            </a:extLst>
+          </a:blip>
+          <a:srcRect/>
+          <a:stretch>
+            <a:fillRect/>
+          </a:stretch>
+        </p:blipFill>
+        <p:spPr bwMode="auto">
+          <a:xfrm>
+            <a:off x="914400" y="999594"/>
+            <a:ext cx="7559357" cy="3692618"/>
+          </a:xfrm>
+          <a:prstGeom prst="rect">
+            <a:avLst/>
+          </a:prstGeom>
+          <a:noFill/>
+          <a:ln>
+            <a:noFill/>
+          </a:ln>
+        </p:spPr>
+      </p:pic>
       <p:sp>
         <p:nvSpPr>
-          <p:cNvPr id="3" name="Content Placeholder 2"/>
-          <p:cNvSpPr>
-            <a:spLocks noGrp="1"/>
-          </p:cNvSpPr>
-          <p:nvPr>
-            <p:ph idx="1"/>
-          </p:nvPr>
+          <p:cNvPr id="6" name="TextBox 5"/>
+          <p:cNvSpPr txBox="1"/>
+          <p:nvPr/>
         </p:nvSpPr>
         <p:spPr>
           <a:xfrm>
-            <a:off x="914400" y="1129147"/>
-            <a:ext cx="4260557" cy="3369303"/>
+            <a:off x="2167309" y="4733151"/>
+            <a:ext cx="4809382" cy="276999"/>
           </a:xfrm>
+          <a:prstGeom prst="rect">
+            <a:avLst/>
+          </a:prstGeom>
+          <a:noFill/>
         </p:spPr>
         <p:txBody>
-          <a:bodyPr>
-            <a:noAutofit/>
+          <a:bodyPr wrap="square" rtlCol="0">
+            <a:spAutoFit/>
           </a:bodyPr>
           <a:lstStyle/>
           <a:p>
-            <a:pPr marL="45720" indent="0">
-              <a:spcAft>
-                <a:spcPts val="1200"/>
-              </a:spcAft>
-              <a:buNone/>
-            </a:pPr>
-            <a:r>
-              <a:rPr lang="en-US" dirty="0" smtClean="0"/>
-              <a:t>Conclude</a:t>
-            </a:r>
-            <a:endParaRPr lang="en-US" dirty="0"/>
-          </a:p>
-          <a:p>
-            <a:pPr marL="45720" indent="0">
-              <a:spcAft>
-                <a:spcPts val="1200"/>
-              </a:spcAft>
-              <a:buNone/>
-            </a:pPr>
-            <a:r>
-              <a:rPr lang="en-US" sz="1900" dirty="0"/>
-              <a:t> </a:t>
-            </a:r>
-          </a:p>
-          <a:p>
-            <a:pPr marL="45720" indent="0">
-              <a:lnSpc>
-                <a:spcPct val="110000"/>
-              </a:lnSpc>
-              <a:spcBef>
-                <a:spcPts val="0"/>
-              </a:spcBef>
-              <a:spcAft>
-                <a:spcPts val="1200"/>
-              </a:spcAft>
-              <a:buNone/>
-            </a:pPr>
-            <a:endParaRPr lang="en-US" sz="1900" dirty="0"/>
+            <a:r>
+              <a:rPr lang="en-US" sz="1200" dirty="0" smtClean="0">
+                <a:latin typeface="Calibri"/>
+                <a:cs typeface="Calibri"/>
+              </a:rPr>
+              <a:t>Clear spikes </a:t>
+            </a:r>
+            <a:r>
+              <a:rPr lang="en-US" sz="1200" dirty="0">
+                <a:latin typeface="Calibri"/>
+                <a:cs typeface="Calibri"/>
+              </a:rPr>
+              <a:t>in troll activity </a:t>
+            </a:r>
+            <a:r>
+              <a:rPr lang="en-US" sz="1200" dirty="0" smtClean="0">
+                <a:latin typeface="Calibri"/>
+                <a:cs typeface="Calibri"/>
+              </a:rPr>
+              <a:t>aligning with significant 2016 Election Events</a:t>
+            </a:r>
+            <a:endParaRPr lang="en-US" sz="1200" dirty="0">
+              <a:latin typeface="Calibri"/>
+              <a:cs typeface="Calibri"/>
+            </a:endParaRPr>
           </a:p>
         </p:txBody>
       </p:sp>
     </p:spTree>
     <p:extLst>
       <p:ext uri="{BB962C8B-B14F-4D97-AF65-F5344CB8AC3E}">
-        <p14:creationId xmlns:p14="http://schemas.microsoft.com/office/powerpoint/2010/main" val="3741844559"/>
+        <p14:creationId xmlns:p14="http://schemas.microsoft.com/office/powerpoint/2010/main" val="599354272"/>
       </p:ext>
     </p:extLst>
   </p:cSld>
@@ -6867,23 +7044,7 @@
             <a:pPr marL="45720" indent="0"/>
             <a:r>
               <a:rPr lang="en-US" sz="3300" dirty="0" smtClean="0"/>
-              <a:t>NLP - </a:t>
-            </a:r>
-            <a:r>
-              <a:rPr lang="en-US" sz="3600" dirty="0"/>
-              <a:t>Latent </a:t>
-            </a:r>
-            <a:r>
-              <a:rPr lang="en-US" sz="3600" dirty="0" err="1"/>
-              <a:t>Dirichlet</a:t>
-            </a:r>
-            <a:r>
-              <a:rPr lang="en-US" sz="3600" dirty="0"/>
-              <a:t> </a:t>
-            </a:r>
-            <a:r>
-              <a:rPr lang="en-US" sz="3600" dirty="0" smtClean="0"/>
-              <a:t>Allocation</a:t>
+              <a:t>Text Pre-processing</a:t>
             </a:r>
             <a:endParaRPr lang="en-US" sz="3300" dirty="0"/>
           </a:p>
@@ -6902,7 +7063,7 @@
         <p:spPr>
           <a:xfrm>
             <a:off x="914400" y="1129147"/>
-            <a:ext cx="7504959" cy="3369303"/>
+            <a:ext cx="7696200" cy="3369303"/>
           </a:xfrm>
         </p:spPr>
         <p:txBody>
@@ -6911,165 +7072,72 @@
           </a:bodyPr>
           <a:lstStyle/>
           <a:p>
-            <a:pPr>
-              <a:spcAft>
-                <a:spcPts val="1200"/>
-              </a:spcAft>
+            <a:r>
+              <a:rPr lang="en-US" dirty="0"/>
+              <a:t>Before any form of NLP can be undertaken, text pre-processing must be </a:t>
+            </a:r>
+            <a:r>
+              <a:rPr lang="en-US" dirty="0" smtClean="0"/>
+              <a:t>performed to prepare the data to be machine-readable</a:t>
+            </a:r>
+          </a:p>
+          <a:p>
+            <a:r>
+              <a:rPr lang="en-US" dirty="0" smtClean="0"/>
+              <a:t>Text </a:t>
+            </a:r>
+            <a:r>
+              <a:rPr lang="en-US" dirty="0"/>
+              <a:t>pre-processing consists of </a:t>
+            </a:r>
+            <a:r>
+              <a:rPr lang="en-US" dirty="0" smtClean="0"/>
+              <a:t>:</a:t>
+            </a:r>
+            <a:endParaRPr lang="en-US" dirty="0"/>
+          </a:p>
+          <a:p>
+            <a:pPr lvl="1"/>
+            <a:r>
+              <a:rPr lang="en-US" dirty="0"/>
+              <a:t>Noise Removal</a:t>
+            </a:r>
+          </a:p>
+          <a:p>
+            <a:pPr lvl="1"/>
+            <a:r>
+              <a:rPr lang="en-US" dirty="0"/>
+              <a:t>Tokenization</a:t>
+            </a:r>
+          </a:p>
+          <a:p>
+            <a:pPr lvl="1"/>
+            <a:r>
+              <a:rPr lang="en-US" dirty="0"/>
+              <a:t>Normalization (i.e., stemming or lemmatization)</a:t>
+            </a:r>
+          </a:p>
+          <a:p>
+            <a:pPr marL="45720" indent="0">
+              <a:buNone/>
             </a:pPr>
+            <a:endParaRPr lang="en-US" dirty="0"/>
+          </a:p>
+          <a:p>
             <a:r>
               <a:rPr lang="en-US" dirty="0"/>
-              <a:t>Latent </a:t>
-            </a:r>
-            <a:r>
-              <a:rPr lang="en-US" dirty="0" err="1"/>
-              <a:t>Dirichlet</a:t>
-            </a:r>
+              <a:t>Tokenization is the process of converting a text into tokens – words or entities present in the text.</a:t>
+            </a:r>
+          </a:p>
+          <a:p>
             <a:r>
               <a:rPr lang="en-US" dirty="0"/>
-              <a:t> Allocation (LDA)</a:t>
-            </a:r>
-            <a:r>
-              <a:rPr lang="en-US" dirty="0"/>
-              <a:t> </a:t>
-            </a:r>
-            <a:r>
-              <a:rPr lang="en-US" dirty="0" smtClean="0"/>
-              <a:t>is the topic modeling algorithm that was used</a:t>
+              <a:t> </a:t>
             </a:r>
             <a:r>
               <a:rPr lang="en-US" sz="1900" dirty="0"/>
               <a:t> </a:t>
             </a:r>
-          </a:p>
-          <a:p>
-            <a:pPr>
-              <a:lnSpc>
-                <a:spcPct val="110000"/>
-              </a:lnSpc>
-              <a:spcBef>
-                <a:spcPts val="0"/>
-              </a:spcBef>
-              <a:spcAft>
-                <a:spcPts val="1200"/>
-              </a:spcAft>
-            </a:pPr>
-            <a:r>
-              <a:rPr lang="en-US" sz="1800" dirty="0"/>
-              <a:t>U</a:t>
-            </a:r>
-            <a:r>
-              <a:rPr lang="en-US" sz="1800" dirty="0" smtClean="0"/>
-              <a:t>sed </a:t>
-            </a:r>
-            <a:r>
-              <a:rPr lang="en-US" sz="1800" dirty="0"/>
-              <a:t>to classify text in a document and assign it to a particular topic. </a:t>
-            </a:r>
-            <a:endParaRPr lang="en-US" sz="1800" dirty="0" smtClean="0"/>
-          </a:p>
-          <a:p>
-            <a:pPr>
-              <a:lnSpc>
-                <a:spcPct val="110000"/>
-              </a:lnSpc>
-              <a:spcBef>
-                <a:spcPts val="0"/>
-              </a:spcBef>
-              <a:spcAft>
-                <a:spcPts val="1200"/>
-              </a:spcAft>
-            </a:pPr>
-            <a:r>
-              <a:rPr lang="en-US" sz="1800" dirty="0"/>
-              <a:t>B</a:t>
-            </a:r>
-            <a:r>
-              <a:rPr lang="en-US" sz="1800" dirty="0" smtClean="0"/>
-              <a:t>uilds </a:t>
-            </a:r>
-            <a:r>
-              <a:rPr lang="en-US" sz="1800" dirty="0"/>
-              <a:t>a “topic per document” model and “words per topic” model, modeled as </a:t>
-            </a:r>
-            <a:r>
-              <a:rPr lang="en-US" sz="1800" u="sng" dirty="0">
-                <a:hlinkClick r:id="rId2"/>
-              </a:rPr>
-              <a:t>Dirichlet distributions</a:t>
-            </a:r>
-            <a:r>
-              <a:rPr lang="en-US" sz="1800" dirty="0" smtClean="0"/>
-              <a:t>.</a:t>
-            </a:r>
-          </a:p>
-          <a:p>
-            <a:pPr>
-              <a:lnSpc>
-                <a:spcPct val="110000"/>
-              </a:lnSpc>
-              <a:spcBef>
-                <a:spcPts val="0"/>
-              </a:spcBef>
-              <a:spcAft>
-                <a:spcPts val="1200"/>
-              </a:spcAft>
-            </a:pPr>
-            <a:r>
-              <a:rPr lang="en-US" sz="1800" dirty="0" smtClean="0"/>
-              <a:t>Requires a sparse vector</a:t>
-            </a:r>
-          </a:p>
-          <a:p>
-            <a:pPr lvl="1">
-              <a:lnSpc>
-                <a:spcPct val="110000"/>
-              </a:lnSpc>
-              <a:spcBef>
-                <a:spcPts val="0"/>
-              </a:spcBef>
-              <a:spcAft>
-                <a:spcPts val="1200"/>
-              </a:spcAft>
-            </a:pPr>
-            <a:r>
-              <a:rPr lang="en-US" sz="1600" dirty="0" smtClean="0"/>
-              <a:t>Created a bag-of-words </a:t>
-            </a:r>
-            <a:r>
-              <a:rPr lang="en-US" sz="1600" dirty="0"/>
-              <a:t>document representation</a:t>
-            </a:r>
-            <a:r>
-              <a:rPr lang="en-US" sz="1600" dirty="0"/>
-              <a:t> </a:t>
-            </a:r>
-            <a:endParaRPr lang="en-US" sz="1600" dirty="0" smtClean="0"/>
-          </a:p>
-          <a:p>
-            <a:pPr>
-              <a:lnSpc>
-                <a:spcPct val="110000"/>
-              </a:lnSpc>
-              <a:spcBef>
-                <a:spcPts val="0"/>
-              </a:spcBef>
-              <a:spcAft>
-                <a:spcPts val="1200"/>
-              </a:spcAft>
-            </a:pPr>
-            <a:r>
-              <a:rPr lang="en-US" sz="2000" dirty="0" smtClean="0"/>
-              <a:t>Used </a:t>
-            </a:r>
-            <a:r>
-              <a:rPr lang="en-US" sz="2000" dirty="0" err="1" smtClean="0"/>
-              <a:t>Gensim</a:t>
-            </a:r>
-            <a:r>
-              <a:rPr lang="en-US" sz="2000" dirty="0" smtClean="0"/>
-              <a:t> NLP Library</a:t>
-            </a:r>
-            <a:endParaRPr lang="en-US" sz="2000" dirty="0"/>
           </a:p>
           <a:p>
             <a:pPr marL="45720" indent="0">
@@ -7091,7 +7159,7 @@
     </p:spTree>
     <p:extLst>
       <p:ext uri="{BB962C8B-B14F-4D97-AF65-F5344CB8AC3E}">
-        <p14:creationId xmlns:p14="http://schemas.microsoft.com/office/powerpoint/2010/main" val="726953845"/>
+        <p14:creationId xmlns:p14="http://schemas.microsoft.com/office/powerpoint/2010/main" val="3499042768"/>
       </p:ext>
     </p:extLst>
   </p:cSld>
@@ -7150,6 +7218,782 @@
             <a:pPr marL="45720" indent="0"/>
             <a:r>
               <a:rPr lang="en-US" sz="3300" dirty="0" smtClean="0"/>
+              <a:t>Text Pre-processing</a:t>
+            </a:r>
+            <a:endParaRPr lang="en-US" sz="3300" dirty="0"/>
+          </a:p>
+        </p:txBody>
+      </p:sp>
+      <p:sp>
+        <p:nvSpPr>
+          <p:cNvPr id="3" name="Content Placeholder 2"/>
+          <p:cNvSpPr>
+            <a:spLocks noGrp="1"/>
+          </p:cNvSpPr>
+          <p:nvPr>
+            <p:ph idx="1"/>
+          </p:nvPr>
+        </p:nvSpPr>
+        <p:spPr>
+          <a:xfrm>
+            <a:off x="914400" y="1129147"/>
+            <a:ext cx="7696200" cy="3369303"/>
+          </a:xfrm>
+        </p:spPr>
+        <p:txBody>
+          <a:bodyPr>
+            <a:noAutofit/>
+          </a:bodyPr>
+          <a:lstStyle/>
+          <a:p>
+            <a:pPr>
+              <a:spcBef>
+                <a:spcPts val="0"/>
+              </a:spcBef>
+              <a:spcAft>
+                <a:spcPts val="800"/>
+              </a:spcAft>
+            </a:pPr>
+            <a:r>
+              <a:rPr lang="en-US" dirty="0" smtClean="0"/>
+              <a:t>Text </a:t>
+            </a:r>
+            <a:r>
+              <a:rPr lang="en-US" dirty="0"/>
+              <a:t>normalization includes:</a:t>
+            </a:r>
+          </a:p>
+          <a:p>
+            <a:pPr lvl="1">
+              <a:spcBef>
+                <a:spcPts val="0"/>
+              </a:spcBef>
+              <a:spcAft>
+                <a:spcPts val="800"/>
+              </a:spcAft>
+            </a:pPr>
+            <a:r>
+              <a:rPr lang="en-US" dirty="0"/>
+              <a:t>converting all letters to lower or upper case</a:t>
+            </a:r>
+          </a:p>
+          <a:p>
+            <a:pPr lvl="1">
+              <a:spcBef>
+                <a:spcPts val="0"/>
+              </a:spcBef>
+              <a:spcAft>
+                <a:spcPts val="800"/>
+              </a:spcAft>
+            </a:pPr>
+            <a:r>
+              <a:rPr lang="en-US" dirty="0"/>
+              <a:t>converting numbers into words or removing numbers</a:t>
+            </a:r>
+          </a:p>
+          <a:p>
+            <a:pPr lvl="1">
+              <a:spcBef>
+                <a:spcPts val="0"/>
+              </a:spcBef>
+              <a:spcAft>
+                <a:spcPts val="800"/>
+              </a:spcAft>
+            </a:pPr>
+            <a:r>
+              <a:rPr lang="en-US" dirty="0"/>
+              <a:t>removing punctuations and accent marks</a:t>
+            </a:r>
+          </a:p>
+          <a:p>
+            <a:pPr lvl="1">
+              <a:spcBef>
+                <a:spcPts val="0"/>
+              </a:spcBef>
+              <a:spcAft>
+                <a:spcPts val="800"/>
+              </a:spcAft>
+            </a:pPr>
+            <a:r>
+              <a:rPr lang="en-US" dirty="0"/>
+              <a:t>removing white spaces</a:t>
+            </a:r>
+          </a:p>
+          <a:p>
+            <a:pPr lvl="1">
+              <a:spcBef>
+                <a:spcPts val="0"/>
+              </a:spcBef>
+              <a:spcAft>
+                <a:spcPts val="800"/>
+              </a:spcAft>
+            </a:pPr>
+            <a:r>
+              <a:rPr lang="en-US" dirty="0"/>
+              <a:t>removing stop words, sparse terms, and particular words</a:t>
+            </a:r>
+          </a:p>
+          <a:p>
+            <a:pPr>
+              <a:spcBef>
+                <a:spcPts val="0"/>
+              </a:spcBef>
+              <a:spcAft>
+                <a:spcPts val="800"/>
+              </a:spcAft>
+            </a:pPr>
+            <a:r>
+              <a:rPr lang="en-US" dirty="0"/>
+              <a:t> </a:t>
+            </a:r>
+            <a:r>
+              <a:rPr lang="en-US" sz="1900" dirty="0"/>
+              <a:t> </a:t>
+            </a:r>
+            <a:r>
+              <a:rPr lang="en-US" sz="1800" dirty="0" smtClean="0"/>
+              <a:t>Lemmatization</a:t>
+            </a:r>
+            <a:r>
+              <a:rPr lang="en-US" sz="1800" dirty="0"/>
+              <a:t> </a:t>
+            </a:r>
+          </a:p>
+          <a:p>
+            <a:pPr lvl="1">
+              <a:spcBef>
+                <a:spcPts val="0"/>
+              </a:spcBef>
+              <a:spcAft>
+                <a:spcPts val="800"/>
+              </a:spcAft>
+            </a:pPr>
+            <a:r>
+              <a:rPr lang="en-US" sz="1600" dirty="0" smtClean="0"/>
+              <a:t>Reducing multiple </a:t>
+            </a:r>
+            <a:r>
+              <a:rPr lang="en-US" sz="1600" dirty="0"/>
+              <a:t>forms of a word to a common base </a:t>
+            </a:r>
+            <a:r>
+              <a:rPr lang="en-US" sz="1600" dirty="0" smtClean="0"/>
+              <a:t>form</a:t>
+            </a:r>
+          </a:p>
+          <a:p>
+            <a:pPr lvl="1">
+              <a:spcBef>
+                <a:spcPts val="0"/>
+              </a:spcBef>
+              <a:spcAft>
+                <a:spcPts val="800"/>
+              </a:spcAft>
+            </a:pPr>
+            <a:r>
+              <a:rPr lang="en-US" sz="1600" dirty="0" smtClean="0"/>
+              <a:t>For the words </a:t>
+            </a:r>
+            <a:r>
+              <a:rPr lang="en-US" sz="1600" dirty="0"/>
+              <a:t>“studying” and “studies</a:t>
+            </a:r>
+            <a:r>
+              <a:rPr lang="en-US" sz="1600" dirty="0" smtClean="0"/>
+              <a:t>”, lemmatization </a:t>
+            </a:r>
+            <a:r>
+              <a:rPr lang="en-US" sz="1600" dirty="0"/>
+              <a:t>would </a:t>
+            </a:r>
+            <a:r>
+              <a:rPr lang="en-US" sz="1600" dirty="0" smtClean="0"/>
+              <a:t>reduce to </a:t>
+            </a:r>
+            <a:r>
+              <a:rPr lang="en-US" sz="1600" dirty="0"/>
+              <a:t>the base word (known as a lemma) “study</a:t>
+            </a:r>
+            <a:r>
+              <a:rPr lang="en-US" sz="1600" dirty="0" smtClean="0"/>
+              <a:t>”</a:t>
+            </a:r>
+            <a:endParaRPr lang="en-US" sz="1900" dirty="0"/>
+          </a:p>
+        </p:txBody>
+      </p:sp>
+    </p:spTree>
+    <p:extLst>
+      <p:ext uri="{BB962C8B-B14F-4D97-AF65-F5344CB8AC3E}">
+        <p14:creationId xmlns:p14="http://schemas.microsoft.com/office/powerpoint/2010/main" val="2918810559"/>
+      </p:ext>
+    </p:extLst>
+  </p:cSld>
+  <p:clrMapOvr>
+    <a:masterClrMapping/>
+  </p:clrMapOvr>
+  <p:timing>
+    <p:tnLst>
+      <p:par>
+        <p:cTn xmlns:p14="http://schemas.microsoft.com/office/powerpoint/2010/main" id="1" dur="indefinite" restart="never" nodeType="tmRoot"/>
+      </p:par>
+    </p:tnLst>
+  </p:timing>
+</p:sld>
+</file>
+
+<file path=ppt/slides/slide14.xml><?xml version="1.0" encoding="utf-8"?>
+<p:sld xmlns:a="http://schemas.openxmlformats.org/drawingml/2006/main" xmlns:r="http://schemas.openxmlformats.org/officeDocument/2006/relationships" xmlns:p="http://schemas.openxmlformats.org/presentationml/2006/main">
+  <p:cSld>
+    <p:spTree>
+      <p:nvGrpSpPr>
+        <p:cNvPr id="1" name=""/>
+        <p:cNvGrpSpPr/>
+        <p:nvPr/>
+      </p:nvGrpSpPr>
+      <p:grpSpPr>
+        <a:xfrm>
+          <a:off x="0" y="0"/>
+          <a:ext cx="0" cy="0"/>
+          <a:chOff x="0" y="0"/>
+          <a:chExt cx="0" cy="0"/>
+        </a:xfrm>
+      </p:grpSpPr>
+      <p:sp>
+        <p:nvSpPr>
+          <p:cNvPr id="2" name="Title 1"/>
+          <p:cNvSpPr>
+            <a:spLocks noGrp="1"/>
+          </p:cNvSpPr>
+          <p:nvPr>
+            <p:ph type="title"/>
+          </p:nvPr>
+        </p:nvSpPr>
+        <p:spPr>
+          <a:xfrm>
+            <a:off x="914400" y="190092"/>
+            <a:ext cx="7315200" cy="865573"/>
+          </a:xfrm>
+        </p:spPr>
+        <p:txBody>
+          <a:bodyPr>
+            <a:noAutofit/>
+          </a:bodyPr>
+          <a:lstStyle/>
+          <a:p>
+            <a:pPr marL="45720" indent="0"/>
+            <a:r>
+              <a:rPr lang="en-US" sz="3300" dirty="0" smtClean="0"/>
+              <a:t>Pre-NLP Analysis</a:t>
+            </a:r>
+            <a:endParaRPr lang="en-US" sz="3300" dirty="0"/>
+          </a:p>
+        </p:txBody>
+      </p:sp>
+      <p:sp>
+        <p:nvSpPr>
+          <p:cNvPr id="3" name="Content Placeholder 2"/>
+          <p:cNvSpPr>
+            <a:spLocks noGrp="1"/>
+          </p:cNvSpPr>
+          <p:nvPr>
+            <p:ph idx="1"/>
+          </p:nvPr>
+        </p:nvSpPr>
+        <p:spPr>
+          <a:xfrm>
+            <a:off x="914400" y="1129147"/>
+            <a:ext cx="7543800" cy="3369303"/>
+          </a:xfrm>
+        </p:spPr>
+        <p:txBody>
+          <a:bodyPr>
+            <a:noAutofit/>
+          </a:bodyPr>
+          <a:lstStyle/>
+          <a:p>
+            <a:pPr marL="45720" indent="0">
+              <a:spcBef>
+                <a:spcPts val="0"/>
+              </a:spcBef>
+              <a:spcAft>
+                <a:spcPts val="1200"/>
+              </a:spcAft>
+              <a:buNone/>
+            </a:pPr>
+            <a:r>
+              <a:rPr lang="en-US" dirty="0" err="1"/>
+              <a:t>Hashtag</a:t>
+            </a:r>
+            <a:r>
+              <a:rPr lang="en-US" dirty="0"/>
+              <a:t> Analysis</a:t>
+            </a:r>
+          </a:p>
+          <a:p>
+            <a:pPr>
+              <a:spcBef>
+                <a:spcPts val="0"/>
+              </a:spcBef>
+              <a:spcAft>
+                <a:spcPts val="1200"/>
+              </a:spcAft>
+            </a:pPr>
+            <a:r>
+              <a:rPr lang="en-US" dirty="0"/>
+              <a:t>Analysis of the trolls’ most-used </a:t>
+            </a:r>
+            <a:r>
+              <a:rPr lang="en-US" dirty="0" err="1"/>
+              <a:t>hashtags</a:t>
+            </a:r>
+            <a:r>
+              <a:rPr lang="en-US" dirty="0"/>
+              <a:t> provided limited amount of insight into the content posted by the trolls and the methods they used</a:t>
+            </a:r>
+            <a:r>
+              <a:rPr lang="en-US" dirty="0" smtClean="0"/>
+              <a:t>.</a:t>
+            </a:r>
+          </a:p>
+          <a:p>
+            <a:pPr>
+              <a:spcBef>
+                <a:spcPts val="0"/>
+              </a:spcBef>
+              <a:spcAft>
+                <a:spcPts val="1200"/>
+              </a:spcAft>
+            </a:pPr>
+            <a:r>
+              <a:rPr lang="en-US" dirty="0" smtClean="0"/>
+              <a:t>The top </a:t>
+            </a:r>
+            <a:r>
+              <a:rPr lang="en-US" dirty="0" err="1" smtClean="0"/>
+              <a:t>hashtags</a:t>
+            </a:r>
+            <a:r>
+              <a:rPr lang="en-US" dirty="0" smtClean="0"/>
+              <a:t> reflected “</a:t>
+            </a:r>
+            <a:r>
+              <a:rPr lang="en-US" dirty="0"/>
+              <a:t>h</a:t>
+            </a:r>
+            <a:r>
+              <a:rPr lang="en-US" dirty="0" smtClean="0"/>
+              <a:t>ot” issues </a:t>
+            </a:r>
+            <a:r>
+              <a:rPr lang="en-US" dirty="0"/>
+              <a:t>during the 2016 election, like “MAGA” or “</a:t>
+            </a:r>
+            <a:r>
+              <a:rPr lang="en-US" dirty="0" err="1"/>
+              <a:t>BlackLivesMatter</a:t>
+            </a:r>
+            <a:r>
+              <a:rPr lang="en-US" dirty="0" smtClean="0"/>
+              <a:t>”</a:t>
+            </a:r>
+            <a:endParaRPr lang="en-US" dirty="0"/>
+          </a:p>
+          <a:p>
+            <a:pPr>
+              <a:spcBef>
+                <a:spcPts val="0"/>
+              </a:spcBef>
+              <a:spcAft>
+                <a:spcPts val="1200"/>
+              </a:spcAft>
+            </a:pPr>
+            <a:r>
+              <a:rPr lang="en-US" dirty="0" smtClean="0"/>
+              <a:t>But many </a:t>
+            </a:r>
+            <a:r>
+              <a:rPr lang="en-US" dirty="0"/>
+              <a:t>of the </a:t>
+            </a:r>
+            <a:r>
+              <a:rPr lang="en-US" dirty="0" err="1"/>
+              <a:t>hashtags</a:t>
+            </a:r>
+            <a:r>
+              <a:rPr lang="en-US" dirty="0"/>
+              <a:t> are simply noise – like “local” and “news”.</a:t>
+            </a:r>
+          </a:p>
+          <a:p>
+            <a:endParaRPr lang="en-US" dirty="0"/>
+          </a:p>
+          <a:p>
+            <a:pPr marL="45720" indent="0">
+              <a:spcAft>
+                <a:spcPts val="1200"/>
+              </a:spcAft>
+              <a:buNone/>
+            </a:pPr>
+            <a:r>
+              <a:rPr lang="en-US" sz="1900" dirty="0"/>
+              <a:t> </a:t>
+            </a:r>
+          </a:p>
+          <a:p>
+            <a:pPr marL="45720" indent="0">
+              <a:lnSpc>
+                <a:spcPct val="110000"/>
+              </a:lnSpc>
+              <a:spcBef>
+                <a:spcPts val="0"/>
+              </a:spcBef>
+              <a:spcAft>
+                <a:spcPts val="1200"/>
+              </a:spcAft>
+              <a:buNone/>
+            </a:pPr>
+            <a:endParaRPr lang="en-US" sz="1900" dirty="0"/>
+          </a:p>
+        </p:txBody>
+      </p:sp>
+    </p:spTree>
+    <p:extLst>
+      <p:ext uri="{BB962C8B-B14F-4D97-AF65-F5344CB8AC3E}">
+        <p14:creationId xmlns:p14="http://schemas.microsoft.com/office/powerpoint/2010/main" val="3741844559"/>
+      </p:ext>
+    </p:extLst>
+  </p:cSld>
+  <p:clrMapOvr>
+    <a:masterClrMapping/>
+  </p:clrMapOvr>
+  <p:timing>
+    <p:tnLst>
+      <p:par>
+        <p:cTn xmlns:p14="http://schemas.microsoft.com/office/powerpoint/2010/main" id="1" dur="indefinite" restart="never" nodeType="tmRoot"/>
+      </p:par>
+    </p:tnLst>
+  </p:timing>
+</p:sld>
+</file>
+
+<file path=ppt/slides/slide15.xml><?xml version="1.0" encoding="utf-8"?>
+<p:sld xmlns:a="http://schemas.openxmlformats.org/drawingml/2006/main" xmlns:r="http://schemas.openxmlformats.org/officeDocument/2006/relationships" xmlns:p="http://schemas.openxmlformats.org/presentationml/2006/main">
+  <p:cSld>
+    <p:spTree>
+      <p:nvGrpSpPr>
+        <p:cNvPr id="1" name=""/>
+        <p:cNvGrpSpPr/>
+        <p:nvPr/>
+      </p:nvGrpSpPr>
+      <p:grpSpPr>
+        <a:xfrm>
+          <a:off x="0" y="0"/>
+          <a:ext cx="0" cy="0"/>
+          <a:chOff x="0" y="0"/>
+          <a:chExt cx="0" cy="0"/>
+        </a:xfrm>
+      </p:grpSpPr>
+      <p:sp>
+        <p:nvSpPr>
+          <p:cNvPr id="2" name="Title 1"/>
+          <p:cNvSpPr>
+            <a:spLocks noGrp="1"/>
+          </p:cNvSpPr>
+          <p:nvPr>
+            <p:ph type="title"/>
+          </p:nvPr>
+        </p:nvSpPr>
+        <p:spPr>
+          <a:xfrm>
+            <a:off x="914400" y="190092"/>
+            <a:ext cx="7315200" cy="865573"/>
+          </a:xfrm>
+        </p:spPr>
+        <p:txBody>
+          <a:bodyPr>
+            <a:noAutofit/>
+          </a:bodyPr>
+          <a:lstStyle/>
+          <a:p>
+            <a:pPr marL="45720" indent="0"/>
+            <a:r>
+              <a:rPr lang="en-US" sz="3300" dirty="0" smtClean="0"/>
+              <a:t>NLP - </a:t>
+            </a:r>
+            <a:r>
+              <a:rPr lang="en-US" sz="3600" dirty="0"/>
+              <a:t>Latent </a:t>
+            </a:r>
+            <a:r>
+              <a:rPr lang="en-US" sz="3600" dirty="0" err="1"/>
+              <a:t>Dirichlet</a:t>
+            </a:r>
+            <a:r>
+              <a:rPr lang="en-US" sz="3600" dirty="0"/>
+              <a:t> </a:t>
+            </a:r>
+            <a:r>
+              <a:rPr lang="en-US" sz="3600" dirty="0" smtClean="0"/>
+              <a:t>Allocation</a:t>
+            </a:r>
+            <a:endParaRPr lang="en-US" sz="3300" dirty="0"/>
+          </a:p>
+        </p:txBody>
+      </p:sp>
+      <p:sp>
+        <p:nvSpPr>
+          <p:cNvPr id="3" name="Content Placeholder 2"/>
+          <p:cNvSpPr>
+            <a:spLocks noGrp="1"/>
+          </p:cNvSpPr>
+          <p:nvPr>
+            <p:ph idx="1"/>
+          </p:nvPr>
+        </p:nvSpPr>
+        <p:spPr>
+          <a:xfrm>
+            <a:off x="914400" y="1129147"/>
+            <a:ext cx="7504959" cy="3369303"/>
+          </a:xfrm>
+        </p:spPr>
+        <p:txBody>
+          <a:bodyPr>
+            <a:noAutofit/>
+          </a:bodyPr>
+          <a:lstStyle/>
+          <a:p>
+            <a:pPr>
+              <a:spcAft>
+                <a:spcPts val="1200"/>
+              </a:spcAft>
+            </a:pPr>
+            <a:r>
+              <a:rPr lang="en-US" dirty="0"/>
+              <a:t>Latent </a:t>
+            </a:r>
+            <a:r>
+              <a:rPr lang="en-US" dirty="0" err="1"/>
+              <a:t>Dirichlet</a:t>
+            </a:r>
+            <a:r>
+              <a:rPr lang="en-US" dirty="0"/>
+              <a:t> Allocation (LDA) </a:t>
+            </a:r>
+            <a:r>
+              <a:rPr lang="en-US" dirty="0" smtClean="0"/>
+              <a:t>is the topic modeling algorithm that was used</a:t>
+            </a:r>
+            <a:r>
+              <a:rPr lang="en-US" sz="1900" dirty="0"/>
+              <a:t> </a:t>
+            </a:r>
+          </a:p>
+          <a:p>
+            <a:pPr>
+              <a:lnSpc>
+                <a:spcPct val="110000"/>
+              </a:lnSpc>
+              <a:spcBef>
+                <a:spcPts val="0"/>
+              </a:spcBef>
+              <a:spcAft>
+                <a:spcPts val="1200"/>
+              </a:spcAft>
+            </a:pPr>
+            <a:r>
+              <a:rPr lang="en-US" sz="1800" dirty="0"/>
+              <a:t>U</a:t>
+            </a:r>
+            <a:r>
+              <a:rPr lang="en-US" sz="1800" dirty="0" smtClean="0"/>
+              <a:t>sed </a:t>
+            </a:r>
+            <a:r>
+              <a:rPr lang="en-US" sz="1800" dirty="0"/>
+              <a:t>to classify text in a document and assign it to a particular topic. </a:t>
+            </a:r>
+            <a:endParaRPr lang="en-US" sz="1800" dirty="0" smtClean="0"/>
+          </a:p>
+          <a:p>
+            <a:pPr>
+              <a:lnSpc>
+                <a:spcPct val="110000"/>
+              </a:lnSpc>
+              <a:spcBef>
+                <a:spcPts val="0"/>
+              </a:spcBef>
+              <a:spcAft>
+                <a:spcPts val="1200"/>
+              </a:spcAft>
+            </a:pPr>
+            <a:r>
+              <a:rPr lang="en-US" sz="1800" dirty="0"/>
+              <a:t>B</a:t>
+            </a:r>
+            <a:r>
+              <a:rPr lang="en-US" sz="1800" dirty="0" smtClean="0"/>
+              <a:t>uilds </a:t>
+            </a:r>
+            <a:r>
+              <a:rPr lang="en-US" sz="1800" dirty="0"/>
+              <a:t>a “topic per document” model and “words per topic” model, modeled as </a:t>
+            </a:r>
+            <a:r>
+              <a:rPr lang="en-US" sz="1800" u="sng" dirty="0">
+                <a:hlinkClick r:id="rId2"/>
+              </a:rPr>
+              <a:t>Dirichlet distributions</a:t>
+            </a:r>
+            <a:r>
+              <a:rPr lang="en-US" sz="1800" dirty="0" smtClean="0"/>
+              <a:t>.</a:t>
+            </a:r>
+          </a:p>
+          <a:p>
+            <a:pPr>
+              <a:lnSpc>
+                <a:spcPct val="110000"/>
+              </a:lnSpc>
+              <a:spcBef>
+                <a:spcPts val="0"/>
+              </a:spcBef>
+              <a:spcAft>
+                <a:spcPts val="1200"/>
+              </a:spcAft>
+            </a:pPr>
+            <a:r>
+              <a:rPr lang="en-US" sz="1800" dirty="0" smtClean="0"/>
+              <a:t>Requires a sparse vector</a:t>
+            </a:r>
+          </a:p>
+          <a:p>
+            <a:pPr lvl="1">
+              <a:lnSpc>
+                <a:spcPct val="110000"/>
+              </a:lnSpc>
+              <a:spcBef>
+                <a:spcPts val="0"/>
+              </a:spcBef>
+              <a:spcAft>
+                <a:spcPts val="1200"/>
+              </a:spcAft>
+            </a:pPr>
+            <a:r>
+              <a:rPr lang="en-US" sz="1600" dirty="0" smtClean="0"/>
+              <a:t>Created a bag-of-words </a:t>
+            </a:r>
+            <a:r>
+              <a:rPr lang="en-US" sz="1600" dirty="0"/>
+              <a:t>document representation </a:t>
+            </a:r>
+            <a:endParaRPr lang="en-US" sz="1600" dirty="0" smtClean="0"/>
+          </a:p>
+          <a:p>
+            <a:pPr>
+              <a:lnSpc>
+                <a:spcPct val="110000"/>
+              </a:lnSpc>
+              <a:spcBef>
+                <a:spcPts val="0"/>
+              </a:spcBef>
+              <a:spcAft>
+                <a:spcPts val="1200"/>
+              </a:spcAft>
+            </a:pPr>
+            <a:r>
+              <a:rPr lang="en-US" sz="2000" dirty="0" smtClean="0"/>
+              <a:t>Used </a:t>
+            </a:r>
+            <a:r>
+              <a:rPr lang="en-US" sz="2000" dirty="0" err="1" smtClean="0"/>
+              <a:t>Gensim</a:t>
+            </a:r>
+            <a:r>
+              <a:rPr lang="en-US" sz="2000" dirty="0" smtClean="0"/>
+              <a:t> NLP Library</a:t>
+            </a:r>
+            <a:endParaRPr lang="en-US" sz="2000" dirty="0"/>
+          </a:p>
+          <a:p>
+            <a:pPr marL="45720" indent="0">
+              <a:lnSpc>
+                <a:spcPct val="110000"/>
+              </a:lnSpc>
+              <a:spcBef>
+                <a:spcPts val="0"/>
+              </a:spcBef>
+              <a:spcAft>
+                <a:spcPts val="1200"/>
+              </a:spcAft>
+              <a:buNone/>
+            </a:pPr>
+            <a:endParaRPr lang="en-US" sz="1900" dirty="0"/>
+          </a:p>
+        </p:txBody>
+      </p:sp>
+    </p:spTree>
+    <p:extLst>
+      <p:ext uri="{BB962C8B-B14F-4D97-AF65-F5344CB8AC3E}">
+        <p14:creationId xmlns:p14="http://schemas.microsoft.com/office/powerpoint/2010/main" val="726953845"/>
+      </p:ext>
+    </p:extLst>
+  </p:cSld>
+  <p:clrMapOvr>
+    <a:masterClrMapping/>
+  </p:clrMapOvr>
+  <p:timing>
+    <p:tnLst>
+      <p:par>
+        <p:cTn xmlns:p14="http://schemas.microsoft.com/office/powerpoint/2010/main" id="1" dur="indefinite" restart="never" nodeType="tmRoot"/>
+      </p:par>
+    </p:tnLst>
+  </p:timing>
+</p:sld>
+</file>
+
+<file path=ppt/slides/slide16.xml><?xml version="1.0" encoding="utf-8"?>
+<p:sld xmlns:a="http://schemas.openxmlformats.org/drawingml/2006/main" xmlns:r="http://schemas.openxmlformats.org/officeDocument/2006/relationships" xmlns:p="http://schemas.openxmlformats.org/presentationml/2006/main">
+  <p:cSld>
+    <p:spTree>
+      <p:nvGrpSpPr>
+        <p:cNvPr id="1" name=""/>
+        <p:cNvGrpSpPr/>
+        <p:nvPr/>
+      </p:nvGrpSpPr>
+      <p:grpSpPr>
+        <a:xfrm>
+          <a:off x="0" y="0"/>
+          <a:ext cx="0" cy="0"/>
+          <a:chOff x="0" y="0"/>
+          <a:chExt cx="0" cy="0"/>
+        </a:xfrm>
+      </p:grpSpPr>
+      <p:sp>
+        <p:nvSpPr>
+          <p:cNvPr id="2" name="Title 1"/>
+          <p:cNvSpPr>
+            <a:spLocks noGrp="1"/>
+          </p:cNvSpPr>
+          <p:nvPr>
+            <p:ph type="title"/>
+          </p:nvPr>
+        </p:nvSpPr>
+        <p:spPr>
+          <a:xfrm>
+            <a:off x="914400" y="190092"/>
+            <a:ext cx="7315200" cy="865573"/>
+          </a:xfrm>
+        </p:spPr>
+        <p:txBody>
+          <a:bodyPr>
+            <a:noAutofit/>
+          </a:bodyPr>
+          <a:lstStyle/>
+          <a:p>
+            <a:pPr marL="45720" indent="0"/>
+            <a:r>
+              <a:rPr lang="en-US" sz="3300" dirty="0" smtClean="0"/>
               <a:t>LDA Topic Modeling Results</a:t>
             </a:r>
             <a:endParaRPr lang="en-US" sz="3300" dirty="0"/>
@@ -7251,11 +8095,7 @@
             </a:pPr>
             <a:r>
               <a:rPr lang="en-US" sz="1800" dirty="0" smtClean="0"/>
-              <a:t>F</a:t>
-            </a:r>
-            <a:r>
-              <a:rPr lang="en-US" sz="1800" dirty="0" smtClean="0"/>
-              <a:t>irst </a:t>
+              <a:t>First </a:t>
             </a:r>
             <a:r>
               <a:rPr lang="en-US" sz="1800" dirty="0"/>
@@ -7330,11 +8170,7 @@
             </a:r>
             <a:r>
               <a:rPr lang="en-US" sz="1800" dirty="0"/>
-              <a:t>the weight of keyword on the topic</a:t>
-            </a:r>
-            <a:r>
-              <a:rPr lang="en-US" sz="1800" dirty="0"/>
-              <a:t> </a:t>
+              <a:t>the weight of keyword on the topic </a:t>
             </a:r>
             <a:r>
               <a:rPr lang="en-US" sz="1800" dirty="0" smtClean="0"/>
@@ -7379,7 +8215,7 @@
 </p:sld>
 </file>
 
-<file path=ppt/slides/slide14.xml><?xml version="1.0" encoding="utf-8"?>
+<file path=ppt/slides/slide17.xml><?xml version="1.0" encoding="utf-8"?>
 <p:sld xmlns:a="http://schemas.openxmlformats.org/drawingml/2006/main" xmlns:r="http://schemas.openxmlformats.org/officeDocument/2006/relationships" xmlns:p="http://schemas.openxmlformats.org/presentationml/2006/main">
   <p:cSld>
     <p:spTree>
@@ -7584,7 +8420,7 @@
 </p:sld>
 </file>
 
-<file path=ppt/slides/slide15.xml><?xml version="1.0" encoding="utf-8"?>
+<file path=ppt/slides/slide18.xml><?xml version="1.0" encoding="utf-8"?>
 <p:sld xmlns:a="http://schemas.openxmlformats.org/drawingml/2006/main" xmlns:r="http://schemas.openxmlformats.org/officeDocument/2006/relationships" xmlns:p="http://schemas.openxmlformats.org/presentationml/2006/main">
   <p:cSld>
     <p:spTree>
@@ -7748,7 +8584,7 @@
 </p:sld>
 </file>
 
-<file path=ppt/slides/slide16.xml><?xml version="1.0" encoding="utf-8"?>
+<file path=ppt/slides/slide19.xml><?xml version="1.0" encoding="utf-8"?>
 <p:sld xmlns:a="http://schemas.openxmlformats.org/drawingml/2006/main" xmlns:r="http://schemas.openxmlformats.org/officeDocument/2006/relationships" xmlns:p="http://schemas.openxmlformats.org/presentationml/2006/main">
   <p:cSld>
     <p:spTree>
@@ -7844,11 +8680,7 @@
             </a:r>
             <a:r>
               <a:rPr lang="en-US" dirty="0"/>
-              <a:t> and Patrick Warren</a:t>
-            </a:r>
-            <a:r>
-              <a:rPr lang="en-US" dirty="0"/>
-              <a:t> </a:t>
+              <a:t> and Patrick Warren </a:t>
             </a:r>
             <a:r>
               <a:rPr lang="en-US" dirty="0" smtClean="0"/>
@@ -7856,11 +8688,7 @@
             </a:r>
             <a:r>
               <a:rPr lang="en-US" dirty="0"/>
-              <a:t>each with unique patterns of behaviors</a:t>
-            </a:r>
-            <a:r>
-              <a:rPr lang="en-US" dirty="0"/>
-              <a:t> </a:t>
+              <a:t>each with unique patterns of behaviors </a:t>
             </a:r>
             <a:endParaRPr lang="en-US" dirty="0" smtClean="0"/>
           </a:p>
@@ -7874,16 +8702,12 @@
               </a:spcAft>
             </a:pPr>
             <a:r>
-              <a:rPr lang="en-US"/>
+              <a:rPr lang="en-US" dirty="0"/>
               <a:t>F</a:t>
             </a:r>
             <a:r>
-              <a:rPr lang="en-US" smtClean="0"/>
-              <a:t>ocused </a:t>
-            </a:r>
-            <a:r>
               <a:rPr lang="en-US" dirty="0" smtClean="0"/>
-              <a:t>on the Right Troll and Left Troll groups</a:t>
+              <a:t>ocused on the Right Troll and Left Troll groups</a:t>
             </a:r>
             <a:endParaRPr lang="en-US" dirty="0"/>
           </a:p>
@@ -7986,7 +8810,198 @@
 </p:sld>
 </file>
 
-<file path=ppt/slides/slide17.xml><?xml version="1.0" encoding="utf-8"?>
+<file path=ppt/slides/slide2.xml><?xml version="1.0" encoding="utf-8"?>
+<p:sld xmlns:a="http://schemas.openxmlformats.org/drawingml/2006/main" xmlns:r="http://schemas.openxmlformats.org/officeDocument/2006/relationships" xmlns:p="http://schemas.openxmlformats.org/presentationml/2006/main">
+  <p:cSld>
+    <p:spTree>
+      <p:nvGrpSpPr>
+        <p:cNvPr id="1" name=""/>
+        <p:cNvGrpSpPr/>
+        <p:nvPr/>
+      </p:nvGrpSpPr>
+      <p:grpSpPr>
+        <a:xfrm>
+          <a:off x="0" y="0"/>
+          <a:ext cx="0" cy="0"/>
+          <a:chOff x="0" y="0"/>
+          <a:chExt cx="0" cy="0"/>
+        </a:xfrm>
+      </p:grpSpPr>
+      <p:sp>
+        <p:nvSpPr>
+          <p:cNvPr id="2" name="Title 1"/>
+          <p:cNvSpPr>
+            <a:spLocks noGrp="1"/>
+          </p:cNvSpPr>
+          <p:nvPr>
+            <p:ph type="title"/>
+          </p:nvPr>
+        </p:nvSpPr>
+        <p:spPr>
+          <a:xfrm>
+            <a:off x="914400" y="190092"/>
+            <a:ext cx="7315200" cy="865573"/>
+          </a:xfrm>
+        </p:spPr>
+        <p:txBody>
+          <a:bodyPr/>
+          <a:lstStyle/>
+          <a:p>
+            <a:pPr marL="45720" indent="0"/>
+            <a:r>
+              <a:rPr lang="en-US" dirty="0"/>
+              <a:t>Problem Statement</a:t>
+            </a:r>
+          </a:p>
+        </p:txBody>
+      </p:sp>
+      <p:sp>
+        <p:nvSpPr>
+          <p:cNvPr id="3" name="Content Placeholder 2"/>
+          <p:cNvSpPr>
+            <a:spLocks noGrp="1"/>
+          </p:cNvSpPr>
+          <p:nvPr>
+            <p:ph idx="1"/>
+          </p:nvPr>
+        </p:nvSpPr>
+        <p:spPr>
+          <a:xfrm>
+            <a:off x="914400" y="1291255"/>
+            <a:ext cx="7315200" cy="3652989"/>
+          </a:xfrm>
+        </p:spPr>
+        <p:txBody>
+          <a:bodyPr>
+            <a:normAutofit/>
+          </a:bodyPr>
+          <a:lstStyle/>
+          <a:p>
+            <a:pPr marL="45720" indent="0">
+              <a:buNone/>
+            </a:pPr>
+            <a:r>
+              <a:rPr lang="en-US" dirty="0"/>
+              <a:t> </a:t>
+            </a:r>
+          </a:p>
+          <a:p>
+            <a:pPr marL="45720" indent="0">
+              <a:spcBef>
+                <a:spcPts val="0"/>
+              </a:spcBef>
+              <a:buNone/>
+            </a:pPr>
+            <a:r>
+              <a:rPr lang="en-US" dirty="0" smtClean="0"/>
+              <a:t>In </a:t>
+            </a:r>
+            <a:r>
+              <a:rPr lang="en-US" dirty="0"/>
+              <a:t>the lead up to the 2016 US Election, and for a short time afterwards, social media users in he US were targeted by a disinformation campaign by a Russian “troll factory,” designed to “sow disinformation and discord into American politics via social </a:t>
+            </a:r>
+            <a:r>
+              <a:rPr lang="en-US" dirty="0" smtClean="0"/>
+              <a:t>media</a:t>
+            </a:r>
+            <a:r>
+              <a:rPr lang="en-US" dirty="0"/>
+              <a:t>.</a:t>
+            </a:r>
+            <a:r>
+              <a:rPr lang="en-US" dirty="0" smtClean="0"/>
+              <a:t>”</a:t>
+            </a:r>
+            <a:r>
+              <a:rPr lang="en-US" baseline="30000" dirty="0" smtClean="0"/>
+              <a:t>1</a:t>
+            </a:r>
+          </a:p>
+          <a:p>
+            <a:pPr marL="45720" indent="0">
+              <a:spcBef>
+                <a:spcPts val="0"/>
+              </a:spcBef>
+              <a:buNone/>
+            </a:pPr>
+            <a:endParaRPr lang="en-US" dirty="0"/>
+          </a:p>
+          <a:p>
+            <a:pPr marL="45720" indent="0">
+              <a:spcBef>
+                <a:spcPts val="0"/>
+              </a:spcBef>
+              <a:buNone/>
+            </a:pPr>
+            <a:endParaRPr lang="en-US" dirty="0" smtClean="0"/>
+          </a:p>
+          <a:p>
+            <a:pPr marL="45720" indent="0">
+              <a:spcBef>
+                <a:spcPts val="0"/>
+              </a:spcBef>
+              <a:buNone/>
+            </a:pPr>
+            <a:endParaRPr lang="en-US" dirty="0"/>
+          </a:p>
+          <a:p>
+            <a:pPr marL="45720" indent="0">
+              <a:spcBef>
+                <a:spcPts val="0"/>
+              </a:spcBef>
+              <a:buNone/>
+            </a:pPr>
+            <a:r>
+              <a:rPr lang="en-US" sz="1100" dirty="0" smtClean="0"/>
+              <a:t>1. </a:t>
+            </a:r>
+            <a:r>
+              <a:rPr lang="en-US" sz="1100" dirty="0" err="1" smtClean="0"/>
+              <a:t>FiveThirtyEight.com</a:t>
+            </a:r>
+            <a:r>
+              <a:rPr lang="en-US" sz="1100" dirty="0"/>
+              <a:t>, </a:t>
+            </a:r>
+            <a:r>
+              <a:rPr lang="en-US" sz="1100" u="sng" dirty="0">
+                <a:hlinkClick r:id="rId2"/>
+              </a:rPr>
+              <a:t>Why We’re Sharing 3 Million Russian Troll Tweets</a:t>
+            </a:r>
+            <a:r>
+              <a:rPr lang="en-US" sz="1100" dirty="0"/>
+              <a:t>, July 31, 2018 </a:t>
+            </a:r>
+            <a:r>
+              <a:rPr lang="en-US" sz="1100" dirty="0" smtClean="0"/>
+              <a:t> </a:t>
+            </a:r>
+            <a:endParaRPr lang="en-US" sz="1100" dirty="0"/>
+          </a:p>
+        </p:txBody>
+      </p:sp>
+    </p:spTree>
+    <p:extLst>
+      <p:ext uri="{BB962C8B-B14F-4D97-AF65-F5344CB8AC3E}">
+        <p14:creationId xmlns:p14="http://schemas.microsoft.com/office/powerpoint/2010/main" val="3879559531"/>
+      </p:ext>
+    </p:extLst>
+  </p:cSld>
+  <p:clrMapOvr>
+    <a:masterClrMapping/>
+  </p:clrMapOvr>
+  <p:timing>
+    <p:tnLst>
+      <p:par>
+        <p:cTn xmlns:p14="http://schemas.microsoft.com/office/powerpoint/2010/main" id="1" dur="indefinite" restart="never" nodeType="tmRoot"/>
+      </p:par>
+    </p:tnLst>
+  </p:timing>
+</p:sld>
+</file>
+
+<file path=ppt/slides/slide20.xml><?xml version="1.0" encoding="utf-8"?>
 <p:sld xmlns:a="http://schemas.openxmlformats.org/drawingml/2006/main" xmlns:r="http://schemas.openxmlformats.org/officeDocument/2006/relationships" xmlns:p="http://schemas.openxmlformats.org/presentationml/2006/main">
   <p:cSld>
     <p:spTree>
@@ -8156,11 +9171,7 @@
             </a:r>
             <a:r>
               <a:rPr lang="en-US" sz="1800" dirty="0"/>
-              <a:t>, the Right Troll group members also sometimes tweeted divisive messages about the Republican party as well.</a:t>
-            </a:r>
-            <a:r>
-              <a:rPr lang="en-US" sz="1800" dirty="0"/>
-              <a:t> </a:t>
+              <a:t>, the Right Troll group members also sometimes tweeted divisive messages about the Republican party as well. </a:t>
             </a:r>
             <a:endParaRPr lang="en-US" sz="1900" dirty="0"/>
           </a:p>
@@ -8219,7 +9230,7 @@
 </p:sld>
 </file>
 
-<file path=ppt/slides/slide18.xml><?xml version="1.0" encoding="utf-8"?>
+<file path=ppt/slides/slide21.xml><?xml version="1.0" encoding="utf-8"?>
 <p:sld xmlns:a="http://schemas.openxmlformats.org/drawingml/2006/main" xmlns:r="http://schemas.openxmlformats.org/officeDocument/2006/relationships" xmlns:p="http://schemas.openxmlformats.org/presentationml/2006/main">
   <p:cSld>
     <p:spTree>
@@ -8354,11 +9365,7 @@
             </a:r>
             <a:r>
               <a:rPr lang="en-US" sz="1800" dirty="0"/>
-              <a:t>, which was a central issues during this time period.</a:t>
-            </a:r>
-            <a:r>
-              <a:rPr lang="en-US" sz="1800" dirty="0"/>
-              <a:t> </a:t>
+              <a:t>, which was a central issues during this time period. </a:t>
             </a:r>
             <a:endParaRPr lang="en-US" sz="1900" dirty="0"/>
           </a:p>
@@ -8473,7 +9480,7 @@
 </p:sld>
 </file>
 
-<file path=ppt/slides/slide19.xml><?xml version="1.0" encoding="utf-8"?>
+<file path=ppt/slides/slide22.xml><?xml version="1.0" encoding="utf-8"?>
 <p:sld xmlns:a="http://schemas.openxmlformats.org/drawingml/2006/main" xmlns:r="http://schemas.openxmlformats.org/officeDocument/2006/relationships" xmlns:p="http://schemas.openxmlformats.org/presentationml/2006/main">
   <p:cSld>
     <p:spTree>
@@ -8551,7 +9558,6 @@
               <a:rPr lang="en-US" sz="1800" dirty="0" smtClean="0"/>
               <a:t>.</a:t>
             </a:r>
-            <a:endParaRPr lang="en-US" sz="1800" dirty="0" smtClean="0"/>
           </a:p>
           <a:p>
             <a:pPr>
@@ -8655,198 +9661,7 @@
 </p:sld>
 </file>
 
-<file path=ppt/slides/slide2.xml><?xml version="1.0" encoding="utf-8"?>
-<p:sld xmlns:a="http://schemas.openxmlformats.org/drawingml/2006/main" xmlns:r="http://schemas.openxmlformats.org/officeDocument/2006/relationships" xmlns:p="http://schemas.openxmlformats.org/presentationml/2006/main">
-  <p:cSld>
-    <p:spTree>
-      <p:nvGrpSpPr>
-        <p:cNvPr id="1" name=""/>
-        <p:cNvGrpSpPr/>
-        <p:nvPr/>
-      </p:nvGrpSpPr>
-      <p:grpSpPr>
-        <a:xfrm>
-          <a:off x="0" y="0"/>
-          <a:ext cx="0" cy="0"/>
-          <a:chOff x="0" y="0"/>
-          <a:chExt cx="0" cy="0"/>
-        </a:xfrm>
-      </p:grpSpPr>
-      <p:sp>
-        <p:nvSpPr>
-          <p:cNvPr id="2" name="Title 1"/>
-          <p:cNvSpPr>
-            <a:spLocks noGrp="1"/>
-          </p:cNvSpPr>
-          <p:nvPr>
-            <p:ph type="title"/>
-          </p:nvPr>
-        </p:nvSpPr>
-        <p:spPr>
-          <a:xfrm>
-            <a:off x="914400" y="190092"/>
-            <a:ext cx="7315200" cy="865573"/>
-          </a:xfrm>
-        </p:spPr>
-        <p:txBody>
-          <a:bodyPr/>
-          <a:lstStyle/>
-          <a:p>
-            <a:pPr marL="45720" indent="0"/>
-            <a:r>
-              <a:rPr lang="en-US" dirty="0"/>
-              <a:t>Problem Statement</a:t>
-            </a:r>
-          </a:p>
-        </p:txBody>
-      </p:sp>
-      <p:sp>
-        <p:nvSpPr>
-          <p:cNvPr id="3" name="Content Placeholder 2"/>
-          <p:cNvSpPr>
-            <a:spLocks noGrp="1"/>
-          </p:cNvSpPr>
-          <p:nvPr>
-            <p:ph idx="1"/>
-          </p:nvPr>
-        </p:nvSpPr>
-        <p:spPr>
-          <a:xfrm>
-            <a:off x="914400" y="1291255"/>
-            <a:ext cx="7315200" cy="3652989"/>
-          </a:xfrm>
-        </p:spPr>
-        <p:txBody>
-          <a:bodyPr>
-            <a:normAutofit/>
-          </a:bodyPr>
-          <a:lstStyle/>
-          <a:p>
-            <a:pPr marL="45720" indent="0">
-              <a:buNone/>
-            </a:pPr>
-            <a:r>
-              <a:rPr lang="en-US" dirty="0"/>
-              <a:t> </a:t>
-            </a:r>
-          </a:p>
-          <a:p>
-            <a:pPr marL="45720" indent="0">
-              <a:spcBef>
-                <a:spcPts val="0"/>
-              </a:spcBef>
-              <a:buNone/>
-            </a:pPr>
-            <a:r>
-              <a:rPr lang="en-US" dirty="0" smtClean="0"/>
-              <a:t>In </a:t>
-            </a:r>
-            <a:r>
-              <a:rPr lang="en-US" dirty="0"/>
-              <a:t>the lead up to the 2016 US Election, and for a short time afterwards, social media users in he US were targeted by a disinformation campaign by a Russian “troll factory,” designed to “sow disinformation and discord into American politics via social </a:t>
-            </a:r>
-            <a:r>
-              <a:rPr lang="en-US" dirty="0" smtClean="0"/>
-              <a:t>media</a:t>
-            </a:r>
-            <a:r>
-              <a:rPr lang="en-US" dirty="0"/>
-              <a:t>.</a:t>
-            </a:r>
-            <a:r>
-              <a:rPr lang="en-US" dirty="0" smtClean="0"/>
-              <a:t>”</a:t>
-            </a:r>
-            <a:r>
-              <a:rPr lang="en-US" baseline="30000" dirty="0" smtClean="0"/>
-              <a:t>1</a:t>
-            </a:r>
-          </a:p>
-          <a:p>
-            <a:pPr marL="45720" indent="0">
-              <a:spcBef>
-                <a:spcPts val="0"/>
-              </a:spcBef>
-              <a:buNone/>
-            </a:pPr>
-            <a:endParaRPr lang="en-US" dirty="0"/>
-          </a:p>
-          <a:p>
-            <a:pPr marL="45720" indent="0">
-              <a:spcBef>
-                <a:spcPts val="0"/>
-              </a:spcBef>
-              <a:buNone/>
-            </a:pPr>
-            <a:endParaRPr lang="en-US" dirty="0" smtClean="0"/>
-          </a:p>
-          <a:p>
-            <a:pPr marL="45720" indent="0">
-              <a:spcBef>
-                <a:spcPts val="0"/>
-              </a:spcBef>
-              <a:buNone/>
-            </a:pPr>
-            <a:endParaRPr lang="en-US" dirty="0"/>
-          </a:p>
-          <a:p>
-            <a:pPr marL="45720" indent="0">
-              <a:spcBef>
-                <a:spcPts val="0"/>
-              </a:spcBef>
-              <a:buNone/>
-            </a:pPr>
-            <a:r>
-              <a:rPr lang="en-US" sz="1100" dirty="0" smtClean="0"/>
-              <a:t>1. </a:t>
-            </a:r>
-            <a:r>
-              <a:rPr lang="en-US" sz="1100" dirty="0" err="1" smtClean="0"/>
-              <a:t>FiveThirtyEight.com</a:t>
-            </a:r>
-            <a:r>
-              <a:rPr lang="en-US" sz="1100" dirty="0"/>
-              <a:t>, </a:t>
-            </a:r>
-            <a:r>
-              <a:rPr lang="en-US" sz="1100" u="sng" dirty="0">
-                <a:hlinkClick r:id="rId2"/>
-              </a:rPr>
-              <a:t>Why We’re Sharing 3 Million Russian Troll Tweets</a:t>
-            </a:r>
-            <a:r>
-              <a:rPr lang="en-US" sz="1100" dirty="0"/>
-              <a:t>, July 31, 2018 </a:t>
-            </a:r>
-            <a:r>
-              <a:rPr lang="en-US" sz="1100" dirty="0" smtClean="0"/>
-              <a:t> </a:t>
-            </a:r>
-            <a:endParaRPr lang="en-US" sz="1100" dirty="0"/>
-          </a:p>
-        </p:txBody>
-      </p:sp>
-    </p:spTree>
-    <p:extLst>
-      <p:ext uri="{BB962C8B-B14F-4D97-AF65-F5344CB8AC3E}">
-        <p14:creationId xmlns:p14="http://schemas.microsoft.com/office/powerpoint/2010/main" val="3879559531"/>
-      </p:ext>
-    </p:extLst>
-  </p:cSld>
-  <p:clrMapOvr>
-    <a:masterClrMapping/>
-  </p:clrMapOvr>
-  <p:timing>
-    <p:tnLst>
-      <p:par>
-        <p:cTn xmlns:p14="http://schemas.microsoft.com/office/powerpoint/2010/main" id="1" dur="indefinite" restart="never" nodeType="tmRoot"/>
-      </p:par>
-    </p:tnLst>
-  </p:timing>
-</p:sld>
-</file>
-
-<file path=ppt/slides/slide20.xml><?xml version="1.0" encoding="utf-8"?>
+<file path=ppt/slides/slide23.xml><?xml version="1.0" encoding="utf-8"?>
 <p:sld xmlns:a="http://schemas.openxmlformats.org/drawingml/2006/main" xmlns:r="http://schemas.openxmlformats.org/officeDocument/2006/relationships" xmlns:p="http://schemas.openxmlformats.org/presentationml/2006/main">
   <p:cSld>
     <p:spTree>
@@ -8986,11 +9801,7 @@
             </a:r>
             <a:r>
               <a:rPr lang="en-US" dirty="0"/>
-              <a:t>and divisiveness</a:t>
-            </a:r>
-            <a:r>
-              <a:rPr lang="en-US" dirty="0"/>
-              <a:t> </a:t>
+              <a:t>and divisiveness </a:t>
             </a:r>
             <a:endParaRPr lang="en-US" dirty="0" smtClean="0"/>
           </a:p>
@@ -10214,7 +11025,7 @@
         <p:spPr>
           <a:xfrm>
             <a:off x="914400" y="1129147"/>
-            <a:ext cx="4260557" cy="3369303"/>
+            <a:ext cx="7551994" cy="3369303"/>
           </a:xfrm>
         </p:spPr>
         <p:txBody>
@@ -10223,16 +11034,84 @@
           </a:bodyPr>
           <a:lstStyle/>
           <a:p>
-            <a:pPr marL="45720" indent="0">
-              <a:spcAft>
-                <a:spcPts val="1200"/>
-              </a:spcAft>
-              <a:buNone/>
-            </a:pPr>
+            <a:r>
+              <a:rPr lang="en-US" dirty="0"/>
+              <a:t>Exploratory Data Analysis (EDA) was undertaken to examine the structure of the data and extract any initial findings and patterns in the data</a:t>
+            </a:r>
             <a:r>
               <a:rPr lang="en-US" dirty="0" smtClean="0"/>
-              <a:t>Conclude</a:t>
-            </a:r>
+              <a:t>.</a:t>
+            </a:r>
+          </a:p>
+          <a:p>
+            <a:r>
+              <a:rPr lang="en-US" dirty="0" smtClean="0"/>
+              <a:t>2,843 </a:t>
+            </a:r>
+            <a:r>
+              <a:rPr lang="en-US" dirty="0"/>
+              <a:t>unique </a:t>
+            </a:r>
+            <a:r>
+              <a:rPr lang="en-US" dirty="0" smtClean="0"/>
+              <a:t>trolls, accounting </a:t>
+            </a:r>
+            <a:r>
+              <a:rPr lang="en-US" dirty="0"/>
+              <a:t>for 2.94 million </a:t>
+            </a:r>
+            <a:r>
+              <a:rPr lang="en-US" dirty="0" smtClean="0"/>
+              <a:t>tweets</a:t>
+            </a:r>
+          </a:p>
+          <a:p>
+            <a:r>
+              <a:rPr lang="en-US" dirty="0" smtClean="0"/>
+              <a:t>Ten </a:t>
+            </a:r>
+            <a:r>
+              <a:rPr lang="en-US" dirty="0"/>
+              <a:t>most active authors were responsible for ~350,000 tweets, </a:t>
+            </a:r>
+            <a:r>
+              <a:rPr lang="en-US" dirty="0" smtClean="0"/>
+              <a:t>(only </a:t>
+            </a:r>
+            <a:r>
+              <a:rPr lang="en-US" dirty="0"/>
+              <a:t>14% of the total Troll </a:t>
+            </a:r>
+            <a:r>
+              <a:rPr lang="en-US" dirty="0" smtClean="0"/>
+              <a:t>tweets) </a:t>
+            </a:r>
+          </a:p>
+          <a:p>
+            <a:pPr lvl="1"/>
+            <a:r>
+              <a:rPr lang="en-US" dirty="0"/>
+              <a:t>I</a:t>
+            </a:r>
+            <a:r>
+              <a:rPr lang="en-US" smtClean="0"/>
+              <a:t>ndicates </a:t>
+            </a:r>
+            <a:r>
+              <a:rPr lang="en-US" dirty="0"/>
+              <a:t>a more widespread use of trolls with tweets distributed across </a:t>
+            </a:r>
+            <a:r>
+              <a:rPr lang="en-US"/>
+              <a:t>many </a:t>
+            </a:r>
+            <a:r>
+              <a:rPr lang="en-US" smtClean="0"/>
+              <a:t>users</a:t>
+            </a:r>
+            <a:endParaRPr lang="en-US" dirty="0"/>
+          </a:p>
+          <a:p>
             <a:endParaRPr lang="en-US" dirty="0"/>
           </a:p>
           <a:p>
